--- a/Website_Lacak Kontak.pptx
+++ b/Website_Lacak Kontak.pptx
@@ -1,28 +1,30 @@
 
 <file path=ppt/presentation.xml><?xml version="1.0" encoding="utf-8"?>
-<p:presentation xmlns:a="http://schemas.openxmlformats.org/drawingml/2006/main" xmlns:r="http://schemas.openxmlformats.org/officeDocument/2006/relationships" xmlns:p="http://schemas.openxmlformats.org/presentationml/2006/main" saveSubsetFonts="1" embedTrueTypeFonts="true">
+<p:presentation xmlns:a="http://schemas.openxmlformats.org/drawingml/2006/main" xmlns:r="http://schemas.openxmlformats.org/officeDocument/2006/relationships" xmlns:p="http://schemas.openxmlformats.org/presentationml/2006/main" embedTrueTypeFonts="1" saveSubsetFonts="1">
   <p:sldMasterIdLst>
     <p:sldMasterId id="2147483648" r:id="rId1"/>
   </p:sldMasterIdLst>
   <p:sldIdLst>
-    <p:sldId id="256" r:id="rId6"/>
-    <p:sldId id="257" r:id="rId7"/>
-    <p:sldId id="258" r:id="rId8"/>
-    <p:sldId id="259" r:id="rId9"/>
-    <p:sldId id="260" r:id="rId10"/>
-    <p:sldId id="261" r:id="rId11"/>
-    <p:sldId id="262" r:id="rId12"/>
+    <p:sldId id="256" r:id="rId2"/>
+    <p:sldId id="263" r:id="rId3"/>
+    <p:sldId id="265" r:id="rId4"/>
+    <p:sldId id="266" r:id="rId5"/>
+    <p:sldId id="267" r:id="rId6"/>
+    <p:sldId id="270" r:id="rId7"/>
+    <p:sldId id="268" r:id="rId8"/>
+    <p:sldId id="269" r:id="rId9"/>
+    <p:sldId id="262" r:id="rId10"/>
   </p:sldIdLst>
   <p:sldSz cx="18288000" cy="10287000"/>
   <p:notesSz cx="6858000" cy="9144000"/>
   <p:embeddedFontLst>
     <p:embeddedFont>
-      <p:font typeface="Monda" charset="1" panose="02000503000000000000"/>
-      <p:regular r:id="rId13"/>
+      <p:font typeface="Monda" panose="020B0604020202020204" charset="0"/>
+      <p:regular r:id="rId11"/>
     </p:embeddedFont>
     <p:embeddedFont>
-      <p:font typeface="Monda Bold" charset="1" panose="02000803000000000000"/>
-      <p:regular r:id="rId14"/>
+      <p:font typeface="Monda Bold" panose="020B0604020202020204" charset="0"/>
+      <p:regular r:id="rId12"/>
     </p:embeddedFont>
   </p:embeddedFontLst>
   <p:defaultTextStyle>
@@ -120,6 +122,22 @@
       </a:defRPr>
     </a:lvl9pPr>
   </p:defaultTextStyle>
+  <p:extLst>
+    <p:ext uri="{EFAFB233-063F-42B5-8137-9DF3F51BA10A}">
+      <p15:sldGuideLst xmlns:p15="http://schemas.microsoft.com/office/powerpoint/2012/main">
+        <p15:guide id="1" orient="horz" pos="2160">
+          <p15:clr>
+            <a:srgbClr val="A4A3A4"/>
+          </p15:clr>
+        </p15:guide>
+        <p15:guide id="2" pos="2880">
+          <p15:clr>
+            <a:srgbClr val="A4A3A4"/>
+          </p15:clr>
+        </p15:guide>
+      </p15:sldGuideLst>
+    </p:ext>
+  </p:extLst>
 </p:presentation>
 </file>
 
@@ -161,10 +179,9 @@
           <a:lstStyle/>
           <a:p>
             <a:r>
-              <a:rPr lang="en-US" smtClean="0"/>
+              <a:rPr lang="en-US"/>
               <a:t>Click to edit Master title style</a:t>
             </a:r>
-            <a:endParaRPr lang="en-US"/>
           </a:p>
         </p:txBody>
       </p:sp>
@@ -280,10 +297,9 @@
           </a:lstStyle>
           <a:p>
             <a:r>
-              <a:rPr lang="en-US" smtClean="0"/>
+              <a:rPr lang="en-US"/>
               <a:t>Click to edit Master subtitle style</a:t>
             </a:r>
-            <a:endParaRPr lang="en-US"/>
           </a:p>
         </p:txBody>
       </p:sp>
@@ -305,7 +321,7 @@
             <a:fld id="{1D8BD707-D9CF-40AE-B4C6-C98DA3205C09}" type="datetimeFigureOut">
               <a:rPr lang="en-US" smtClean="0"/>
               <a:pPr/>
-              <a:t>8/1/2011</a:t>
+              <a:t>7/8/2025</a:t>
             </a:fld>
             <a:endParaRPr lang="en-US"/>
           </a:p>
@@ -395,10 +411,9 @@
           <a:lstStyle/>
           <a:p>
             <a:r>
-              <a:rPr lang="en-US" smtClean="0"/>
+              <a:rPr lang="en-US"/>
               <a:t>Click to edit Master title style</a:t>
             </a:r>
-            <a:endParaRPr lang="en-US"/>
           </a:p>
         </p:txBody>
       </p:sp>
@@ -419,38 +434,37 @@
           <a:p>
             <a:pPr lvl="0"/>
             <a:r>
-              <a:rPr lang="en-US" smtClean="0"/>
+              <a:rPr lang="en-US"/>
               <a:t>Click to edit Master text styles</a:t>
             </a:r>
           </a:p>
           <a:p>
             <a:pPr lvl="1"/>
             <a:r>
-              <a:rPr lang="en-US" smtClean="0"/>
+              <a:rPr lang="en-US"/>
               <a:t>Second level</a:t>
             </a:r>
           </a:p>
           <a:p>
             <a:pPr lvl="2"/>
             <a:r>
-              <a:rPr lang="en-US" smtClean="0"/>
+              <a:rPr lang="en-US"/>
               <a:t>Third level</a:t>
             </a:r>
           </a:p>
           <a:p>
             <a:pPr lvl="3"/>
             <a:r>
-              <a:rPr lang="en-US" smtClean="0"/>
+              <a:rPr lang="en-US"/>
               <a:t>Fourth level</a:t>
             </a:r>
           </a:p>
           <a:p>
             <a:pPr lvl="4"/>
             <a:r>
-              <a:rPr lang="en-US" smtClean="0"/>
+              <a:rPr lang="en-US"/>
               <a:t>Fifth level</a:t>
             </a:r>
-            <a:endParaRPr lang="en-US"/>
           </a:p>
         </p:txBody>
       </p:sp>
@@ -472,7 +486,7 @@
             <a:fld id="{1D8BD707-D9CF-40AE-B4C6-C98DA3205C09}" type="datetimeFigureOut">
               <a:rPr lang="en-US" smtClean="0"/>
               <a:pPr/>
-              <a:t>8/1/2011</a:t>
+              <a:t>7/8/2025</a:t>
             </a:fld>
             <a:endParaRPr lang="en-US"/>
           </a:p>
@@ -567,10 +581,9 @@
           <a:lstStyle/>
           <a:p>
             <a:r>
-              <a:rPr lang="en-US" smtClean="0"/>
+              <a:rPr lang="en-US"/>
               <a:t>Click to edit Master title style</a:t>
             </a:r>
-            <a:endParaRPr lang="en-US"/>
           </a:p>
         </p:txBody>
       </p:sp>
@@ -596,38 +609,37 @@
           <a:p>
             <a:pPr lvl="0"/>
             <a:r>
-              <a:rPr lang="en-US" smtClean="0"/>
+              <a:rPr lang="en-US"/>
               <a:t>Click to edit Master text styles</a:t>
             </a:r>
           </a:p>
           <a:p>
             <a:pPr lvl="1"/>
             <a:r>
-              <a:rPr lang="en-US" smtClean="0"/>
+              <a:rPr lang="en-US"/>
               <a:t>Second level</a:t>
             </a:r>
           </a:p>
           <a:p>
             <a:pPr lvl="2"/>
             <a:r>
-              <a:rPr lang="en-US" smtClean="0"/>
+              <a:rPr lang="en-US"/>
               <a:t>Third level</a:t>
             </a:r>
           </a:p>
           <a:p>
             <a:pPr lvl="3"/>
             <a:r>
-              <a:rPr lang="en-US" smtClean="0"/>
+              <a:rPr lang="en-US"/>
               <a:t>Fourth level</a:t>
             </a:r>
           </a:p>
           <a:p>
             <a:pPr lvl="4"/>
             <a:r>
-              <a:rPr lang="en-US" smtClean="0"/>
+              <a:rPr lang="en-US"/>
               <a:t>Fifth level</a:t>
             </a:r>
-            <a:endParaRPr lang="en-US"/>
           </a:p>
         </p:txBody>
       </p:sp>
@@ -649,7 +661,7 @@
             <a:fld id="{1D8BD707-D9CF-40AE-B4C6-C98DA3205C09}" type="datetimeFigureOut">
               <a:rPr lang="en-US" smtClean="0"/>
               <a:pPr/>
-              <a:t>8/1/2011</a:t>
+              <a:t>7/8/2025</a:t>
             </a:fld>
             <a:endParaRPr lang="en-US"/>
           </a:p>
@@ -739,10 +751,9 @@
           <a:lstStyle/>
           <a:p>
             <a:r>
-              <a:rPr lang="en-US" smtClean="0"/>
+              <a:rPr lang="en-US"/>
               <a:t>Click to edit Master title style</a:t>
             </a:r>
-            <a:endParaRPr lang="en-US"/>
           </a:p>
         </p:txBody>
       </p:sp>
@@ -763,38 +774,37 @@
           <a:p>
             <a:pPr lvl="0"/>
             <a:r>
-              <a:rPr lang="en-US" smtClean="0"/>
+              <a:rPr lang="en-US"/>
               <a:t>Click to edit Master text styles</a:t>
             </a:r>
           </a:p>
           <a:p>
             <a:pPr lvl="1"/>
             <a:r>
-              <a:rPr lang="en-US" smtClean="0"/>
+              <a:rPr lang="en-US"/>
               <a:t>Second level</a:t>
             </a:r>
           </a:p>
           <a:p>
             <a:pPr lvl="2"/>
             <a:r>
-              <a:rPr lang="en-US" smtClean="0"/>
+              <a:rPr lang="en-US"/>
               <a:t>Third level</a:t>
             </a:r>
           </a:p>
           <a:p>
             <a:pPr lvl="3"/>
             <a:r>
-              <a:rPr lang="en-US" smtClean="0"/>
+              <a:rPr lang="en-US"/>
               <a:t>Fourth level</a:t>
             </a:r>
           </a:p>
           <a:p>
             <a:pPr lvl="4"/>
             <a:r>
-              <a:rPr lang="en-US" smtClean="0"/>
+              <a:rPr lang="en-US"/>
               <a:t>Fifth level</a:t>
             </a:r>
-            <a:endParaRPr lang="en-US"/>
           </a:p>
         </p:txBody>
       </p:sp>
@@ -816,7 +826,7 @@
             <a:fld id="{1D8BD707-D9CF-40AE-B4C6-C98DA3205C09}" type="datetimeFigureOut">
               <a:rPr lang="en-US" smtClean="0"/>
               <a:pPr/>
-              <a:t>8/1/2011</a:t>
+              <a:t>7/8/2025</a:t>
             </a:fld>
             <a:endParaRPr lang="en-US"/>
           </a:p>
@@ -915,10 +925,9 @@
           </a:lstStyle>
           <a:p>
             <a:r>
-              <a:rPr lang="en-US" smtClean="0"/>
+              <a:rPr lang="en-US"/>
               <a:t>Click to edit Master title style</a:t>
             </a:r>
-            <a:endParaRPr lang="en-US"/>
           </a:p>
         </p:txBody>
       </p:sp>
@@ -1035,7 +1044,7 @@
           <a:p>
             <a:pPr lvl="0"/>
             <a:r>
-              <a:rPr lang="en-US" smtClean="0"/>
+              <a:rPr lang="en-US"/>
               <a:t>Click to edit Master text styles</a:t>
             </a:r>
           </a:p>
@@ -1059,7 +1068,7 @@
             <a:fld id="{1D8BD707-D9CF-40AE-B4C6-C98DA3205C09}" type="datetimeFigureOut">
               <a:rPr lang="en-US" smtClean="0"/>
               <a:pPr/>
-              <a:t>8/1/2011</a:t>
+              <a:t>7/8/2025</a:t>
             </a:fld>
             <a:endParaRPr lang="en-US"/>
           </a:p>
@@ -1149,10 +1158,9 @@
           <a:lstStyle/>
           <a:p>
             <a:r>
-              <a:rPr lang="en-US" smtClean="0"/>
+              <a:rPr lang="en-US"/>
               <a:t>Click to edit Master title style</a:t>
             </a:r>
-            <a:endParaRPr lang="en-US"/>
           </a:p>
         </p:txBody>
       </p:sp>
@@ -1206,38 +1214,37 @@
           <a:p>
             <a:pPr lvl="0"/>
             <a:r>
-              <a:rPr lang="en-US" smtClean="0"/>
+              <a:rPr lang="en-US"/>
               <a:t>Click to edit Master text styles</a:t>
             </a:r>
           </a:p>
           <a:p>
             <a:pPr lvl="1"/>
             <a:r>
-              <a:rPr lang="en-US" smtClean="0"/>
+              <a:rPr lang="en-US"/>
               <a:t>Second level</a:t>
             </a:r>
           </a:p>
           <a:p>
             <a:pPr lvl="2"/>
             <a:r>
-              <a:rPr lang="en-US" smtClean="0"/>
+              <a:rPr lang="en-US"/>
               <a:t>Third level</a:t>
             </a:r>
           </a:p>
           <a:p>
             <a:pPr lvl="3"/>
             <a:r>
-              <a:rPr lang="en-US" smtClean="0"/>
+              <a:rPr lang="en-US"/>
               <a:t>Fourth level</a:t>
             </a:r>
           </a:p>
           <a:p>
             <a:pPr lvl="4"/>
             <a:r>
-              <a:rPr lang="en-US" smtClean="0"/>
+              <a:rPr lang="en-US"/>
               <a:t>Fifth level</a:t>
             </a:r>
-            <a:endParaRPr lang="en-US"/>
           </a:p>
         </p:txBody>
       </p:sp>
@@ -1291,38 +1298,37 @@
           <a:p>
             <a:pPr lvl="0"/>
             <a:r>
-              <a:rPr lang="en-US" smtClean="0"/>
+              <a:rPr lang="en-US"/>
               <a:t>Click to edit Master text styles</a:t>
             </a:r>
           </a:p>
           <a:p>
             <a:pPr lvl="1"/>
             <a:r>
-              <a:rPr lang="en-US" smtClean="0"/>
+              <a:rPr lang="en-US"/>
               <a:t>Second level</a:t>
             </a:r>
           </a:p>
           <a:p>
             <a:pPr lvl="2"/>
             <a:r>
-              <a:rPr lang="en-US" smtClean="0"/>
+              <a:rPr lang="en-US"/>
               <a:t>Third level</a:t>
             </a:r>
           </a:p>
           <a:p>
             <a:pPr lvl="3"/>
             <a:r>
-              <a:rPr lang="en-US" smtClean="0"/>
+              <a:rPr lang="en-US"/>
               <a:t>Fourth level</a:t>
             </a:r>
           </a:p>
           <a:p>
             <a:pPr lvl="4"/>
             <a:r>
-              <a:rPr lang="en-US" smtClean="0"/>
+              <a:rPr lang="en-US"/>
               <a:t>Fifth level</a:t>
             </a:r>
-            <a:endParaRPr lang="en-US"/>
           </a:p>
         </p:txBody>
       </p:sp>
@@ -1344,7 +1350,7 @@
             <a:fld id="{1D8BD707-D9CF-40AE-B4C6-C98DA3205C09}" type="datetimeFigureOut">
               <a:rPr lang="en-US" smtClean="0"/>
               <a:pPr/>
-              <a:t>8/1/2011</a:t>
+              <a:t>7/8/2025</a:t>
             </a:fld>
             <a:endParaRPr lang="en-US"/>
           </a:p>
@@ -1438,10 +1444,9 @@
           </a:lstStyle>
           <a:p>
             <a:r>
-              <a:rPr lang="en-US" smtClean="0"/>
+              <a:rPr lang="en-US"/>
               <a:t>Click to edit Master title style</a:t>
             </a:r>
-            <a:endParaRPr lang="en-US"/>
           </a:p>
         </p:txBody>
       </p:sp>
@@ -1504,7 +1509,7 @@
           <a:p>
             <a:pPr lvl="0"/>
             <a:r>
-              <a:rPr lang="en-US" smtClean="0"/>
+              <a:rPr lang="en-US"/>
               <a:t>Click to edit Master text styles</a:t>
             </a:r>
           </a:p>
@@ -1560,38 +1565,37 @@
           <a:p>
             <a:pPr lvl="0"/>
             <a:r>
-              <a:rPr lang="en-US" smtClean="0"/>
+              <a:rPr lang="en-US"/>
               <a:t>Click to edit Master text styles</a:t>
             </a:r>
           </a:p>
           <a:p>
             <a:pPr lvl="1"/>
             <a:r>
-              <a:rPr lang="en-US" smtClean="0"/>
+              <a:rPr lang="en-US"/>
               <a:t>Second level</a:t>
             </a:r>
           </a:p>
           <a:p>
             <a:pPr lvl="2"/>
             <a:r>
-              <a:rPr lang="en-US" smtClean="0"/>
+              <a:rPr lang="en-US"/>
               <a:t>Third level</a:t>
             </a:r>
           </a:p>
           <a:p>
             <a:pPr lvl="3"/>
             <a:r>
-              <a:rPr lang="en-US" smtClean="0"/>
+              <a:rPr lang="en-US"/>
               <a:t>Fourth level</a:t>
             </a:r>
           </a:p>
           <a:p>
             <a:pPr lvl="4"/>
             <a:r>
-              <a:rPr lang="en-US" smtClean="0"/>
+              <a:rPr lang="en-US"/>
               <a:t>Fifth level</a:t>
             </a:r>
-            <a:endParaRPr lang="en-US"/>
           </a:p>
         </p:txBody>
       </p:sp>
@@ -1654,7 +1658,7 @@
           <a:p>
             <a:pPr lvl="0"/>
             <a:r>
-              <a:rPr lang="en-US" smtClean="0"/>
+              <a:rPr lang="en-US"/>
               <a:t>Click to edit Master text styles</a:t>
             </a:r>
           </a:p>
@@ -1710,38 +1714,37 @@
           <a:p>
             <a:pPr lvl="0"/>
             <a:r>
-              <a:rPr lang="en-US" smtClean="0"/>
+              <a:rPr lang="en-US"/>
               <a:t>Click to edit Master text styles</a:t>
             </a:r>
           </a:p>
           <a:p>
             <a:pPr lvl="1"/>
             <a:r>
-              <a:rPr lang="en-US" smtClean="0"/>
+              <a:rPr lang="en-US"/>
               <a:t>Second level</a:t>
             </a:r>
           </a:p>
           <a:p>
             <a:pPr lvl="2"/>
             <a:r>
-              <a:rPr lang="en-US" smtClean="0"/>
+              <a:rPr lang="en-US"/>
               <a:t>Third level</a:t>
             </a:r>
           </a:p>
           <a:p>
             <a:pPr lvl="3"/>
             <a:r>
-              <a:rPr lang="en-US" smtClean="0"/>
+              <a:rPr lang="en-US"/>
               <a:t>Fourth level</a:t>
             </a:r>
           </a:p>
           <a:p>
             <a:pPr lvl="4"/>
             <a:r>
-              <a:rPr lang="en-US" smtClean="0"/>
+              <a:rPr lang="en-US"/>
               <a:t>Fifth level</a:t>
             </a:r>
-            <a:endParaRPr lang="en-US"/>
           </a:p>
         </p:txBody>
       </p:sp>
@@ -1763,7 +1766,7 @@
             <a:fld id="{1D8BD707-D9CF-40AE-B4C6-C98DA3205C09}" type="datetimeFigureOut">
               <a:rPr lang="en-US" smtClean="0"/>
               <a:pPr/>
-              <a:t>8/1/2011</a:t>
+              <a:t>7/8/2025</a:t>
             </a:fld>
             <a:endParaRPr lang="en-US"/>
           </a:p>
@@ -1853,10 +1856,9 @@
           <a:lstStyle/>
           <a:p>
             <a:r>
-              <a:rPr lang="en-US" smtClean="0"/>
+              <a:rPr lang="en-US"/>
               <a:t>Click to edit Master title style</a:t>
             </a:r>
-            <a:endParaRPr lang="en-US"/>
           </a:p>
         </p:txBody>
       </p:sp>
@@ -1878,7 +1880,7 @@
             <a:fld id="{1D8BD707-D9CF-40AE-B4C6-C98DA3205C09}" type="datetimeFigureOut">
               <a:rPr lang="en-US" smtClean="0"/>
               <a:pPr/>
-              <a:t>8/1/2011</a:t>
+              <a:t>7/8/2025</a:t>
             </a:fld>
             <a:endParaRPr lang="en-US"/>
           </a:p>
@@ -1970,7 +1972,7 @@
             <a:fld id="{1D8BD707-D9CF-40AE-B4C6-C98DA3205C09}" type="datetimeFigureOut">
               <a:rPr lang="en-US" smtClean="0"/>
               <a:pPr/>
-              <a:t>8/1/2011</a:t>
+              <a:t>7/8/2025</a:t>
             </a:fld>
             <a:endParaRPr lang="en-US"/>
           </a:p>
@@ -2069,10 +2071,9 @@
           </a:lstStyle>
           <a:p>
             <a:r>
-              <a:rPr lang="en-US" smtClean="0"/>
+              <a:rPr lang="en-US"/>
               <a:t>Click to edit Master title style</a:t>
             </a:r>
-            <a:endParaRPr lang="en-US"/>
           </a:p>
         </p:txBody>
       </p:sp>
@@ -2126,38 +2127,37 @@
           <a:p>
             <a:pPr lvl="0"/>
             <a:r>
-              <a:rPr lang="en-US" smtClean="0"/>
+              <a:rPr lang="en-US"/>
               <a:t>Click to edit Master text styles</a:t>
             </a:r>
           </a:p>
           <a:p>
             <a:pPr lvl="1"/>
             <a:r>
-              <a:rPr lang="en-US" smtClean="0"/>
+              <a:rPr lang="en-US"/>
               <a:t>Second level</a:t>
             </a:r>
           </a:p>
           <a:p>
             <a:pPr lvl="2"/>
             <a:r>
-              <a:rPr lang="en-US" smtClean="0"/>
+              <a:rPr lang="en-US"/>
               <a:t>Third level</a:t>
             </a:r>
           </a:p>
           <a:p>
             <a:pPr lvl="3"/>
             <a:r>
-              <a:rPr lang="en-US" smtClean="0"/>
+              <a:rPr lang="en-US"/>
               <a:t>Fourth level</a:t>
             </a:r>
           </a:p>
           <a:p>
             <a:pPr lvl="4"/>
             <a:r>
-              <a:rPr lang="en-US" smtClean="0"/>
+              <a:rPr lang="en-US"/>
               <a:t>Fifth level</a:t>
             </a:r>
-            <a:endParaRPr lang="en-US"/>
           </a:p>
         </p:txBody>
       </p:sp>
@@ -2220,7 +2220,7 @@
           <a:p>
             <a:pPr lvl="0"/>
             <a:r>
-              <a:rPr lang="en-US" smtClean="0"/>
+              <a:rPr lang="en-US"/>
               <a:t>Click to edit Master text styles</a:t>
             </a:r>
           </a:p>
@@ -2244,7 +2244,7 @@
             <a:fld id="{1D8BD707-D9CF-40AE-B4C6-C98DA3205C09}" type="datetimeFigureOut">
               <a:rPr lang="en-US" smtClean="0"/>
               <a:pPr/>
-              <a:t>8/1/2011</a:t>
+              <a:t>7/8/2025</a:t>
             </a:fld>
             <a:endParaRPr lang="en-US"/>
           </a:p>
@@ -2343,10 +2343,9 @@
           </a:lstStyle>
           <a:p>
             <a:r>
-              <a:rPr lang="en-US" smtClean="0"/>
+              <a:rPr lang="en-US"/>
               <a:t>Click to edit Master title style</a:t>
             </a:r>
-            <a:endParaRPr lang="en-US"/>
           </a:p>
         </p:txBody>
       </p:sp>
@@ -2470,7 +2469,7 @@
           <a:p>
             <a:pPr lvl="0"/>
             <a:r>
-              <a:rPr lang="en-US" smtClean="0"/>
+              <a:rPr lang="en-US"/>
               <a:t>Click to edit Master text styles</a:t>
             </a:r>
           </a:p>
@@ -2494,7 +2493,7 @@
             <a:fld id="{1D8BD707-D9CF-40AE-B4C6-C98DA3205C09}" type="datetimeFigureOut">
               <a:rPr lang="en-US" smtClean="0"/>
               <a:pPr/>
-              <a:t>8/1/2011</a:t>
+              <a:t>7/8/2025</a:t>
             </a:fld>
             <a:endParaRPr lang="en-US"/>
           </a:p>
@@ -2599,10 +2598,9 @@
           <a:lstStyle/>
           <a:p>
             <a:r>
-              <a:rPr lang="en-US" smtClean="0"/>
+              <a:rPr lang="en-US"/>
               <a:t>Click to edit Master title style</a:t>
             </a:r>
-            <a:endParaRPr lang="en-US"/>
           </a:p>
         </p:txBody>
       </p:sp>
@@ -2633,38 +2631,37 @@
           <a:p>
             <a:pPr lvl="0"/>
             <a:r>
-              <a:rPr lang="en-US" smtClean="0"/>
+              <a:rPr lang="en-US"/>
               <a:t>Click to edit Master text styles</a:t>
             </a:r>
           </a:p>
           <a:p>
             <a:pPr lvl="1"/>
             <a:r>
-              <a:rPr lang="en-US" smtClean="0"/>
+              <a:rPr lang="en-US"/>
               <a:t>Second level</a:t>
             </a:r>
           </a:p>
           <a:p>
             <a:pPr lvl="2"/>
             <a:r>
-              <a:rPr lang="en-US" smtClean="0"/>
+              <a:rPr lang="en-US"/>
               <a:t>Third level</a:t>
             </a:r>
           </a:p>
           <a:p>
             <a:pPr lvl="3"/>
             <a:r>
-              <a:rPr lang="en-US" smtClean="0"/>
+              <a:rPr lang="en-US"/>
               <a:t>Fourth level</a:t>
             </a:r>
           </a:p>
           <a:p>
             <a:pPr lvl="4"/>
             <a:r>
-              <a:rPr lang="en-US" smtClean="0"/>
+              <a:rPr lang="en-US"/>
               <a:t>Fifth level</a:t>
             </a:r>
-            <a:endParaRPr lang="en-US"/>
           </a:p>
         </p:txBody>
       </p:sp>
@@ -2704,7 +2701,7 @@
             <a:fld id="{1D8BD707-D9CF-40AE-B4C6-C98DA3205C09}" type="datetimeFigureOut">
               <a:rPr lang="en-US" smtClean="0"/>
               <a:pPr/>
-              <a:t>8/1/2011</a:t>
+              <a:t>7/8/2025</a:t>
             </a:fld>
             <a:endParaRPr lang="en-US"/>
           </a:p>
@@ -3059,7 +3056,7 @@
 </file>
 
 <file path=ppt/slides/slide1.xml><?xml version="1.0" encoding="utf-8"?>
-<p:sld xmlns:p="http://schemas.openxmlformats.org/presentationml/2006/main" xmlns:a="http://schemas.openxmlformats.org/drawingml/2006/main" xmlns:r="http://schemas.openxmlformats.org/officeDocument/2006/relationships">
+<p:sld xmlns:a="http://schemas.openxmlformats.org/drawingml/2006/main" xmlns:r="http://schemas.openxmlformats.org/officeDocument/2006/relationships" xmlns:p="http://schemas.openxmlformats.org/presentationml/2006/main">
   <p:cSld>
     <p:spTree>
       <p:nvGrpSpPr>
@@ -3077,12 +3074,12 @@
       </p:grpSpPr>
       <p:sp>
         <p:nvSpPr>
-          <p:cNvPr name="Freeform 2" id="2"/>
+          <p:cNvPr id="2" name="Freeform 2"/>
           <p:cNvSpPr/>
           <p:nvPr/>
         </p:nvSpPr>
         <p:spPr>
-          <a:xfrm flipH="false" flipV="false" rot="0">
+          <a:xfrm>
             <a:off x="0" y="0"/>
             <a:ext cx="18288000" cy="10287000"/>
           </a:xfrm>
@@ -3091,9 +3088,9 @@
             <a:gdLst/>
             <a:ahLst/>
             <a:cxnLst/>
-            <a:rect r="r" b="b" t="t" l="l"/>
+            <a:rect l="l" t="t" r="r" b="b"/>
             <a:pathLst>
-              <a:path h="10287000" w="18288000">
+              <a:path w="18288000" h="10287000">
                 <a:moveTo>
                   <a:pt x="0" y="0"/>
                 </a:moveTo>
@@ -3116,19 +3113,19 @@
           <a:blipFill>
             <a:blip r:embed="rId2"/>
             <a:stretch>
-              <a:fillRect l="0" t="-777" r="0" b="-777"/>
+              <a:fillRect t="-777" b="-777"/>
             </a:stretch>
           </a:blipFill>
         </p:spPr>
       </p:sp>
       <p:sp>
         <p:nvSpPr>
-          <p:cNvPr name="Freeform 3" id="3"/>
+          <p:cNvPr id="3" name="Freeform 3"/>
           <p:cNvSpPr/>
           <p:nvPr/>
         </p:nvSpPr>
         <p:spPr>
-          <a:xfrm flipH="true" flipV="false" rot="0">
+          <a:xfrm flipH="1">
             <a:off x="10273278" y="5039691"/>
             <a:ext cx="9295205" cy="5948931"/>
           </a:xfrm>
@@ -3137,9 +3134,9 @@
             <a:gdLst/>
             <a:ahLst/>
             <a:cxnLst/>
-            <a:rect r="r" b="b" t="t" l="l"/>
+            <a:rect l="l" t="t" r="r" b="b"/>
             <a:pathLst>
-              <a:path h="5948931" w="9295205">
+              <a:path w="9295205" h="5948931">
                 <a:moveTo>
                   <a:pt x="9295205" y="0"/>
                 </a:moveTo>
@@ -3168,19 +3165,19 @@
               </a:extLst>
             </a:blip>
             <a:stretch>
-              <a:fillRect l="0" t="0" r="0" b="0"/>
+              <a:fillRect/>
             </a:stretch>
           </a:blipFill>
         </p:spPr>
       </p:sp>
       <p:sp>
         <p:nvSpPr>
-          <p:cNvPr name="Freeform 4" id="4"/>
+          <p:cNvPr id="4" name="Freeform 4"/>
           <p:cNvSpPr/>
           <p:nvPr/>
         </p:nvSpPr>
         <p:spPr>
-          <a:xfrm flipH="false" flipV="true" rot="0">
+          <a:xfrm flipV="1">
             <a:off x="-1280483" y="-701623"/>
             <a:ext cx="9295205" cy="5948931"/>
           </a:xfrm>
@@ -3189,9 +3186,9 @@
             <a:gdLst/>
             <a:ahLst/>
             <a:cxnLst/>
-            <a:rect r="r" b="b" t="t" l="l"/>
+            <a:rect l="l" t="t" r="r" b="b"/>
             <a:pathLst>
-              <a:path h="5948931" w="9295205">
+              <a:path w="9295205" h="5948931">
                 <a:moveTo>
                   <a:pt x="0" y="5948932"/>
                 </a:moveTo>
@@ -3220,19 +3217,19 @@
               </a:extLst>
             </a:blip>
             <a:stretch>
-              <a:fillRect l="0" t="0" r="0" b="0"/>
+              <a:fillRect/>
             </a:stretch>
           </a:blipFill>
         </p:spPr>
       </p:sp>
       <p:sp>
         <p:nvSpPr>
-          <p:cNvPr name="Freeform 5" id="5"/>
+          <p:cNvPr id="5" name="Freeform 5"/>
           <p:cNvSpPr/>
           <p:nvPr/>
         </p:nvSpPr>
         <p:spPr>
-          <a:xfrm flipH="false" flipV="false" rot="0">
+          <a:xfrm>
             <a:off x="14790631" y="-3420266"/>
             <a:ext cx="5568589" cy="7775011"/>
           </a:xfrm>
@@ -3241,9 +3238,9 @@
             <a:gdLst/>
             <a:ahLst/>
             <a:cxnLst/>
-            <a:rect r="r" b="b" t="t" l="l"/>
+            <a:rect l="l" t="t" r="r" b="b"/>
             <a:pathLst>
-              <a:path h="7775011" w="5568589">
+              <a:path w="5568589" h="7775011">
                 <a:moveTo>
                   <a:pt x="0" y="0"/>
                 </a:moveTo>
@@ -3272,19 +3269,19 @@
               </a:extLst>
             </a:blip>
             <a:stretch>
-              <a:fillRect l="0" t="0" r="0" b="0"/>
+              <a:fillRect/>
             </a:stretch>
           </a:blipFill>
         </p:spPr>
       </p:sp>
       <p:sp>
         <p:nvSpPr>
-          <p:cNvPr name="Freeform 6" id="6"/>
+          <p:cNvPr id="6" name="Freeform 6"/>
           <p:cNvSpPr/>
           <p:nvPr/>
         </p:nvSpPr>
         <p:spPr>
-          <a:xfrm flipH="false" flipV="false" rot="0">
+          <a:xfrm>
             <a:off x="-646086" y="6399494"/>
             <a:ext cx="5568589" cy="7775011"/>
           </a:xfrm>
@@ -3293,9 +3290,9 @@
             <a:gdLst/>
             <a:ahLst/>
             <a:cxnLst/>
-            <a:rect r="r" b="b" t="t" l="l"/>
+            <a:rect l="l" t="t" r="r" b="b"/>
             <a:pathLst>
-              <a:path h="7775011" w="5568589">
+              <a:path w="5568589" h="7775011">
                 <a:moveTo>
                   <a:pt x="0" y="0"/>
                 </a:moveTo>
@@ -3324,19 +3321,19 @@
               </a:extLst>
             </a:blip>
             <a:stretch>
-              <a:fillRect l="0" t="0" r="0" b="0"/>
+              <a:fillRect/>
             </a:stretch>
           </a:blipFill>
         </p:spPr>
       </p:sp>
       <p:sp>
         <p:nvSpPr>
-          <p:cNvPr name="TextBox 7" id="7"/>
-          <p:cNvSpPr txBox="true"/>
+          <p:cNvPr id="7" name="TextBox 7"/>
+          <p:cNvSpPr txBox="1"/>
           <p:nvPr/>
         </p:nvSpPr>
         <p:spPr>
-          <a:xfrm rot="0">
+          <a:xfrm>
             <a:off x="5385527" y="5920539"/>
             <a:ext cx="7516946" cy="1890518"/>
           </a:xfrm>
@@ -3345,7 +3342,7 @@
           </a:prstGeom>
         </p:spPr>
         <p:txBody>
-          <a:bodyPr anchor="t" rtlCol="false" tIns="0" lIns="0" bIns="0" rIns="0">
+          <a:bodyPr lIns="0" tIns="0" rIns="0" bIns="0" rtlCol="0" anchor="t">
             <a:spAutoFit/>
           </a:bodyPr>
           <a:lstStyle/>
@@ -3391,12 +3388,12 @@
       </p:sp>
       <p:sp>
         <p:nvSpPr>
-          <p:cNvPr name="TextBox 8" id="8"/>
-          <p:cNvSpPr txBox="true"/>
+          <p:cNvPr id="8" name="TextBox 8"/>
+          <p:cNvSpPr txBox="1"/>
           <p:nvPr/>
         </p:nvSpPr>
         <p:spPr>
-          <a:xfrm rot="0">
+          <a:xfrm>
             <a:off x="3367119" y="1574963"/>
             <a:ext cx="12801040" cy="2779782"/>
           </a:xfrm>
@@ -3405,7 +3402,7 @@
           </a:prstGeom>
         </p:spPr>
         <p:txBody>
-          <a:bodyPr anchor="t" rtlCol="false" tIns="0" lIns="0" bIns="0" rIns="0">
+          <a:bodyPr lIns="0" tIns="0" rIns="0" bIns="0" rtlCol="0" anchor="t">
             <a:spAutoFit/>
           </a:bodyPr>
           <a:lstStyle/>
@@ -3416,7 +3413,7 @@
               </a:lnSpc>
             </a:pPr>
             <a:r>
-              <a:rPr lang="en-US" b="true" sz="7934">
+              <a:rPr lang="en-US" sz="7934" b="1">
                 <a:solidFill>
                   <a:srgbClr val="002B58"/>
                 </a:solidFill>
@@ -3439,7 +3436,2835 @@
 </file>
 
 <file path=ppt/slides/slide2.xml><?xml version="1.0" encoding="utf-8"?>
-<p:sld xmlns:p="http://schemas.openxmlformats.org/presentationml/2006/main" xmlns:a="http://schemas.openxmlformats.org/drawingml/2006/main" xmlns:r="http://schemas.openxmlformats.org/officeDocument/2006/relationships">
+<p:sld xmlns:a="http://schemas.openxmlformats.org/drawingml/2006/main" xmlns:r="http://schemas.openxmlformats.org/officeDocument/2006/relationships" xmlns:p="http://schemas.openxmlformats.org/presentationml/2006/main">
+  <p:cSld>
+    <p:spTree>
+      <p:nvGrpSpPr>
+        <p:cNvPr id="1" name="">
+          <a:extLst>
+            <a:ext uri="{FF2B5EF4-FFF2-40B4-BE49-F238E27FC236}">
+              <a16:creationId xmlns:a16="http://schemas.microsoft.com/office/drawing/2014/main" id="{370982AA-069E-50D4-6760-008AEFC16305}"/>
+            </a:ext>
+          </a:extLst>
+        </p:cNvPr>
+        <p:cNvGrpSpPr/>
+        <p:nvPr/>
+      </p:nvGrpSpPr>
+      <p:grpSpPr>
+        <a:xfrm>
+          <a:off x="0" y="0"/>
+          <a:ext cx="0" cy="0"/>
+          <a:chOff x="0" y="0"/>
+          <a:chExt cx="0" cy="0"/>
+        </a:xfrm>
+      </p:grpSpPr>
+      <p:sp>
+        <p:nvSpPr>
+          <p:cNvPr id="2" name="Freeform 2">
+            <a:extLst>
+              <a:ext uri="{FF2B5EF4-FFF2-40B4-BE49-F238E27FC236}">
+                <a16:creationId xmlns:a16="http://schemas.microsoft.com/office/drawing/2014/main" id="{4724441F-B4DF-B717-ACF9-5319D4AE6BEB}"/>
+              </a:ext>
+            </a:extLst>
+          </p:cNvPr>
+          <p:cNvSpPr/>
+          <p:nvPr/>
+        </p:nvSpPr>
+        <p:spPr>
+          <a:xfrm>
+            <a:off x="0" y="0"/>
+            <a:ext cx="18288000" cy="10287000"/>
+          </a:xfrm>
+          <a:custGeom>
+            <a:avLst/>
+            <a:gdLst/>
+            <a:ahLst/>
+            <a:cxnLst/>
+            <a:rect l="l" t="t" r="r" b="b"/>
+            <a:pathLst>
+              <a:path w="18288000" h="10287000">
+                <a:moveTo>
+                  <a:pt x="0" y="0"/>
+                </a:moveTo>
+                <a:lnTo>
+                  <a:pt x="18288000" y="0"/>
+                </a:lnTo>
+                <a:lnTo>
+                  <a:pt x="18288000" y="10287000"/>
+                </a:lnTo>
+                <a:lnTo>
+                  <a:pt x="0" y="10287000"/>
+                </a:lnTo>
+                <a:lnTo>
+                  <a:pt x="0" y="0"/>
+                </a:lnTo>
+                <a:close/>
+              </a:path>
+            </a:pathLst>
+          </a:custGeom>
+          <a:blipFill>
+            <a:blip r:embed="rId2"/>
+            <a:stretch>
+              <a:fillRect t="-777" b="-777"/>
+            </a:stretch>
+          </a:blipFill>
+        </p:spPr>
+      </p:sp>
+      <p:sp>
+        <p:nvSpPr>
+          <p:cNvPr id="3" name="Freeform 3">
+            <a:extLst>
+              <a:ext uri="{FF2B5EF4-FFF2-40B4-BE49-F238E27FC236}">
+                <a16:creationId xmlns:a16="http://schemas.microsoft.com/office/drawing/2014/main" id="{FF4C9DA5-4267-9442-57CB-A94FF2A1A8D4}"/>
+              </a:ext>
+            </a:extLst>
+          </p:cNvPr>
+          <p:cNvSpPr/>
+          <p:nvPr/>
+        </p:nvSpPr>
+        <p:spPr>
+          <a:xfrm flipH="1">
+            <a:off x="10273278" y="5039691"/>
+            <a:ext cx="9295205" cy="5948931"/>
+          </a:xfrm>
+          <a:custGeom>
+            <a:avLst/>
+            <a:gdLst/>
+            <a:ahLst/>
+            <a:cxnLst/>
+            <a:rect l="l" t="t" r="r" b="b"/>
+            <a:pathLst>
+              <a:path w="9295205" h="5948931">
+                <a:moveTo>
+                  <a:pt x="9295205" y="0"/>
+                </a:moveTo>
+                <a:lnTo>
+                  <a:pt x="0" y="0"/>
+                </a:lnTo>
+                <a:lnTo>
+                  <a:pt x="0" y="5948932"/>
+                </a:lnTo>
+                <a:lnTo>
+                  <a:pt x="9295205" y="5948932"/>
+                </a:lnTo>
+                <a:lnTo>
+                  <a:pt x="9295205" y="0"/>
+                </a:lnTo>
+                <a:close/>
+              </a:path>
+            </a:pathLst>
+          </a:custGeom>
+          <a:blipFill>
+            <a:blip r:embed="rId3">
+              <a:extLst>
+                <a:ext uri="{96DAC541-7B7A-43D3-8B79-37D633B846F1}">
+                  <asvg:svgBlip xmlns:asvg="http://schemas.microsoft.com/office/drawing/2016/SVG/main" r:embed="rId4"/>
+                </a:ext>
+              </a:extLst>
+            </a:blip>
+            <a:stretch>
+              <a:fillRect/>
+            </a:stretch>
+          </a:blipFill>
+        </p:spPr>
+      </p:sp>
+      <p:sp>
+        <p:nvSpPr>
+          <p:cNvPr id="4" name="Freeform 4">
+            <a:extLst>
+              <a:ext uri="{FF2B5EF4-FFF2-40B4-BE49-F238E27FC236}">
+                <a16:creationId xmlns:a16="http://schemas.microsoft.com/office/drawing/2014/main" id="{713B7B80-906B-5F3C-E888-B7106E646E3E}"/>
+              </a:ext>
+            </a:extLst>
+          </p:cNvPr>
+          <p:cNvSpPr/>
+          <p:nvPr/>
+        </p:nvSpPr>
+        <p:spPr>
+          <a:xfrm flipV="1">
+            <a:off x="-1280483" y="-701623"/>
+            <a:ext cx="9295205" cy="5948931"/>
+          </a:xfrm>
+          <a:custGeom>
+            <a:avLst/>
+            <a:gdLst/>
+            <a:ahLst/>
+            <a:cxnLst/>
+            <a:rect l="l" t="t" r="r" b="b"/>
+            <a:pathLst>
+              <a:path w="9295205" h="5948931">
+                <a:moveTo>
+                  <a:pt x="0" y="5948932"/>
+                </a:moveTo>
+                <a:lnTo>
+                  <a:pt x="9295205" y="5948932"/>
+                </a:lnTo>
+                <a:lnTo>
+                  <a:pt x="9295205" y="0"/>
+                </a:lnTo>
+                <a:lnTo>
+                  <a:pt x="0" y="0"/>
+                </a:lnTo>
+                <a:lnTo>
+                  <a:pt x="0" y="5948932"/>
+                </a:lnTo>
+                <a:close/>
+              </a:path>
+            </a:pathLst>
+          </a:custGeom>
+          <a:blipFill>
+            <a:blip r:embed="rId3">
+              <a:extLst>
+                <a:ext uri="{96DAC541-7B7A-43D3-8B79-37D633B846F1}">
+                  <asvg:svgBlip xmlns:asvg="http://schemas.microsoft.com/office/drawing/2016/SVG/main" r:embed="rId4"/>
+                </a:ext>
+              </a:extLst>
+            </a:blip>
+            <a:stretch>
+              <a:fillRect/>
+            </a:stretch>
+          </a:blipFill>
+        </p:spPr>
+      </p:sp>
+      <p:sp>
+        <p:nvSpPr>
+          <p:cNvPr id="5" name="Freeform 5">
+            <a:extLst>
+              <a:ext uri="{FF2B5EF4-FFF2-40B4-BE49-F238E27FC236}">
+                <a16:creationId xmlns:a16="http://schemas.microsoft.com/office/drawing/2014/main" id="{B65C34D7-BDD1-EA2E-C57D-90D670A6F4BA}"/>
+              </a:ext>
+            </a:extLst>
+          </p:cNvPr>
+          <p:cNvSpPr/>
+          <p:nvPr/>
+        </p:nvSpPr>
+        <p:spPr>
+          <a:xfrm>
+            <a:off x="14790631" y="-3420266"/>
+            <a:ext cx="5568589" cy="7775011"/>
+          </a:xfrm>
+          <a:custGeom>
+            <a:avLst/>
+            <a:gdLst/>
+            <a:ahLst/>
+            <a:cxnLst/>
+            <a:rect l="l" t="t" r="r" b="b"/>
+            <a:pathLst>
+              <a:path w="5568589" h="7775011">
+                <a:moveTo>
+                  <a:pt x="0" y="0"/>
+                </a:moveTo>
+                <a:lnTo>
+                  <a:pt x="5568589" y="0"/>
+                </a:lnTo>
+                <a:lnTo>
+                  <a:pt x="5568589" y="7775011"/>
+                </a:lnTo>
+                <a:lnTo>
+                  <a:pt x="0" y="7775011"/>
+                </a:lnTo>
+                <a:lnTo>
+                  <a:pt x="0" y="0"/>
+                </a:lnTo>
+                <a:close/>
+              </a:path>
+            </a:pathLst>
+          </a:custGeom>
+          <a:blipFill>
+            <a:blip r:embed="rId5">
+              <a:extLst>
+                <a:ext uri="{96DAC541-7B7A-43D3-8B79-37D633B846F1}">
+                  <asvg:svgBlip xmlns:asvg="http://schemas.microsoft.com/office/drawing/2016/SVG/main" r:embed="rId6"/>
+                </a:ext>
+              </a:extLst>
+            </a:blip>
+            <a:stretch>
+              <a:fillRect/>
+            </a:stretch>
+          </a:blipFill>
+        </p:spPr>
+      </p:sp>
+      <p:sp>
+        <p:nvSpPr>
+          <p:cNvPr id="6" name="Freeform 6">
+            <a:extLst>
+              <a:ext uri="{FF2B5EF4-FFF2-40B4-BE49-F238E27FC236}">
+                <a16:creationId xmlns:a16="http://schemas.microsoft.com/office/drawing/2014/main" id="{0EBC9F34-94C0-65B8-E662-2441D15BEE30}"/>
+              </a:ext>
+            </a:extLst>
+          </p:cNvPr>
+          <p:cNvSpPr/>
+          <p:nvPr/>
+        </p:nvSpPr>
+        <p:spPr>
+          <a:xfrm>
+            <a:off x="-646086" y="6399494"/>
+            <a:ext cx="5568589" cy="7775011"/>
+          </a:xfrm>
+          <a:custGeom>
+            <a:avLst/>
+            <a:gdLst/>
+            <a:ahLst/>
+            <a:cxnLst/>
+            <a:rect l="l" t="t" r="r" b="b"/>
+            <a:pathLst>
+              <a:path w="5568589" h="7775011">
+                <a:moveTo>
+                  <a:pt x="0" y="0"/>
+                </a:moveTo>
+                <a:lnTo>
+                  <a:pt x="5568589" y="0"/>
+                </a:lnTo>
+                <a:lnTo>
+                  <a:pt x="5568589" y="7775012"/>
+                </a:lnTo>
+                <a:lnTo>
+                  <a:pt x="0" y="7775012"/>
+                </a:lnTo>
+                <a:lnTo>
+                  <a:pt x="0" y="0"/>
+                </a:lnTo>
+                <a:close/>
+              </a:path>
+            </a:pathLst>
+          </a:custGeom>
+          <a:blipFill>
+            <a:blip r:embed="rId5">
+              <a:extLst>
+                <a:ext uri="{96DAC541-7B7A-43D3-8B79-37D633B846F1}">
+                  <asvg:svgBlip xmlns:asvg="http://schemas.microsoft.com/office/drawing/2016/SVG/main" r:embed="rId6"/>
+                </a:ext>
+              </a:extLst>
+            </a:blip>
+            <a:stretch>
+              <a:fillRect/>
+            </a:stretch>
+          </a:blipFill>
+        </p:spPr>
+      </p:sp>
+      <p:sp>
+        <p:nvSpPr>
+          <p:cNvPr id="8" name="TextBox 8">
+            <a:extLst>
+              <a:ext uri="{FF2B5EF4-FFF2-40B4-BE49-F238E27FC236}">
+                <a16:creationId xmlns:a16="http://schemas.microsoft.com/office/drawing/2014/main" id="{C934CAA4-70EF-979E-5B0D-2B71FB421884}"/>
+              </a:ext>
+            </a:extLst>
+          </p:cNvPr>
+          <p:cNvSpPr txBox="1"/>
+          <p:nvPr/>
+        </p:nvSpPr>
+        <p:spPr>
+          <a:xfrm>
+            <a:off x="3810000" y="268470"/>
+            <a:ext cx="10134600" cy="1298432"/>
+          </a:xfrm>
+          <a:prstGeom prst="rect">
+            <a:avLst/>
+          </a:prstGeom>
+        </p:spPr>
+        <p:txBody>
+          <a:bodyPr wrap="square" lIns="0" tIns="0" rIns="0" bIns="0" rtlCol="0" anchor="t">
+            <a:spAutoFit/>
+          </a:bodyPr>
+          <a:lstStyle/>
+          <a:p>
+            <a:pPr algn="ctr">
+              <a:lnSpc>
+                <a:spcPts val="11108"/>
+              </a:lnSpc>
+            </a:pPr>
+            <a:r>
+              <a:rPr lang="en-US" sz="4800" b="1" dirty="0">
+                <a:solidFill>
+                  <a:srgbClr val="002B58"/>
+                </a:solidFill>
+                <a:latin typeface="Monda Bold"/>
+                <a:ea typeface="Monda Bold"/>
+                <a:cs typeface="Monda Bold"/>
+                <a:sym typeface="Monda Bold"/>
+              </a:rPr>
+              <a:t>WELCOME PAGE</a:t>
+            </a:r>
+          </a:p>
+        </p:txBody>
+      </p:sp>
+      <p:pic>
+        <p:nvPicPr>
+          <p:cNvPr id="10" name="Picture 9">
+            <a:extLst>
+              <a:ext uri="{FF2B5EF4-FFF2-40B4-BE49-F238E27FC236}">
+                <a16:creationId xmlns:a16="http://schemas.microsoft.com/office/drawing/2014/main" id="{8DA71780-6859-ADFC-2DE6-D5CDFFB89A76}"/>
+              </a:ext>
+            </a:extLst>
+          </p:cNvPr>
+          <p:cNvPicPr>
+            <a:picLocks noChangeAspect="1"/>
+          </p:cNvPicPr>
+          <p:nvPr/>
+        </p:nvPicPr>
+        <p:blipFill>
+          <a:blip r:embed="rId7">
+            <a:extLst>
+              <a:ext uri="{28A0092B-C50C-407E-A947-70E740481C1C}">
+                <a14:useLocalDpi xmlns:a14="http://schemas.microsoft.com/office/drawing/2010/main" val="0"/>
+              </a:ext>
+            </a:extLst>
+          </a:blip>
+          <a:stretch>
+            <a:fillRect/>
+          </a:stretch>
+        </p:blipFill>
+        <p:spPr>
+          <a:xfrm>
+            <a:off x="2164018" y="1816896"/>
+            <a:ext cx="13979628" cy="7863541"/>
+          </a:xfrm>
+          <a:prstGeom prst="rect">
+            <a:avLst/>
+          </a:prstGeom>
+        </p:spPr>
+      </p:pic>
+    </p:spTree>
+    <p:extLst>
+      <p:ext uri="{BB962C8B-B14F-4D97-AF65-F5344CB8AC3E}">
+        <p14:creationId xmlns:p14="http://schemas.microsoft.com/office/powerpoint/2010/main" val="3278487119"/>
+      </p:ext>
+    </p:extLst>
+  </p:cSld>
+  <p:clrMapOvr>
+    <a:masterClrMapping/>
+  </p:clrMapOvr>
+</p:sld>
+</file>
+
+<file path=ppt/slides/slide3.xml><?xml version="1.0" encoding="utf-8"?>
+<p:sld xmlns:a="http://schemas.openxmlformats.org/drawingml/2006/main" xmlns:r="http://schemas.openxmlformats.org/officeDocument/2006/relationships" xmlns:p="http://schemas.openxmlformats.org/presentationml/2006/main">
+  <p:cSld>
+    <p:spTree>
+      <p:nvGrpSpPr>
+        <p:cNvPr id="1" name="">
+          <a:extLst>
+            <a:ext uri="{FF2B5EF4-FFF2-40B4-BE49-F238E27FC236}">
+              <a16:creationId xmlns:a16="http://schemas.microsoft.com/office/drawing/2014/main" id="{212E5735-315F-C8DD-AE6D-E7153D907D1D}"/>
+            </a:ext>
+          </a:extLst>
+        </p:cNvPr>
+        <p:cNvGrpSpPr/>
+        <p:nvPr/>
+      </p:nvGrpSpPr>
+      <p:grpSpPr>
+        <a:xfrm>
+          <a:off x="0" y="0"/>
+          <a:ext cx="0" cy="0"/>
+          <a:chOff x="0" y="0"/>
+          <a:chExt cx="0" cy="0"/>
+        </a:xfrm>
+      </p:grpSpPr>
+      <p:sp>
+        <p:nvSpPr>
+          <p:cNvPr id="2" name="Freeform 2">
+            <a:extLst>
+              <a:ext uri="{FF2B5EF4-FFF2-40B4-BE49-F238E27FC236}">
+                <a16:creationId xmlns:a16="http://schemas.microsoft.com/office/drawing/2014/main" id="{15BE2D0B-A2D0-4507-0EB5-62F36A65F62E}"/>
+              </a:ext>
+            </a:extLst>
+          </p:cNvPr>
+          <p:cNvSpPr/>
+          <p:nvPr/>
+        </p:nvSpPr>
+        <p:spPr>
+          <a:xfrm>
+            <a:off x="0" y="0"/>
+            <a:ext cx="18288000" cy="10287000"/>
+          </a:xfrm>
+          <a:custGeom>
+            <a:avLst/>
+            <a:gdLst/>
+            <a:ahLst/>
+            <a:cxnLst/>
+            <a:rect l="l" t="t" r="r" b="b"/>
+            <a:pathLst>
+              <a:path w="18288000" h="10287000">
+                <a:moveTo>
+                  <a:pt x="0" y="0"/>
+                </a:moveTo>
+                <a:lnTo>
+                  <a:pt x="18288000" y="0"/>
+                </a:lnTo>
+                <a:lnTo>
+                  <a:pt x="18288000" y="10287000"/>
+                </a:lnTo>
+                <a:lnTo>
+                  <a:pt x="0" y="10287000"/>
+                </a:lnTo>
+                <a:lnTo>
+                  <a:pt x="0" y="0"/>
+                </a:lnTo>
+                <a:close/>
+              </a:path>
+            </a:pathLst>
+          </a:custGeom>
+          <a:blipFill>
+            <a:blip r:embed="rId2"/>
+            <a:stretch>
+              <a:fillRect t="-777" b="-777"/>
+            </a:stretch>
+          </a:blipFill>
+        </p:spPr>
+        <p:txBody>
+          <a:bodyPr/>
+          <a:lstStyle/>
+          <a:p>
+            <a:endParaRPr lang="en-US" dirty="0"/>
+          </a:p>
+        </p:txBody>
+      </p:sp>
+      <p:sp>
+        <p:nvSpPr>
+          <p:cNvPr id="3" name="Freeform 3">
+            <a:extLst>
+              <a:ext uri="{FF2B5EF4-FFF2-40B4-BE49-F238E27FC236}">
+                <a16:creationId xmlns:a16="http://schemas.microsoft.com/office/drawing/2014/main" id="{2783A741-778B-154B-5BED-743D96BADC27}"/>
+              </a:ext>
+            </a:extLst>
+          </p:cNvPr>
+          <p:cNvSpPr/>
+          <p:nvPr/>
+        </p:nvSpPr>
+        <p:spPr>
+          <a:xfrm flipH="1">
+            <a:off x="10273278" y="5039691"/>
+            <a:ext cx="9295205" cy="5948931"/>
+          </a:xfrm>
+          <a:custGeom>
+            <a:avLst/>
+            <a:gdLst/>
+            <a:ahLst/>
+            <a:cxnLst/>
+            <a:rect l="l" t="t" r="r" b="b"/>
+            <a:pathLst>
+              <a:path w="9295205" h="5948931">
+                <a:moveTo>
+                  <a:pt x="9295205" y="0"/>
+                </a:moveTo>
+                <a:lnTo>
+                  <a:pt x="0" y="0"/>
+                </a:lnTo>
+                <a:lnTo>
+                  <a:pt x="0" y="5948932"/>
+                </a:lnTo>
+                <a:lnTo>
+                  <a:pt x="9295205" y="5948932"/>
+                </a:lnTo>
+                <a:lnTo>
+                  <a:pt x="9295205" y="0"/>
+                </a:lnTo>
+                <a:close/>
+              </a:path>
+            </a:pathLst>
+          </a:custGeom>
+          <a:blipFill>
+            <a:blip r:embed="rId3">
+              <a:extLst>
+                <a:ext uri="{96DAC541-7B7A-43D3-8B79-37D633B846F1}">
+                  <asvg:svgBlip xmlns:asvg="http://schemas.microsoft.com/office/drawing/2016/SVG/main" r:embed="rId4"/>
+                </a:ext>
+              </a:extLst>
+            </a:blip>
+            <a:stretch>
+              <a:fillRect/>
+            </a:stretch>
+          </a:blipFill>
+        </p:spPr>
+      </p:sp>
+      <p:sp>
+        <p:nvSpPr>
+          <p:cNvPr id="4" name="Freeform 4">
+            <a:extLst>
+              <a:ext uri="{FF2B5EF4-FFF2-40B4-BE49-F238E27FC236}">
+                <a16:creationId xmlns:a16="http://schemas.microsoft.com/office/drawing/2014/main" id="{3928E0D6-9FE3-0007-DF57-85187BBCC8BA}"/>
+              </a:ext>
+            </a:extLst>
+          </p:cNvPr>
+          <p:cNvSpPr/>
+          <p:nvPr/>
+        </p:nvSpPr>
+        <p:spPr>
+          <a:xfrm flipV="1">
+            <a:off x="-1280483" y="-701623"/>
+            <a:ext cx="9295205" cy="5948931"/>
+          </a:xfrm>
+          <a:custGeom>
+            <a:avLst/>
+            <a:gdLst/>
+            <a:ahLst/>
+            <a:cxnLst/>
+            <a:rect l="l" t="t" r="r" b="b"/>
+            <a:pathLst>
+              <a:path w="9295205" h="5948931">
+                <a:moveTo>
+                  <a:pt x="0" y="5948932"/>
+                </a:moveTo>
+                <a:lnTo>
+                  <a:pt x="9295205" y="5948932"/>
+                </a:lnTo>
+                <a:lnTo>
+                  <a:pt x="9295205" y="0"/>
+                </a:lnTo>
+                <a:lnTo>
+                  <a:pt x="0" y="0"/>
+                </a:lnTo>
+                <a:lnTo>
+                  <a:pt x="0" y="5948932"/>
+                </a:lnTo>
+                <a:close/>
+              </a:path>
+            </a:pathLst>
+          </a:custGeom>
+          <a:blipFill>
+            <a:blip r:embed="rId3">
+              <a:extLst>
+                <a:ext uri="{96DAC541-7B7A-43D3-8B79-37D633B846F1}">
+                  <asvg:svgBlip xmlns:asvg="http://schemas.microsoft.com/office/drawing/2016/SVG/main" r:embed="rId4"/>
+                </a:ext>
+              </a:extLst>
+            </a:blip>
+            <a:stretch>
+              <a:fillRect/>
+            </a:stretch>
+          </a:blipFill>
+        </p:spPr>
+      </p:sp>
+      <p:sp>
+        <p:nvSpPr>
+          <p:cNvPr id="5" name="Freeform 5">
+            <a:extLst>
+              <a:ext uri="{FF2B5EF4-FFF2-40B4-BE49-F238E27FC236}">
+                <a16:creationId xmlns:a16="http://schemas.microsoft.com/office/drawing/2014/main" id="{65CAB8E6-B223-DFC5-702C-7BE285E32EC1}"/>
+              </a:ext>
+            </a:extLst>
+          </p:cNvPr>
+          <p:cNvSpPr/>
+          <p:nvPr/>
+        </p:nvSpPr>
+        <p:spPr>
+          <a:xfrm>
+            <a:off x="14790631" y="-3420266"/>
+            <a:ext cx="5568589" cy="7775011"/>
+          </a:xfrm>
+          <a:custGeom>
+            <a:avLst/>
+            <a:gdLst/>
+            <a:ahLst/>
+            <a:cxnLst/>
+            <a:rect l="l" t="t" r="r" b="b"/>
+            <a:pathLst>
+              <a:path w="5568589" h="7775011">
+                <a:moveTo>
+                  <a:pt x="0" y="0"/>
+                </a:moveTo>
+                <a:lnTo>
+                  <a:pt x="5568589" y="0"/>
+                </a:lnTo>
+                <a:lnTo>
+                  <a:pt x="5568589" y="7775011"/>
+                </a:lnTo>
+                <a:lnTo>
+                  <a:pt x="0" y="7775011"/>
+                </a:lnTo>
+                <a:lnTo>
+                  <a:pt x="0" y="0"/>
+                </a:lnTo>
+                <a:close/>
+              </a:path>
+            </a:pathLst>
+          </a:custGeom>
+          <a:blipFill>
+            <a:blip r:embed="rId5">
+              <a:extLst>
+                <a:ext uri="{96DAC541-7B7A-43D3-8B79-37D633B846F1}">
+                  <asvg:svgBlip xmlns:asvg="http://schemas.microsoft.com/office/drawing/2016/SVG/main" r:embed="rId6"/>
+                </a:ext>
+              </a:extLst>
+            </a:blip>
+            <a:stretch>
+              <a:fillRect/>
+            </a:stretch>
+          </a:blipFill>
+        </p:spPr>
+      </p:sp>
+      <p:sp>
+        <p:nvSpPr>
+          <p:cNvPr id="6" name="Freeform 6">
+            <a:extLst>
+              <a:ext uri="{FF2B5EF4-FFF2-40B4-BE49-F238E27FC236}">
+                <a16:creationId xmlns:a16="http://schemas.microsoft.com/office/drawing/2014/main" id="{303FA059-1DD9-CEAA-39A4-2368AC326411}"/>
+              </a:ext>
+            </a:extLst>
+          </p:cNvPr>
+          <p:cNvSpPr/>
+          <p:nvPr/>
+        </p:nvSpPr>
+        <p:spPr>
+          <a:xfrm>
+            <a:off x="-646086" y="6399494"/>
+            <a:ext cx="5568589" cy="7775011"/>
+          </a:xfrm>
+          <a:custGeom>
+            <a:avLst/>
+            <a:gdLst/>
+            <a:ahLst/>
+            <a:cxnLst/>
+            <a:rect l="l" t="t" r="r" b="b"/>
+            <a:pathLst>
+              <a:path w="5568589" h="7775011">
+                <a:moveTo>
+                  <a:pt x="0" y="0"/>
+                </a:moveTo>
+                <a:lnTo>
+                  <a:pt x="5568589" y="0"/>
+                </a:lnTo>
+                <a:lnTo>
+                  <a:pt x="5568589" y="7775012"/>
+                </a:lnTo>
+                <a:lnTo>
+                  <a:pt x="0" y="7775012"/>
+                </a:lnTo>
+                <a:lnTo>
+                  <a:pt x="0" y="0"/>
+                </a:lnTo>
+                <a:close/>
+              </a:path>
+            </a:pathLst>
+          </a:custGeom>
+          <a:blipFill>
+            <a:blip r:embed="rId5">
+              <a:extLst>
+                <a:ext uri="{96DAC541-7B7A-43D3-8B79-37D633B846F1}">
+                  <asvg:svgBlip xmlns:asvg="http://schemas.microsoft.com/office/drawing/2016/SVG/main" r:embed="rId6"/>
+                </a:ext>
+              </a:extLst>
+            </a:blip>
+            <a:stretch>
+              <a:fillRect/>
+            </a:stretch>
+          </a:blipFill>
+        </p:spPr>
+      </p:sp>
+      <p:sp>
+        <p:nvSpPr>
+          <p:cNvPr id="8" name="TextBox 8">
+            <a:extLst>
+              <a:ext uri="{FF2B5EF4-FFF2-40B4-BE49-F238E27FC236}">
+                <a16:creationId xmlns:a16="http://schemas.microsoft.com/office/drawing/2014/main" id="{5CF89C76-4E08-45FB-ECE4-7FFDACF136C6}"/>
+              </a:ext>
+            </a:extLst>
+          </p:cNvPr>
+          <p:cNvSpPr txBox="1"/>
+          <p:nvPr/>
+        </p:nvSpPr>
+        <p:spPr>
+          <a:xfrm>
+            <a:off x="2894685" y="397411"/>
+            <a:ext cx="12801040" cy="1298432"/>
+          </a:xfrm>
+          <a:prstGeom prst="rect">
+            <a:avLst/>
+          </a:prstGeom>
+        </p:spPr>
+        <p:txBody>
+          <a:bodyPr lIns="0" tIns="0" rIns="0" bIns="0" rtlCol="0" anchor="t">
+            <a:spAutoFit/>
+          </a:bodyPr>
+          <a:lstStyle/>
+          <a:p>
+            <a:pPr algn="ctr">
+              <a:lnSpc>
+                <a:spcPts val="11108"/>
+              </a:lnSpc>
+            </a:pPr>
+            <a:r>
+              <a:rPr lang="en-US" sz="4800" b="1" dirty="0">
+                <a:solidFill>
+                  <a:srgbClr val="002B58"/>
+                </a:solidFill>
+                <a:latin typeface="Monda Bold"/>
+                <a:ea typeface="Monda Bold"/>
+                <a:cs typeface="Monda Bold"/>
+                <a:sym typeface="Monda Bold"/>
+              </a:rPr>
+              <a:t>DAFTAR AKUN</a:t>
+            </a:r>
+          </a:p>
+        </p:txBody>
+      </p:sp>
+      <p:pic>
+        <p:nvPicPr>
+          <p:cNvPr id="10" name="Picture 9">
+            <a:extLst>
+              <a:ext uri="{FF2B5EF4-FFF2-40B4-BE49-F238E27FC236}">
+                <a16:creationId xmlns:a16="http://schemas.microsoft.com/office/drawing/2014/main" id="{6209ECD7-C6E1-EF7F-F7D6-8D8988C85007}"/>
+              </a:ext>
+            </a:extLst>
+          </p:cNvPr>
+          <p:cNvPicPr>
+            <a:picLocks noChangeAspect="1"/>
+          </p:cNvPicPr>
+          <p:nvPr/>
+        </p:nvPicPr>
+        <p:blipFill>
+          <a:blip r:embed="rId7">
+            <a:extLst>
+              <a:ext uri="{28A0092B-C50C-407E-A947-70E740481C1C}">
+                <a14:useLocalDpi xmlns:a14="http://schemas.microsoft.com/office/drawing/2010/main" val="0"/>
+              </a:ext>
+            </a:extLst>
+          </a:blip>
+          <a:stretch>
+            <a:fillRect/>
+          </a:stretch>
+        </p:blipFill>
+        <p:spPr>
+          <a:xfrm>
+            <a:off x="2001832" y="1891804"/>
+            <a:ext cx="14097000" cy="7929563"/>
+          </a:xfrm>
+          <a:prstGeom prst="rect">
+            <a:avLst/>
+          </a:prstGeom>
+        </p:spPr>
+      </p:pic>
+    </p:spTree>
+    <p:extLst>
+      <p:ext uri="{BB962C8B-B14F-4D97-AF65-F5344CB8AC3E}">
+        <p14:creationId xmlns:p14="http://schemas.microsoft.com/office/powerpoint/2010/main" val="3557909007"/>
+      </p:ext>
+    </p:extLst>
+  </p:cSld>
+  <p:clrMapOvr>
+    <a:masterClrMapping/>
+  </p:clrMapOvr>
+</p:sld>
+</file>
+
+<file path=ppt/slides/slide4.xml><?xml version="1.0" encoding="utf-8"?>
+<p:sld xmlns:a="http://schemas.openxmlformats.org/drawingml/2006/main" xmlns:r="http://schemas.openxmlformats.org/officeDocument/2006/relationships" xmlns:p="http://schemas.openxmlformats.org/presentationml/2006/main">
+  <p:cSld>
+    <p:spTree>
+      <p:nvGrpSpPr>
+        <p:cNvPr id="1" name="">
+          <a:extLst>
+            <a:ext uri="{FF2B5EF4-FFF2-40B4-BE49-F238E27FC236}">
+              <a16:creationId xmlns:a16="http://schemas.microsoft.com/office/drawing/2014/main" id="{565BC6F6-5B4E-44BF-E21A-6495E5F29A0D}"/>
+            </a:ext>
+          </a:extLst>
+        </p:cNvPr>
+        <p:cNvGrpSpPr/>
+        <p:nvPr/>
+      </p:nvGrpSpPr>
+      <p:grpSpPr>
+        <a:xfrm>
+          <a:off x="0" y="0"/>
+          <a:ext cx="0" cy="0"/>
+          <a:chOff x="0" y="0"/>
+          <a:chExt cx="0" cy="0"/>
+        </a:xfrm>
+      </p:grpSpPr>
+      <p:sp>
+        <p:nvSpPr>
+          <p:cNvPr id="2" name="Freeform 2">
+            <a:extLst>
+              <a:ext uri="{FF2B5EF4-FFF2-40B4-BE49-F238E27FC236}">
+                <a16:creationId xmlns:a16="http://schemas.microsoft.com/office/drawing/2014/main" id="{A64F3BE2-C27A-1D50-CFAE-F532DE08CE74}"/>
+              </a:ext>
+            </a:extLst>
+          </p:cNvPr>
+          <p:cNvSpPr/>
+          <p:nvPr/>
+        </p:nvSpPr>
+        <p:spPr>
+          <a:xfrm>
+            <a:off x="0" y="0"/>
+            <a:ext cx="18288000" cy="10287000"/>
+          </a:xfrm>
+          <a:custGeom>
+            <a:avLst/>
+            <a:gdLst/>
+            <a:ahLst/>
+            <a:cxnLst/>
+            <a:rect l="l" t="t" r="r" b="b"/>
+            <a:pathLst>
+              <a:path w="18288000" h="10287000">
+                <a:moveTo>
+                  <a:pt x="0" y="0"/>
+                </a:moveTo>
+                <a:lnTo>
+                  <a:pt x="18288000" y="0"/>
+                </a:lnTo>
+                <a:lnTo>
+                  <a:pt x="18288000" y="10287000"/>
+                </a:lnTo>
+                <a:lnTo>
+                  <a:pt x="0" y="10287000"/>
+                </a:lnTo>
+                <a:lnTo>
+                  <a:pt x="0" y="0"/>
+                </a:lnTo>
+                <a:close/>
+              </a:path>
+            </a:pathLst>
+          </a:custGeom>
+          <a:blipFill>
+            <a:blip r:embed="rId2"/>
+            <a:stretch>
+              <a:fillRect t="-777" b="-777"/>
+            </a:stretch>
+          </a:blipFill>
+        </p:spPr>
+      </p:sp>
+      <p:sp>
+        <p:nvSpPr>
+          <p:cNvPr id="3" name="Freeform 3">
+            <a:extLst>
+              <a:ext uri="{FF2B5EF4-FFF2-40B4-BE49-F238E27FC236}">
+                <a16:creationId xmlns:a16="http://schemas.microsoft.com/office/drawing/2014/main" id="{593DB5A2-F7FD-052C-5D6C-BF7C3DAAA543}"/>
+              </a:ext>
+            </a:extLst>
+          </p:cNvPr>
+          <p:cNvSpPr/>
+          <p:nvPr/>
+        </p:nvSpPr>
+        <p:spPr>
+          <a:xfrm flipH="1">
+            <a:off x="10273278" y="5039691"/>
+            <a:ext cx="9295205" cy="5948931"/>
+          </a:xfrm>
+          <a:custGeom>
+            <a:avLst/>
+            <a:gdLst/>
+            <a:ahLst/>
+            <a:cxnLst/>
+            <a:rect l="l" t="t" r="r" b="b"/>
+            <a:pathLst>
+              <a:path w="9295205" h="5948931">
+                <a:moveTo>
+                  <a:pt x="9295205" y="0"/>
+                </a:moveTo>
+                <a:lnTo>
+                  <a:pt x="0" y="0"/>
+                </a:lnTo>
+                <a:lnTo>
+                  <a:pt x="0" y="5948932"/>
+                </a:lnTo>
+                <a:lnTo>
+                  <a:pt x="9295205" y="5948932"/>
+                </a:lnTo>
+                <a:lnTo>
+                  <a:pt x="9295205" y="0"/>
+                </a:lnTo>
+                <a:close/>
+              </a:path>
+            </a:pathLst>
+          </a:custGeom>
+          <a:blipFill>
+            <a:blip r:embed="rId3">
+              <a:extLst>
+                <a:ext uri="{96DAC541-7B7A-43D3-8B79-37D633B846F1}">
+                  <asvg:svgBlip xmlns:asvg="http://schemas.microsoft.com/office/drawing/2016/SVG/main" r:embed="rId4"/>
+                </a:ext>
+              </a:extLst>
+            </a:blip>
+            <a:stretch>
+              <a:fillRect/>
+            </a:stretch>
+          </a:blipFill>
+        </p:spPr>
+      </p:sp>
+      <p:sp>
+        <p:nvSpPr>
+          <p:cNvPr id="4" name="Freeform 4">
+            <a:extLst>
+              <a:ext uri="{FF2B5EF4-FFF2-40B4-BE49-F238E27FC236}">
+                <a16:creationId xmlns:a16="http://schemas.microsoft.com/office/drawing/2014/main" id="{25CFEF8C-8F4D-52A9-E292-A03FE8BECFD7}"/>
+              </a:ext>
+            </a:extLst>
+          </p:cNvPr>
+          <p:cNvSpPr/>
+          <p:nvPr/>
+        </p:nvSpPr>
+        <p:spPr>
+          <a:xfrm flipV="1">
+            <a:off x="-1280483" y="-701623"/>
+            <a:ext cx="9295205" cy="5948931"/>
+          </a:xfrm>
+          <a:custGeom>
+            <a:avLst/>
+            <a:gdLst/>
+            <a:ahLst/>
+            <a:cxnLst/>
+            <a:rect l="l" t="t" r="r" b="b"/>
+            <a:pathLst>
+              <a:path w="9295205" h="5948931">
+                <a:moveTo>
+                  <a:pt x="0" y="5948932"/>
+                </a:moveTo>
+                <a:lnTo>
+                  <a:pt x="9295205" y="5948932"/>
+                </a:lnTo>
+                <a:lnTo>
+                  <a:pt x="9295205" y="0"/>
+                </a:lnTo>
+                <a:lnTo>
+                  <a:pt x="0" y="0"/>
+                </a:lnTo>
+                <a:lnTo>
+                  <a:pt x="0" y="5948932"/>
+                </a:lnTo>
+                <a:close/>
+              </a:path>
+            </a:pathLst>
+          </a:custGeom>
+          <a:blipFill>
+            <a:blip r:embed="rId3">
+              <a:extLst>
+                <a:ext uri="{96DAC541-7B7A-43D3-8B79-37D633B846F1}">
+                  <asvg:svgBlip xmlns:asvg="http://schemas.microsoft.com/office/drawing/2016/SVG/main" r:embed="rId4"/>
+                </a:ext>
+              </a:extLst>
+            </a:blip>
+            <a:stretch>
+              <a:fillRect/>
+            </a:stretch>
+          </a:blipFill>
+        </p:spPr>
+      </p:sp>
+      <p:sp>
+        <p:nvSpPr>
+          <p:cNvPr id="5" name="Freeform 5">
+            <a:extLst>
+              <a:ext uri="{FF2B5EF4-FFF2-40B4-BE49-F238E27FC236}">
+                <a16:creationId xmlns:a16="http://schemas.microsoft.com/office/drawing/2014/main" id="{1D34C00D-B33A-EFD3-5E3C-712C3D5846BA}"/>
+              </a:ext>
+            </a:extLst>
+          </p:cNvPr>
+          <p:cNvSpPr/>
+          <p:nvPr/>
+        </p:nvSpPr>
+        <p:spPr>
+          <a:xfrm>
+            <a:off x="14790631" y="-3420266"/>
+            <a:ext cx="5568589" cy="7775011"/>
+          </a:xfrm>
+          <a:custGeom>
+            <a:avLst/>
+            <a:gdLst/>
+            <a:ahLst/>
+            <a:cxnLst/>
+            <a:rect l="l" t="t" r="r" b="b"/>
+            <a:pathLst>
+              <a:path w="5568589" h="7775011">
+                <a:moveTo>
+                  <a:pt x="0" y="0"/>
+                </a:moveTo>
+                <a:lnTo>
+                  <a:pt x="5568589" y="0"/>
+                </a:lnTo>
+                <a:lnTo>
+                  <a:pt x="5568589" y="7775011"/>
+                </a:lnTo>
+                <a:lnTo>
+                  <a:pt x="0" y="7775011"/>
+                </a:lnTo>
+                <a:lnTo>
+                  <a:pt x="0" y="0"/>
+                </a:lnTo>
+                <a:close/>
+              </a:path>
+            </a:pathLst>
+          </a:custGeom>
+          <a:blipFill>
+            <a:blip r:embed="rId5">
+              <a:extLst>
+                <a:ext uri="{96DAC541-7B7A-43D3-8B79-37D633B846F1}">
+                  <asvg:svgBlip xmlns:asvg="http://schemas.microsoft.com/office/drawing/2016/SVG/main" r:embed="rId6"/>
+                </a:ext>
+              </a:extLst>
+            </a:blip>
+            <a:stretch>
+              <a:fillRect/>
+            </a:stretch>
+          </a:blipFill>
+        </p:spPr>
+      </p:sp>
+      <p:sp>
+        <p:nvSpPr>
+          <p:cNvPr id="6" name="Freeform 6">
+            <a:extLst>
+              <a:ext uri="{FF2B5EF4-FFF2-40B4-BE49-F238E27FC236}">
+                <a16:creationId xmlns:a16="http://schemas.microsoft.com/office/drawing/2014/main" id="{F41B09FF-6672-22CF-CD24-CD00E538D603}"/>
+              </a:ext>
+            </a:extLst>
+          </p:cNvPr>
+          <p:cNvSpPr/>
+          <p:nvPr/>
+        </p:nvSpPr>
+        <p:spPr>
+          <a:xfrm>
+            <a:off x="-646086" y="6399494"/>
+            <a:ext cx="5568589" cy="7775011"/>
+          </a:xfrm>
+          <a:custGeom>
+            <a:avLst/>
+            <a:gdLst/>
+            <a:ahLst/>
+            <a:cxnLst/>
+            <a:rect l="l" t="t" r="r" b="b"/>
+            <a:pathLst>
+              <a:path w="5568589" h="7775011">
+                <a:moveTo>
+                  <a:pt x="0" y="0"/>
+                </a:moveTo>
+                <a:lnTo>
+                  <a:pt x="5568589" y="0"/>
+                </a:lnTo>
+                <a:lnTo>
+                  <a:pt x="5568589" y="7775012"/>
+                </a:lnTo>
+                <a:lnTo>
+                  <a:pt x="0" y="7775012"/>
+                </a:lnTo>
+                <a:lnTo>
+                  <a:pt x="0" y="0"/>
+                </a:lnTo>
+                <a:close/>
+              </a:path>
+            </a:pathLst>
+          </a:custGeom>
+          <a:blipFill>
+            <a:blip r:embed="rId5">
+              <a:extLst>
+                <a:ext uri="{96DAC541-7B7A-43D3-8B79-37D633B846F1}">
+                  <asvg:svgBlip xmlns:asvg="http://schemas.microsoft.com/office/drawing/2016/SVG/main" r:embed="rId6"/>
+                </a:ext>
+              </a:extLst>
+            </a:blip>
+            <a:stretch>
+              <a:fillRect/>
+            </a:stretch>
+          </a:blipFill>
+        </p:spPr>
+      </p:sp>
+      <p:sp>
+        <p:nvSpPr>
+          <p:cNvPr id="8" name="TextBox 8">
+            <a:extLst>
+              <a:ext uri="{FF2B5EF4-FFF2-40B4-BE49-F238E27FC236}">
+                <a16:creationId xmlns:a16="http://schemas.microsoft.com/office/drawing/2014/main" id="{215E5B90-7140-1C93-518D-8D7DE5E259A7}"/>
+              </a:ext>
+            </a:extLst>
+          </p:cNvPr>
+          <p:cNvSpPr txBox="1"/>
+          <p:nvPr/>
+        </p:nvSpPr>
+        <p:spPr>
+          <a:xfrm>
+            <a:off x="2894685" y="153977"/>
+            <a:ext cx="12801040" cy="1252266"/>
+          </a:xfrm>
+          <a:prstGeom prst="rect">
+            <a:avLst/>
+          </a:prstGeom>
+        </p:spPr>
+        <p:txBody>
+          <a:bodyPr lIns="0" tIns="0" rIns="0" bIns="0" rtlCol="0" anchor="t">
+            <a:spAutoFit/>
+          </a:bodyPr>
+          <a:lstStyle/>
+          <a:p>
+            <a:pPr algn="ctr">
+              <a:lnSpc>
+                <a:spcPts val="11108"/>
+              </a:lnSpc>
+            </a:pPr>
+            <a:r>
+              <a:rPr lang="en-US" sz="4800" b="1" dirty="0">
+                <a:solidFill>
+                  <a:srgbClr val="002B58"/>
+                </a:solidFill>
+                <a:latin typeface="Monda Bold"/>
+                <a:ea typeface="Monda Bold"/>
+                <a:cs typeface="Monda Bold"/>
+                <a:sym typeface="Monda Bold"/>
+              </a:rPr>
+              <a:t>LOGIN PAGE</a:t>
+            </a:r>
+          </a:p>
+        </p:txBody>
+      </p:sp>
+      <p:pic>
+        <p:nvPicPr>
+          <p:cNvPr id="10" name="Picture 9">
+            <a:extLst>
+              <a:ext uri="{FF2B5EF4-FFF2-40B4-BE49-F238E27FC236}">
+                <a16:creationId xmlns:a16="http://schemas.microsoft.com/office/drawing/2014/main" id="{17FC710B-021F-BD2F-33A2-B951F21FF7BD}"/>
+              </a:ext>
+            </a:extLst>
+          </p:cNvPr>
+          <p:cNvPicPr>
+            <a:picLocks noChangeAspect="1"/>
+          </p:cNvPicPr>
+          <p:nvPr/>
+        </p:nvPicPr>
+        <p:blipFill>
+          <a:blip r:embed="rId7">
+            <a:extLst>
+              <a:ext uri="{28A0092B-C50C-407E-A947-70E740481C1C}">
+                <a14:useLocalDpi xmlns:a14="http://schemas.microsoft.com/office/drawing/2010/main" val="0"/>
+              </a:ext>
+            </a:extLst>
+          </a:blip>
+          <a:stretch>
+            <a:fillRect/>
+          </a:stretch>
+        </p:blipFill>
+        <p:spPr>
+          <a:xfrm>
+            <a:off x="1891602" y="1796615"/>
+            <a:ext cx="14317461" cy="8053572"/>
+          </a:xfrm>
+          <a:prstGeom prst="rect">
+            <a:avLst/>
+          </a:prstGeom>
+        </p:spPr>
+      </p:pic>
+    </p:spTree>
+    <p:extLst>
+      <p:ext uri="{BB962C8B-B14F-4D97-AF65-F5344CB8AC3E}">
+        <p14:creationId xmlns:p14="http://schemas.microsoft.com/office/powerpoint/2010/main" val="3970713982"/>
+      </p:ext>
+    </p:extLst>
+  </p:cSld>
+  <p:clrMapOvr>
+    <a:masterClrMapping/>
+  </p:clrMapOvr>
+</p:sld>
+</file>
+
+<file path=ppt/slides/slide5.xml><?xml version="1.0" encoding="utf-8"?>
+<p:sld xmlns:a="http://schemas.openxmlformats.org/drawingml/2006/main" xmlns:r="http://schemas.openxmlformats.org/officeDocument/2006/relationships" xmlns:p="http://schemas.openxmlformats.org/presentationml/2006/main">
+  <p:cSld>
+    <p:spTree>
+      <p:nvGrpSpPr>
+        <p:cNvPr id="1" name="">
+          <a:extLst>
+            <a:ext uri="{FF2B5EF4-FFF2-40B4-BE49-F238E27FC236}">
+              <a16:creationId xmlns:a16="http://schemas.microsoft.com/office/drawing/2014/main" id="{4200B168-EDA4-29FC-7682-F88A3A3233B1}"/>
+            </a:ext>
+          </a:extLst>
+        </p:cNvPr>
+        <p:cNvGrpSpPr/>
+        <p:nvPr/>
+      </p:nvGrpSpPr>
+      <p:grpSpPr>
+        <a:xfrm>
+          <a:off x="0" y="0"/>
+          <a:ext cx="0" cy="0"/>
+          <a:chOff x="0" y="0"/>
+          <a:chExt cx="0" cy="0"/>
+        </a:xfrm>
+      </p:grpSpPr>
+      <p:sp>
+        <p:nvSpPr>
+          <p:cNvPr id="2" name="Freeform 2">
+            <a:extLst>
+              <a:ext uri="{FF2B5EF4-FFF2-40B4-BE49-F238E27FC236}">
+                <a16:creationId xmlns:a16="http://schemas.microsoft.com/office/drawing/2014/main" id="{75C3AAFB-EDE5-D09E-447B-A4BD492CF23E}"/>
+              </a:ext>
+            </a:extLst>
+          </p:cNvPr>
+          <p:cNvSpPr/>
+          <p:nvPr/>
+        </p:nvSpPr>
+        <p:spPr>
+          <a:xfrm>
+            <a:off x="0" y="0"/>
+            <a:ext cx="18288000" cy="10287000"/>
+          </a:xfrm>
+          <a:custGeom>
+            <a:avLst/>
+            <a:gdLst/>
+            <a:ahLst/>
+            <a:cxnLst/>
+            <a:rect l="l" t="t" r="r" b="b"/>
+            <a:pathLst>
+              <a:path w="18288000" h="10287000">
+                <a:moveTo>
+                  <a:pt x="0" y="0"/>
+                </a:moveTo>
+                <a:lnTo>
+                  <a:pt x="18288000" y="0"/>
+                </a:lnTo>
+                <a:lnTo>
+                  <a:pt x="18288000" y="10287000"/>
+                </a:lnTo>
+                <a:lnTo>
+                  <a:pt x="0" y="10287000"/>
+                </a:lnTo>
+                <a:lnTo>
+                  <a:pt x="0" y="0"/>
+                </a:lnTo>
+                <a:close/>
+              </a:path>
+            </a:pathLst>
+          </a:custGeom>
+          <a:blipFill>
+            <a:blip r:embed="rId2"/>
+            <a:stretch>
+              <a:fillRect t="-777" b="-777"/>
+            </a:stretch>
+          </a:blipFill>
+        </p:spPr>
+      </p:sp>
+      <p:sp>
+        <p:nvSpPr>
+          <p:cNvPr id="3" name="Freeform 3">
+            <a:extLst>
+              <a:ext uri="{FF2B5EF4-FFF2-40B4-BE49-F238E27FC236}">
+                <a16:creationId xmlns:a16="http://schemas.microsoft.com/office/drawing/2014/main" id="{450A589B-C4EC-FCE9-2CD6-6B4707493EC9}"/>
+              </a:ext>
+            </a:extLst>
+          </p:cNvPr>
+          <p:cNvSpPr/>
+          <p:nvPr/>
+        </p:nvSpPr>
+        <p:spPr>
+          <a:xfrm flipH="1">
+            <a:off x="10273278" y="5039691"/>
+            <a:ext cx="9295205" cy="5948931"/>
+          </a:xfrm>
+          <a:custGeom>
+            <a:avLst/>
+            <a:gdLst/>
+            <a:ahLst/>
+            <a:cxnLst/>
+            <a:rect l="l" t="t" r="r" b="b"/>
+            <a:pathLst>
+              <a:path w="9295205" h="5948931">
+                <a:moveTo>
+                  <a:pt x="9295205" y="0"/>
+                </a:moveTo>
+                <a:lnTo>
+                  <a:pt x="0" y="0"/>
+                </a:lnTo>
+                <a:lnTo>
+                  <a:pt x="0" y="5948932"/>
+                </a:lnTo>
+                <a:lnTo>
+                  <a:pt x="9295205" y="5948932"/>
+                </a:lnTo>
+                <a:lnTo>
+                  <a:pt x="9295205" y="0"/>
+                </a:lnTo>
+                <a:close/>
+              </a:path>
+            </a:pathLst>
+          </a:custGeom>
+          <a:blipFill>
+            <a:blip r:embed="rId3">
+              <a:extLst>
+                <a:ext uri="{96DAC541-7B7A-43D3-8B79-37D633B846F1}">
+                  <asvg:svgBlip xmlns:asvg="http://schemas.microsoft.com/office/drawing/2016/SVG/main" r:embed="rId4"/>
+                </a:ext>
+              </a:extLst>
+            </a:blip>
+            <a:stretch>
+              <a:fillRect/>
+            </a:stretch>
+          </a:blipFill>
+        </p:spPr>
+      </p:sp>
+      <p:sp>
+        <p:nvSpPr>
+          <p:cNvPr id="4" name="Freeform 4">
+            <a:extLst>
+              <a:ext uri="{FF2B5EF4-FFF2-40B4-BE49-F238E27FC236}">
+                <a16:creationId xmlns:a16="http://schemas.microsoft.com/office/drawing/2014/main" id="{614307BD-5013-8A24-D1B7-ECE6CCAC54D1}"/>
+              </a:ext>
+            </a:extLst>
+          </p:cNvPr>
+          <p:cNvSpPr/>
+          <p:nvPr/>
+        </p:nvSpPr>
+        <p:spPr>
+          <a:xfrm flipV="1">
+            <a:off x="-1280483" y="-701623"/>
+            <a:ext cx="9295205" cy="5948931"/>
+          </a:xfrm>
+          <a:custGeom>
+            <a:avLst/>
+            <a:gdLst/>
+            <a:ahLst/>
+            <a:cxnLst/>
+            <a:rect l="l" t="t" r="r" b="b"/>
+            <a:pathLst>
+              <a:path w="9295205" h="5948931">
+                <a:moveTo>
+                  <a:pt x="0" y="5948932"/>
+                </a:moveTo>
+                <a:lnTo>
+                  <a:pt x="9295205" y="5948932"/>
+                </a:lnTo>
+                <a:lnTo>
+                  <a:pt x="9295205" y="0"/>
+                </a:lnTo>
+                <a:lnTo>
+                  <a:pt x="0" y="0"/>
+                </a:lnTo>
+                <a:lnTo>
+                  <a:pt x="0" y="5948932"/>
+                </a:lnTo>
+                <a:close/>
+              </a:path>
+            </a:pathLst>
+          </a:custGeom>
+          <a:blipFill>
+            <a:blip r:embed="rId3">
+              <a:extLst>
+                <a:ext uri="{96DAC541-7B7A-43D3-8B79-37D633B846F1}">
+                  <asvg:svgBlip xmlns:asvg="http://schemas.microsoft.com/office/drawing/2016/SVG/main" r:embed="rId4"/>
+                </a:ext>
+              </a:extLst>
+            </a:blip>
+            <a:stretch>
+              <a:fillRect/>
+            </a:stretch>
+          </a:blipFill>
+        </p:spPr>
+      </p:sp>
+      <p:sp>
+        <p:nvSpPr>
+          <p:cNvPr id="5" name="Freeform 5">
+            <a:extLst>
+              <a:ext uri="{FF2B5EF4-FFF2-40B4-BE49-F238E27FC236}">
+                <a16:creationId xmlns:a16="http://schemas.microsoft.com/office/drawing/2014/main" id="{C0DECDD0-B7F3-B3AA-0BE9-E58E2339BCF1}"/>
+              </a:ext>
+            </a:extLst>
+          </p:cNvPr>
+          <p:cNvSpPr/>
+          <p:nvPr/>
+        </p:nvSpPr>
+        <p:spPr>
+          <a:xfrm>
+            <a:off x="14790631" y="-3420266"/>
+            <a:ext cx="5568589" cy="7775011"/>
+          </a:xfrm>
+          <a:custGeom>
+            <a:avLst/>
+            <a:gdLst/>
+            <a:ahLst/>
+            <a:cxnLst/>
+            <a:rect l="l" t="t" r="r" b="b"/>
+            <a:pathLst>
+              <a:path w="5568589" h="7775011">
+                <a:moveTo>
+                  <a:pt x="0" y="0"/>
+                </a:moveTo>
+                <a:lnTo>
+                  <a:pt x="5568589" y="0"/>
+                </a:lnTo>
+                <a:lnTo>
+                  <a:pt x="5568589" y="7775011"/>
+                </a:lnTo>
+                <a:lnTo>
+                  <a:pt x="0" y="7775011"/>
+                </a:lnTo>
+                <a:lnTo>
+                  <a:pt x="0" y="0"/>
+                </a:lnTo>
+                <a:close/>
+              </a:path>
+            </a:pathLst>
+          </a:custGeom>
+          <a:blipFill>
+            <a:blip r:embed="rId5">
+              <a:extLst>
+                <a:ext uri="{96DAC541-7B7A-43D3-8B79-37D633B846F1}">
+                  <asvg:svgBlip xmlns:asvg="http://schemas.microsoft.com/office/drawing/2016/SVG/main" r:embed="rId6"/>
+                </a:ext>
+              </a:extLst>
+            </a:blip>
+            <a:stretch>
+              <a:fillRect/>
+            </a:stretch>
+          </a:blipFill>
+        </p:spPr>
+      </p:sp>
+      <p:sp>
+        <p:nvSpPr>
+          <p:cNvPr id="6" name="Freeform 6">
+            <a:extLst>
+              <a:ext uri="{FF2B5EF4-FFF2-40B4-BE49-F238E27FC236}">
+                <a16:creationId xmlns:a16="http://schemas.microsoft.com/office/drawing/2014/main" id="{3166CD36-A964-BBC8-BF28-633C12DF54CE}"/>
+              </a:ext>
+            </a:extLst>
+          </p:cNvPr>
+          <p:cNvSpPr/>
+          <p:nvPr/>
+        </p:nvSpPr>
+        <p:spPr>
+          <a:xfrm>
+            <a:off x="-646086" y="6399494"/>
+            <a:ext cx="5568589" cy="7775011"/>
+          </a:xfrm>
+          <a:custGeom>
+            <a:avLst/>
+            <a:gdLst/>
+            <a:ahLst/>
+            <a:cxnLst/>
+            <a:rect l="l" t="t" r="r" b="b"/>
+            <a:pathLst>
+              <a:path w="5568589" h="7775011">
+                <a:moveTo>
+                  <a:pt x="0" y="0"/>
+                </a:moveTo>
+                <a:lnTo>
+                  <a:pt x="5568589" y="0"/>
+                </a:lnTo>
+                <a:lnTo>
+                  <a:pt x="5568589" y="7775012"/>
+                </a:lnTo>
+                <a:lnTo>
+                  <a:pt x="0" y="7775012"/>
+                </a:lnTo>
+                <a:lnTo>
+                  <a:pt x="0" y="0"/>
+                </a:lnTo>
+                <a:close/>
+              </a:path>
+            </a:pathLst>
+          </a:custGeom>
+          <a:blipFill>
+            <a:blip r:embed="rId5">
+              <a:extLst>
+                <a:ext uri="{96DAC541-7B7A-43D3-8B79-37D633B846F1}">
+                  <asvg:svgBlip xmlns:asvg="http://schemas.microsoft.com/office/drawing/2016/SVG/main" r:embed="rId6"/>
+                </a:ext>
+              </a:extLst>
+            </a:blip>
+            <a:stretch>
+              <a:fillRect/>
+            </a:stretch>
+          </a:blipFill>
+        </p:spPr>
+      </p:sp>
+      <p:sp>
+        <p:nvSpPr>
+          <p:cNvPr id="8" name="TextBox 8">
+            <a:extLst>
+              <a:ext uri="{FF2B5EF4-FFF2-40B4-BE49-F238E27FC236}">
+                <a16:creationId xmlns:a16="http://schemas.microsoft.com/office/drawing/2014/main" id="{73A3F10D-CCD9-A248-47D0-675ECFE81D4E}"/>
+              </a:ext>
+            </a:extLst>
+          </p:cNvPr>
+          <p:cNvSpPr txBox="1"/>
+          <p:nvPr/>
+        </p:nvSpPr>
+        <p:spPr>
+          <a:xfrm>
+            <a:off x="3012565" y="245353"/>
+            <a:ext cx="12801040" cy="1252266"/>
+          </a:xfrm>
+          <a:prstGeom prst="rect">
+            <a:avLst/>
+          </a:prstGeom>
+        </p:spPr>
+        <p:txBody>
+          <a:bodyPr lIns="0" tIns="0" rIns="0" bIns="0" rtlCol="0" anchor="t">
+            <a:spAutoFit/>
+          </a:bodyPr>
+          <a:lstStyle/>
+          <a:p>
+            <a:pPr algn="ctr">
+              <a:lnSpc>
+                <a:spcPts val="11108"/>
+              </a:lnSpc>
+            </a:pPr>
+            <a:r>
+              <a:rPr lang="en-US" sz="4800" b="1" dirty="0">
+                <a:solidFill>
+                  <a:srgbClr val="002B58"/>
+                </a:solidFill>
+                <a:latin typeface="Monda Bold"/>
+                <a:ea typeface="Monda Bold"/>
+                <a:cs typeface="Monda Bold"/>
+                <a:sym typeface="Monda Bold"/>
+              </a:rPr>
+              <a:t>HOME PAGE</a:t>
+            </a:r>
+          </a:p>
+        </p:txBody>
+      </p:sp>
+      <p:pic>
+        <p:nvPicPr>
+          <p:cNvPr id="9" name="Picture 8">
+            <a:extLst>
+              <a:ext uri="{FF2B5EF4-FFF2-40B4-BE49-F238E27FC236}">
+                <a16:creationId xmlns:a16="http://schemas.microsoft.com/office/drawing/2014/main" id="{587287FF-5D96-215F-B8E9-4E56CE0BCF03}"/>
+              </a:ext>
+            </a:extLst>
+          </p:cNvPr>
+          <p:cNvPicPr>
+            <a:picLocks noChangeAspect="1"/>
+          </p:cNvPicPr>
+          <p:nvPr/>
+        </p:nvPicPr>
+        <p:blipFill>
+          <a:blip r:embed="rId7">
+            <a:extLst>
+              <a:ext uri="{28A0092B-C50C-407E-A947-70E740481C1C}">
+                <a14:useLocalDpi xmlns:a14="http://schemas.microsoft.com/office/drawing/2010/main" val="0"/>
+              </a:ext>
+            </a:extLst>
+          </a:blip>
+          <a:stretch>
+            <a:fillRect/>
+          </a:stretch>
+        </p:blipFill>
+        <p:spPr>
+          <a:xfrm>
+            <a:off x="2658011" y="2023672"/>
+            <a:ext cx="13510148" cy="7599458"/>
+          </a:xfrm>
+          <a:prstGeom prst="rect">
+            <a:avLst/>
+          </a:prstGeom>
+        </p:spPr>
+      </p:pic>
+    </p:spTree>
+    <p:extLst>
+      <p:ext uri="{BB962C8B-B14F-4D97-AF65-F5344CB8AC3E}">
+        <p14:creationId xmlns:p14="http://schemas.microsoft.com/office/powerpoint/2010/main" val="3223351333"/>
+      </p:ext>
+    </p:extLst>
+  </p:cSld>
+  <p:clrMapOvr>
+    <a:masterClrMapping/>
+  </p:clrMapOvr>
+</p:sld>
+</file>
+
+<file path=ppt/slides/slide6.xml><?xml version="1.0" encoding="utf-8"?>
+<p:sld xmlns:a="http://schemas.openxmlformats.org/drawingml/2006/main" xmlns:r="http://schemas.openxmlformats.org/officeDocument/2006/relationships" xmlns:p="http://schemas.openxmlformats.org/presentationml/2006/main">
+  <p:cSld>
+    <p:spTree>
+      <p:nvGrpSpPr>
+        <p:cNvPr id="1" name="">
+          <a:extLst>
+            <a:ext uri="{FF2B5EF4-FFF2-40B4-BE49-F238E27FC236}">
+              <a16:creationId xmlns:a16="http://schemas.microsoft.com/office/drawing/2014/main" id="{C693D3C3-F184-C226-E19F-C4970E5E102E}"/>
+            </a:ext>
+          </a:extLst>
+        </p:cNvPr>
+        <p:cNvGrpSpPr/>
+        <p:nvPr/>
+      </p:nvGrpSpPr>
+      <p:grpSpPr>
+        <a:xfrm>
+          <a:off x="0" y="0"/>
+          <a:ext cx="0" cy="0"/>
+          <a:chOff x="0" y="0"/>
+          <a:chExt cx="0" cy="0"/>
+        </a:xfrm>
+      </p:grpSpPr>
+      <p:sp>
+        <p:nvSpPr>
+          <p:cNvPr id="2" name="Freeform 2">
+            <a:extLst>
+              <a:ext uri="{FF2B5EF4-FFF2-40B4-BE49-F238E27FC236}">
+                <a16:creationId xmlns:a16="http://schemas.microsoft.com/office/drawing/2014/main" id="{A587BBC2-74B4-0A0F-9210-95B5C27A435A}"/>
+              </a:ext>
+            </a:extLst>
+          </p:cNvPr>
+          <p:cNvSpPr/>
+          <p:nvPr/>
+        </p:nvSpPr>
+        <p:spPr>
+          <a:xfrm>
+            <a:off x="0" y="0"/>
+            <a:ext cx="18288000" cy="10287000"/>
+          </a:xfrm>
+          <a:custGeom>
+            <a:avLst/>
+            <a:gdLst/>
+            <a:ahLst/>
+            <a:cxnLst/>
+            <a:rect l="l" t="t" r="r" b="b"/>
+            <a:pathLst>
+              <a:path w="18288000" h="10287000">
+                <a:moveTo>
+                  <a:pt x="0" y="0"/>
+                </a:moveTo>
+                <a:lnTo>
+                  <a:pt x="18288000" y="0"/>
+                </a:lnTo>
+                <a:lnTo>
+                  <a:pt x="18288000" y="10287000"/>
+                </a:lnTo>
+                <a:lnTo>
+                  <a:pt x="0" y="10287000"/>
+                </a:lnTo>
+                <a:lnTo>
+                  <a:pt x="0" y="0"/>
+                </a:lnTo>
+                <a:close/>
+              </a:path>
+            </a:pathLst>
+          </a:custGeom>
+          <a:blipFill>
+            <a:blip r:embed="rId2"/>
+            <a:stretch>
+              <a:fillRect t="-777" b="-777"/>
+            </a:stretch>
+          </a:blipFill>
+        </p:spPr>
+      </p:sp>
+      <p:sp>
+        <p:nvSpPr>
+          <p:cNvPr id="3" name="Freeform 3">
+            <a:extLst>
+              <a:ext uri="{FF2B5EF4-FFF2-40B4-BE49-F238E27FC236}">
+                <a16:creationId xmlns:a16="http://schemas.microsoft.com/office/drawing/2014/main" id="{B3A80863-4DF4-AD76-8CCD-4461B71CA48E}"/>
+              </a:ext>
+            </a:extLst>
+          </p:cNvPr>
+          <p:cNvSpPr/>
+          <p:nvPr/>
+        </p:nvSpPr>
+        <p:spPr>
+          <a:xfrm flipH="1">
+            <a:off x="10273278" y="5039691"/>
+            <a:ext cx="9295205" cy="5948931"/>
+          </a:xfrm>
+          <a:custGeom>
+            <a:avLst/>
+            <a:gdLst/>
+            <a:ahLst/>
+            <a:cxnLst/>
+            <a:rect l="l" t="t" r="r" b="b"/>
+            <a:pathLst>
+              <a:path w="9295205" h="5948931">
+                <a:moveTo>
+                  <a:pt x="9295205" y="0"/>
+                </a:moveTo>
+                <a:lnTo>
+                  <a:pt x="0" y="0"/>
+                </a:lnTo>
+                <a:lnTo>
+                  <a:pt x="0" y="5948932"/>
+                </a:lnTo>
+                <a:lnTo>
+                  <a:pt x="9295205" y="5948932"/>
+                </a:lnTo>
+                <a:lnTo>
+                  <a:pt x="9295205" y="0"/>
+                </a:lnTo>
+                <a:close/>
+              </a:path>
+            </a:pathLst>
+          </a:custGeom>
+          <a:blipFill>
+            <a:blip r:embed="rId3">
+              <a:extLst>
+                <a:ext uri="{96DAC541-7B7A-43D3-8B79-37D633B846F1}">
+                  <asvg:svgBlip xmlns:asvg="http://schemas.microsoft.com/office/drawing/2016/SVG/main" r:embed="rId4"/>
+                </a:ext>
+              </a:extLst>
+            </a:blip>
+            <a:stretch>
+              <a:fillRect/>
+            </a:stretch>
+          </a:blipFill>
+        </p:spPr>
+      </p:sp>
+      <p:sp>
+        <p:nvSpPr>
+          <p:cNvPr id="4" name="Freeform 4">
+            <a:extLst>
+              <a:ext uri="{FF2B5EF4-FFF2-40B4-BE49-F238E27FC236}">
+                <a16:creationId xmlns:a16="http://schemas.microsoft.com/office/drawing/2014/main" id="{42F093DC-DB9C-A497-FA4C-19EE75ABBFAF}"/>
+              </a:ext>
+            </a:extLst>
+          </p:cNvPr>
+          <p:cNvSpPr/>
+          <p:nvPr/>
+        </p:nvSpPr>
+        <p:spPr>
+          <a:xfrm flipV="1">
+            <a:off x="-1280483" y="-701623"/>
+            <a:ext cx="9295205" cy="5948931"/>
+          </a:xfrm>
+          <a:custGeom>
+            <a:avLst/>
+            <a:gdLst/>
+            <a:ahLst/>
+            <a:cxnLst/>
+            <a:rect l="l" t="t" r="r" b="b"/>
+            <a:pathLst>
+              <a:path w="9295205" h="5948931">
+                <a:moveTo>
+                  <a:pt x="0" y="5948932"/>
+                </a:moveTo>
+                <a:lnTo>
+                  <a:pt x="9295205" y="5948932"/>
+                </a:lnTo>
+                <a:lnTo>
+                  <a:pt x="9295205" y="0"/>
+                </a:lnTo>
+                <a:lnTo>
+                  <a:pt x="0" y="0"/>
+                </a:lnTo>
+                <a:lnTo>
+                  <a:pt x="0" y="5948932"/>
+                </a:lnTo>
+                <a:close/>
+              </a:path>
+            </a:pathLst>
+          </a:custGeom>
+          <a:blipFill>
+            <a:blip r:embed="rId3">
+              <a:extLst>
+                <a:ext uri="{96DAC541-7B7A-43D3-8B79-37D633B846F1}">
+                  <asvg:svgBlip xmlns:asvg="http://schemas.microsoft.com/office/drawing/2016/SVG/main" r:embed="rId4"/>
+                </a:ext>
+              </a:extLst>
+            </a:blip>
+            <a:stretch>
+              <a:fillRect/>
+            </a:stretch>
+          </a:blipFill>
+        </p:spPr>
+      </p:sp>
+      <p:sp>
+        <p:nvSpPr>
+          <p:cNvPr id="5" name="Freeform 5">
+            <a:extLst>
+              <a:ext uri="{FF2B5EF4-FFF2-40B4-BE49-F238E27FC236}">
+                <a16:creationId xmlns:a16="http://schemas.microsoft.com/office/drawing/2014/main" id="{74C9B1A3-43EF-1C6E-2249-7E044AC9B8B0}"/>
+              </a:ext>
+            </a:extLst>
+          </p:cNvPr>
+          <p:cNvSpPr/>
+          <p:nvPr/>
+        </p:nvSpPr>
+        <p:spPr>
+          <a:xfrm>
+            <a:off x="14790631" y="-3420266"/>
+            <a:ext cx="5568589" cy="7775011"/>
+          </a:xfrm>
+          <a:custGeom>
+            <a:avLst/>
+            <a:gdLst/>
+            <a:ahLst/>
+            <a:cxnLst/>
+            <a:rect l="l" t="t" r="r" b="b"/>
+            <a:pathLst>
+              <a:path w="5568589" h="7775011">
+                <a:moveTo>
+                  <a:pt x="0" y="0"/>
+                </a:moveTo>
+                <a:lnTo>
+                  <a:pt x="5568589" y="0"/>
+                </a:lnTo>
+                <a:lnTo>
+                  <a:pt x="5568589" y="7775011"/>
+                </a:lnTo>
+                <a:lnTo>
+                  <a:pt x="0" y="7775011"/>
+                </a:lnTo>
+                <a:lnTo>
+                  <a:pt x="0" y="0"/>
+                </a:lnTo>
+                <a:close/>
+              </a:path>
+            </a:pathLst>
+          </a:custGeom>
+          <a:blipFill>
+            <a:blip r:embed="rId5">
+              <a:extLst>
+                <a:ext uri="{96DAC541-7B7A-43D3-8B79-37D633B846F1}">
+                  <asvg:svgBlip xmlns:asvg="http://schemas.microsoft.com/office/drawing/2016/SVG/main" r:embed="rId6"/>
+                </a:ext>
+              </a:extLst>
+            </a:blip>
+            <a:stretch>
+              <a:fillRect/>
+            </a:stretch>
+          </a:blipFill>
+        </p:spPr>
+      </p:sp>
+      <p:sp>
+        <p:nvSpPr>
+          <p:cNvPr id="6" name="Freeform 6">
+            <a:extLst>
+              <a:ext uri="{FF2B5EF4-FFF2-40B4-BE49-F238E27FC236}">
+                <a16:creationId xmlns:a16="http://schemas.microsoft.com/office/drawing/2014/main" id="{AAF08BC7-EF45-0037-8F13-3ED1F28C7CBA}"/>
+              </a:ext>
+            </a:extLst>
+          </p:cNvPr>
+          <p:cNvSpPr/>
+          <p:nvPr/>
+        </p:nvSpPr>
+        <p:spPr>
+          <a:xfrm>
+            <a:off x="-646086" y="6399494"/>
+            <a:ext cx="5568589" cy="7775011"/>
+          </a:xfrm>
+          <a:custGeom>
+            <a:avLst/>
+            <a:gdLst/>
+            <a:ahLst/>
+            <a:cxnLst/>
+            <a:rect l="l" t="t" r="r" b="b"/>
+            <a:pathLst>
+              <a:path w="5568589" h="7775011">
+                <a:moveTo>
+                  <a:pt x="0" y="0"/>
+                </a:moveTo>
+                <a:lnTo>
+                  <a:pt x="5568589" y="0"/>
+                </a:lnTo>
+                <a:lnTo>
+                  <a:pt x="5568589" y="7775012"/>
+                </a:lnTo>
+                <a:lnTo>
+                  <a:pt x="0" y="7775012"/>
+                </a:lnTo>
+                <a:lnTo>
+                  <a:pt x="0" y="0"/>
+                </a:lnTo>
+                <a:close/>
+              </a:path>
+            </a:pathLst>
+          </a:custGeom>
+          <a:blipFill>
+            <a:blip r:embed="rId5">
+              <a:extLst>
+                <a:ext uri="{96DAC541-7B7A-43D3-8B79-37D633B846F1}">
+                  <asvg:svgBlip xmlns:asvg="http://schemas.microsoft.com/office/drawing/2016/SVG/main" r:embed="rId6"/>
+                </a:ext>
+              </a:extLst>
+            </a:blip>
+            <a:stretch>
+              <a:fillRect/>
+            </a:stretch>
+          </a:blipFill>
+        </p:spPr>
+      </p:sp>
+      <p:sp>
+        <p:nvSpPr>
+          <p:cNvPr id="8" name="TextBox 8">
+            <a:extLst>
+              <a:ext uri="{FF2B5EF4-FFF2-40B4-BE49-F238E27FC236}">
+                <a16:creationId xmlns:a16="http://schemas.microsoft.com/office/drawing/2014/main" id="{B5BCDC5C-5B41-ADA5-504A-6AB7CBE449A1}"/>
+              </a:ext>
+            </a:extLst>
+          </p:cNvPr>
+          <p:cNvSpPr txBox="1"/>
+          <p:nvPr/>
+        </p:nvSpPr>
+        <p:spPr>
+          <a:xfrm>
+            <a:off x="2649812" y="136351"/>
+            <a:ext cx="12801040" cy="1252266"/>
+          </a:xfrm>
+          <a:prstGeom prst="rect">
+            <a:avLst/>
+          </a:prstGeom>
+        </p:spPr>
+        <p:txBody>
+          <a:bodyPr lIns="0" tIns="0" rIns="0" bIns="0" rtlCol="0" anchor="t">
+            <a:spAutoFit/>
+          </a:bodyPr>
+          <a:lstStyle/>
+          <a:p>
+            <a:pPr algn="ctr">
+              <a:lnSpc>
+                <a:spcPts val="11108"/>
+              </a:lnSpc>
+            </a:pPr>
+            <a:r>
+              <a:rPr lang="en-US" sz="4800" b="1" dirty="0">
+                <a:solidFill>
+                  <a:srgbClr val="002B58"/>
+                </a:solidFill>
+                <a:latin typeface="Monda Bold"/>
+                <a:ea typeface="Monda Bold"/>
+                <a:cs typeface="Monda Bold"/>
+                <a:sym typeface="Monda Bold"/>
+              </a:rPr>
+              <a:t>TAMBAH KONTAK</a:t>
+            </a:r>
+          </a:p>
+        </p:txBody>
+      </p:sp>
+      <p:pic>
+        <p:nvPicPr>
+          <p:cNvPr id="9" name="Picture 8">
+            <a:extLst>
+              <a:ext uri="{FF2B5EF4-FFF2-40B4-BE49-F238E27FC236}">
+                <a16:creationId xmlns:a16="http://schemas.microsoft.com/office/drawing/2014/main" id="{6EAEBE89-3B05-5173-D5C0-1199D544192B}"/>
+              </a:ext>
+            </a:extLst>
+          </p:cNvPr>
+          <p:cNvPicPr>
+            <a:picLocks noChangeAspect="1"/>
+          </p:cNvPicPr>
+          <p:nvPr/>
+        </p:nvPicPr>
+        <p:blipFill>
+          <a:blip r:embed="rId7">
+            <a:extLst>
+              <a:ext uri="{28A0092B-C50C-407E-A947-70E740481C1C}">
+                <a14:useLocalDpi xmlns:a14="http://schemas.microsoft.com/office/drawing/2010/main" val="0"/>
+              </a:ext>
+            </a:extLst>
+          </a:blip>
+          <a:stretch>
+            <a:fillRect/>
+          </a:stretch>
+        </p:blipFill>
+        <p:spPr>
+          <a:xfrm>
+            <a:off x="1155756" y="1524967"/>
+            <a:ext cx="15010103" cy="8443183"/>
+          </a:xfrm>
+          <a:prstGeom prst="rect">
+            <a:avLst/>
+          </a:prstGeom>
+        </p:spPr>
+      </p:pic>
+    </p:spTree>
+    <p:extLst>
+      <p:ext uri="{BB962C8B-B14F-4D97-AF65-F5344CB8AC3E}">
+        <p14:creationId xmlns:p14="http://schemas.microsoft.com/office/powerpoint/2010/main" val="1990321421"/>
+      </p:ext>
+    </p:extLst>
+  </p:cSld>
+  <p:clrMapOvr>
+    <a:masterClrMapping/>
+  </p:clrMapOvr>
+</p:sld>
+</file>
+
+<file path=ppt/slides/slide7.xml><?xml version="1.0" encoding="utf-8"?>
+<p:sld xmlns:a="http://schemas.openxmlformats.org/drawingml/2006/main" xmlns:r="http://schemas.openxmlformats.org/officeDocument/2006/relationships" xmlns:p="http://schemas.openxmlformats.org/presentationml/2006/main">
+  <p:cSld>
+    <p:spTree>
+      <p:nvGrpSpPr>
+        <p:cNvPr id="1" name="">
+          <a:extLst>
+            <a:ext uri="{FF2B5EF4-FFF2-40B4-BE49-F238E27FC236}">
+              <a16:creationId xmlns:a16="http://schemas.microsoft.com/office/drawing/2014/main" id="{1D6277AE-E9C7-21FE-899B-79C1F095C87D}"/>
+            </a:ext>
+          </a:extLst>
+        </p:cNvPr>
+        <p:cNvGrpSpPr/>
+        <p:nvPr/>
+      </p:nvGrpSpPr>
+      <p:grpSpPr>
+        <a:xfrm>
+          <a:off x="0" y="0"/>
+          <a:ext cx="0" cy="0"/>
+          <a:chOff x="0" y="0"/>
+          <a:chExt cx="0" cy="0"/>
+        </a:xfrm>
+      </p:grpSpPr>
+      <p:sp>
+        <p:nvSpPr>
+          <p:cNvPr id="2" name="Freeform 2">
+            <a:extLst>
+              <a:ext uri="{FF2B5EF4-FFF2-40B4-BE49-F238E27FC236}">
+                <a16:creationId xmlns:a16="http://schemas.microsoft.com/office/drawing/2014/main" id="{1FFF454C-C06C-E75E-47F3-634A22131ACE}"/>
+              </a:ext>
+            </a:extLst>
+          </p:cNvPr>
+          <p:cNvSpPr/>
+          <p:nvPr/>
+        </p:nvSpPr>
+        <p:spPr>
+          <a:xfrm>
+            <a:off x="0" y="0"/>
+            <a:ext cx="18288000" cy="10287000"/>
+          </a:xfrm>
+          <a:custGeom>
+            <a:avLst/>
+            <a:gdLst/>
+            <a:ahLst/>
+            <a:cxnLst/>
+            <a:rect l="l" t="t" r="r" b="b"/>
+            <a:pathLst>
+              <a:path w="18288000" h="10287000">
+                <a:moveTo>
+                  <a:pt x="0" y="0"/>
+                </a:moveTo>
+                <a:lnTo>
+                  <a:pt x="18288000" y="0"/>
+                </a:lnTo>
+                <a:lnTo>
+                  <a:pt x="18288000" y="10287000"/>
+                </a:lnTo>
+                <a:lnTo>
+                  <a:pt x="0" y="10287000"/>
+                </a:lnTo>
+                <a:lnTo>
+                  <a:pt x="0" y="0"/>
+                </a:lnTo>
+                <a:close/>
+              </a:path>
+            </a:pathLst>
+          </a:custGeom>
+          <a:blipFill>
+            <a:blip r:embed="rId2"/>
+            <a:stretch>
+              <a:fillRect t="-777" b="-777"/>
+            </a:stretch>
+          </a:blipFill>
+        </p:spPr>
+      </p:sp>
+      <p:sp>
+        <p:nvSpPr>
+          <p:cNvPr id="3" name="Freeform 3">
+            <a:extLst>
+              <a:ext uri="{FF2B5EF4-FFF2-40B4-BE49-F238E27FC236}">
+                <a16:creationId xmlns:a16="http://schemas.microsoft.com/office/drawing/2014/main" id="{436A00B9-EB74-BE93-3C9D-9DD6CAE5EE80}"/>
+              </a:ext>
+            </a:extLst>
+          </p:cNvPr>
+          <p:cNvSpPr/>
+          <p:nvPr/>
+        </p:nvSpPr>
+        <p:spPr>
+          <a:xfrm flipH="1">
+            <a:off x="10273278" y="5039691"/>
+            <a:ext cx="9295205" cy="5948931"/>
+          </a:xfrm>
+          <a:custGeom>
+            <a:avLst/>
+            <a:gdLst/>
+            <a:ahLst/>
+            <a:cxnLst/>
+            <a:rect l="l" t="t" r="r" b="b"/>
+            <a:pathLst>
+              <a:path w="9295205" h="5948931">
+                <a:moveTo>
+                  <a:pt x="9295205" y="0"/>
+                </a:moveTo>
+                <a:lnTo>
+                  <a:pt x="0" y="0"/>
+                </a:lnTo>
+                <a:lnTo>
+                  <a:pt x="0" y="5948932"/>
+                </a:lnTo>
+                <a:lnTo>
+                  <a:pt x="9295205" y="5948932"/>
+                </a:lnTo>
+                <a:lnTo>
+                  <a:pt x="9295205" y="0"/>
+                </a:lnTo>
+                <a:close/>
+              </a:path>
+            </a:pathLst>
+          </a:custGeom>
+          <a:blipFill>
+            <a:blip r:embed="rId3">
+              <a:extLst>
+                <a:ext uri="{96DAC541-7B7A-43D3-8B79-37D633B846F1}">
+                  <asvg:svgBlip xmlns:asvg="http://schemas.microsoft.com/office/drawing/2016/SVG/main" r:embed="rId4"/>
+                </a:ext>
+              </a:extLst>
+            </a:blip>
+            <a:stretch>
+              <a:fillRect/>
+            </a:stretch>
+          </a:blipFill>
+        </p:spPr>
+      </p:sp>
+      <p:sp>
+        <p:nvSpPr>
+          <p:cNvPr id="4" name="Freeform 4">
+            <a:extLst>
+              <a:ext uri="{FF2B5EF4-FFF2-40B4-BE49-F238E27FC236}">
+                <a16:creationId xmlns:a16="http://schemas.microsoft.com/office/drawing/2014/main" id="{316180D4-3788-1DB3-2F04-5612F6CC2FEF}"/>
+              </a:ext>
+            </a:extLst>
+          </p:cNvPr>
+          <p:cNvSpPr/>
+          <p:nvPr/>
+        </p:nvSpPr>
+        <p:spPr>
+          <a:xfrm flipV="1">
+            <a:off x="-1280483" y="-701623"/>
+            <a:ext cx="9295205" cy="5948931"/>
+          </a:xfrm>
+          <a:custGeom>
+            <a:avLst/>
+            <a:gdLst/>
+            <a:ahLst/>
+            <a:cxnLst/>
+            <a:rect l="l" t="t" r="r" b="b"/>
+            <a:pathLst>
+              <a:path w="9295205" h="5948931">
+                <a:moveTo>
+                  <a:pt x="0" y="5948932"/>
+                </a:moveTo>
+                <a:lnTo>
+                  <a:pt x="9295205" y="5948932"/>
+                </a:lnTo>
+                <a:lnTo>
+                  <a:pt x="9295205" y="0"/>
+                </a:lnTo>
+                <a:lnTo>
+                  <a:pt x="0" y="0"/>
+                </a:lnTo>
+                <a:lnTo>
+                  <a:pt x="0" y="5948932"/>
+                </a:lnTo>
+                <a:close/>
+              </a:path>
+            </a:pathLst>
+          </a:custGeom>
+          <a:blipFill>
+            <a:blip r:embed="rId3">
+              <a:extLst>
+                <a:ext uri="{96DAC541-7B7A-43D3-8B79-37D633B846F1}">
+                  <asvg:svgBlip xmlns:asvg="http://schemas.microsoft.com/office/drawing/2016/SVG/main" r:embed="rId4"/>
+                </a:ext>
+              </a:extLst>
+            </a:blip>
+            <a:stretch>
+              <a:fillRect/>
+            </a:stretch>
+          </a:blipFill>
+        </p:spPr>
+      </p:sp>
+      <p:sp>
+        <p:nvSpPr>
+          <p:cNvPr id="5" name="Freeform 5">
+            <a:extLst>
+              <a:ext uri="{FF2B5EF4-FFF2-40B4-BE49-F238E27FC236}">
+                <a16:creationId xmlns:a16="http://schemas.microsoft.com/office/drawing/2014/main" id="{D408BD7A-A814-BB3F-38CC-69D56479621C}"/>
+              </a:ext>
+            </a:extLst>
+          </p:cNvPr>
+          <p:cNvSpPr/>
+          <p:nvPr/>
+        </p:nvSpPr>
+        <p:spPr>
+          <a:xfrm>
+            <a:off x="14790631" y="-3420266"/>
+            <a:ext cx="5568589" cy="7775011"/>
+          </a:xfrm>
+          <a:custGeom>
+            <a:avLst/>
+            <a:gdLst/>
+            <a:ahLst/>
+            <a:cxnLst/>
+            <a:rect l="l" t="t" r="r" b="b"/>
+            <a:pathLst>
+              <a:path w="5568589" h="7775011">
+                <a:moveTo>
+                  <a:pt x="0" y="0"/>
+                </a:moveTo>
+                <a:lnTo>
+                  <a:pt x="5568589" y="0"/>
+                </a:lnTo>
+                <a:lnTo>
+                  <a:pt x="5568589" y="7775011"/>
+                </a:lnTo>
+                <a:lnTo>
+                  <a:pt x="0" y="7775011"/>
+                </a:lnTo>
+                <a:lnTo>
+                  <a:pt x="0" y="0"/>
+                </a:lnTo>
+                <a:close/>
+              </a:path>
+            </a:pathLst>
+          </a:custGeom>
+          <a:blipFill>
+            <a:blip r:embed="rId5">
+              <a:extLst>
+                <a:ext uri="{96DAC541-7B7A-43D3-8B79-37D633B846F1}">
+                  <asvg:svgBlip xmlns:asvg="http://schemas.microsoft.com/office/drawing/2016/SVG/main" r:embed="rId6"/>
+                </a:ext>
+              </a:extLst>
+            </a:blip>
+            <a:stretch>
+              <a:fillRect/>
+            </a:stretch>
+          </a:blipFill>
+        </p:spPr>
+      </p:sp>
+      <p:sp>
+        <p:nvSpPr>
+          <p:cNvPr id="6" name="Freeform 6">
+            <a:extLst>
+              <a:ext uri="{FF2B5EF4-FFF2-40B4-BE49-F238E27FC236}">
+                <a16:creationId xmlns:a16="http://schemas.microsoft.com/office/drawing/2014/main" id="{E2BEC02F-33D6-E12F-E6DB-433E5D42D13B}"/>
+              </a:ext>
+            </a:extLst>
+          </p:cNvPr>
+          <p:cNvSpPr/>
+          <p:nvPr/>
+        </p:nvSpPr>
+        <p:spPr>
+          <a:xfrm>
+            <a:off x="-646086" y="6399494"/>
+            <a:ext cx="5568589" cy="7775011"/>
+          </a:xfrm>
+          <a:custGeom>
+            <a:avLst/>
+            <a:gdLst/>
+            <a:ahLst/>
+            <a:cxnLst/>
+            <a:rect l="l" t="t" r="r" b="b"/>
+            <a:pathLst>
+              <a:path w="5568589" h="7775011">
+                <a:moveTo>
+                  <a:pt x="0" y="0"/>
+                </a:moveTo>
+                <a:lnTo>
+                  <a:pt x="5568589" y="0"/>
+                </a:lnTo>
+                <a:lnTo>
+                  <a:pt x="5568589" y="7775012"/>
+                </a:lnTo>
+                <a:lnTo>
+                  <a:pt x="0" y="7775012"/>
+                </a:lnTo>
+                <a:lnTo>
+                  <a:pt x="0" y="0"/>
+                </a:lnTo>
+                <a:close/>
+              </a:path>
+            </a:pathLst>
+          </a:custGeom>
+          <a:blipFill>
+            <a:blip r:embed="rId5">
+              <a:extLst>
+                <a:ext uri="{96DAC541-7B7A-43D3-8B79-37D633B846F1}">
+                  <asvg:svgBlip xmlns:asvg="http://schemas.microsoft.com/office/drawing/2016/SVG/main" r:embed="rId6"/>
+                </a:ext>
+              </a:extLst>
+            </a:blip>
+            <a:stretch>
+              <a:fillRect/>
+            </a:stretch>
+          </a:blipFill>
+        </p:spPr>
+      </p:sp>
+      <p:sp>
+        <p:nvSpPr>
+          <p:cNvPr id="8" name="TextBox 8">
+            <a:extLst>
+              <a:ext uri="{FF2B5EF4-FFF2-40B4-BE49-F238E27FC236}">
+                <a16:creationId xmlns:a16="http://schemas.microsoft.com/office/drawing/2014/main" id="{746516C8-43FF-2E21-4ABA-312B37CF3A91}"/>
+              </a:ext>
+            </a:extLst>
+          </p:cNvPr>
+          <p:cNvSpPr txBox="1"/>
+          <p:nvPr/>
+        </p:nvSpPr>
+        <p:spPr>
+          <a:xfrm>
+            <a:off x="2894685" y="154220"/>
+            <a:ext cx="12801040" cy="1252266"/>
+          </a:xfrm>
+          <a:prstGeom prst="rect">
+            <a:avLst/>
+          </a:prstGeom>
+        </p:spPr>
+        <p:txBody>
+          <a:bodyPr lIns="0" tIns="0" rIns="0" bIns="0" rtlCol="0" anchor="t">
+            <a:spAutoFit/>
+          </a:bodyPr>
+          <a:lstStyle/>
+          <a:p>
+            <a:pPr algn="ctr">
+              <a:lnSpc>
+                <a:spcPts val="11108"/>
+              </a:lnSpc>
+            </a:pPr>
+            <a:r>
+              <a:rPr lang="en-US" sz="4800" b="1" dirty="0">
+                <a:solidFill>
+                  <a:srgbClr val="002B58"/>
+                </a:solidFill>
+                <a:latin typeface="Monda Bold"/>
+                <a:ea typeface="Monda Bold"/>
+                <a:cs typeface="Monda Bold"/>
+                <a:sym typeface="Monda Bold"/>
+              </a:rPr>
+              <a:t>KELOLA KATEGORI</a:t>
+            </a:r>
+          </a:p>
+        </p:txBody>
+      </p:sp>
+      <p:pic>
+        <p:nvPicPr>
+          <p:cNvPr id="9" name="Picture 8">
+            <a:extLst>
+              <a:ext uri="{FF2B5EF4-FFF2-40B4-BE49-F238E27FC236}">
+                <a16:creationId xmlns:a16="http://schemas.microsoft.com/office/drawing/2014/main" id="{5A2D930F-35A7-A000-E5E8-554899209AED}"/>
+              </a:ext>
+            </a:extLst>
+          </p:cNvPr>
+          <p:cNvPicPr>
+            <a:picLocks noChangeAspect="1"/>
+          </p:cNvPicPr>
+          <p:nvPr/>
+        </p:nvPicPr>
+        <p:blipFill>
+          <a:blip r:embed="rId7">
+            <a:extLst>
+              <a:ext uri="{28A0092B-C50C-407E-A947-70E740481C1C}">
+                <a14:useLocalDpi xmlns:a14="http://schemas.microsoft.com/office/drawing/2010/main" val="0"/>
+              </a:ext>
+            </a:extLst>
+          </a:blip>
+          <a:stretch>
+            <a:fillRect/>
+          </a:stretch>
+        </p:blipFill>
+        <p:spPr>
+          <a:xfrm>
+            <a:off x="1827605" y="1731729"/>
+            <a:ext cx="14935200" cy="8401050"/>
+          </a:xfrm>
+          <a:prstGeom prst="rect">
+            <a:avLst/>
+          </a:prstGeom>
+        </p:spPr>
+      </p:pic>
+    </p:spTree>
+    <p:extLst>
+      <p:ext uri="{BB962C8B-B14F-4D97-AF65-F5344CB8AC3E}">
+        <p14:creationId xmlns:p14="http://schemas.microsoft.com/office/powerpoint/2010/main" val="3463079616"/>
+      </p:ext>
+    </p:extLst>
+  </p:cSld>
+  <p:clrMapOvr>
+    <a:masterClrMapping/>
+  </p:clrMapOvr>
+</p:sld>
+</file>
+
+<file path=ppt/slides/slide8.xml><?xml version="1.0" encoding="utf-8"?>
+<p:sld xmlns:a="http://schemas.openxmlformats.org/drawingml/2006/main" xmlns:r="http://schemas.openxmlformats.org/officeDocument/2006/relationships" xmlns:p="http://schemas.openxmlformats.org/presentationml/2006/main">
+  <p:cSld>
+    <p:spTree>
+      <p:nvGrpSpPr>
+        <p:cNvPr id="1" name="">
+          <a:extLst>
+            <a:ext uri="{FF2B5EF4-FFF2-40B4-BE49-F238E27FC236}">
+              <a16:creationId xmlns:a16="http://schemas.microsoft.com/office/drawing/2014/main" id="{6FBB673C-6649-BCA5-0E7B-CA6E0A5754D2}"/>
+            </a:ext>
+          </a:extLst>
+        </p:cNvPr>
+        <p:cNvGrpSpPr/>
+        <p:nvPr/>
+      </p:nvGrpSpPr>
+      <p:grpSpPr>
+        <a:xfrm>
+          <a:off x="0" y="0"/>
+          <a:ext cx="0" cy="0"/>
+          <a:chOff x="0" y="0"/>
+          <a:chExt cx="0" cy="0"/>
+        </a:xfrm>
+      </p:grpSpPr>
+      <p:sp>
+        <p:nvSpPr>
+          <p:cNvPr id="2" name="Freeform 2">
+            <a:extLst>
+              <a:ext uri="{FF2B5EF4-FFF2-40B4-BE49-F238E27FC236}">
+                <a16:creationId xmlns:a16="http://schemas.microsoft.com/office/drawing/2014/main" id="{3E1A9C34-F74C-2703-3474-DF2C7E58701E}"/>
+              </a:ext>
+            </a:extLst>
+          </p:cNvPr>
+          <p:cNvSpPr/>
+          <p:nvPr/>
+        </p:nvSpPr>
+        <p:spPr>
+          <a:xfrm>
+            <a:off x="0" y="0"/>
+            <a:ext cx="18288000" cy="10287000"/>
+          </a:xfrm>
+          <a:custGeom>
+            <a:avLst/>
+            <a:gdLst/>
+            <a:ahLst/>
+            <a:cxnLst/>
+            <a:rect l="l" t="t" r="r" b="b"/>
+            <a:pathLst>
+              <a:path w="18288000" h="10287000">
+                <a:moveTo>
+                  <a:pt x="0" y="0"/>
+                </a:moveTo>
+                <a:lnTo>
+                  <a:pt x="18288000" y="0"/>
+                </a:lnTo>
+                <a:lnTo>
+                  <a:pt x="18288000" y="10287000"/>
+                </a:lnTo>
+                <a:lnTo>
+                  <a:pt x="0" y="10287000"/>
+                </a:lnTo>
+                <a:lnTo>
+                  <a:pt x="0" y="0"/>
+                </a:lnTo>
+                <a:close/>
+              </a:path>
+            </a:pathLst>
+          </a:custGeom>
+          <a:blipFill>
+            <a:blip r:embed="rId2"/>
+            <a:stretch>
+              <a:fillRect t="-777" b="-777"/>
+            </a:stretch>
+          </a:blipFill>
+        </p:spPr>
+      </p:sp>
+      <p:sp>
+        <p:nvSpPr>
+          <p:cNvPr id="3" name="Freeform 3">
+            <a:extLst>
+              <a:ext uri="{FF2B5EF4-FFF2-40B4-BE49-F238E27FC236}">
+                <a16:creationId xmlns:a16="http://schemas.microsoft.com/office/drawing/2014/main" id="{94970B7C-9AC6-BFB8-4028-173659145D77}"/>
+              </a:ext>
+            </a:extLst>
+          </p:cNvPr>
+          <p:cNvSpPr/>
+          <p:nvPr/>
+        </p:nvSpPr>
+        <p:spPr>
+          <a:xfrm flipH="1">
+            <a:off x="10273278" y="5039691"/>
+            <a:ext cx="9295205" cy="5948931"/>
+          </a:xfrm>
+          <a:custGeom>
+            <a:avLst/>
+            <a:gdLst/>
+            <a:ahLst/>
+            <a:cxnLst/>
+            <a:rect l="l" t="t" r="r" b="b"/>
+            <a:pathLst>
+              <a:path w="9295205" h="5948931">
+                <a:moveTo>
+                  <a:pt x="9295205" y="0"/>
+                </a:moveTo>
+                <a:lnTo>
+                  <a:pt x="0" y="0"/>
+                </a:lnTo>
+                <a:lnTo>
+                  <a:pt x="0" y="5948932"/>
+                </a:lnTo>
+                <a:lnTo>
+                  <a:pt x="9295205" y="5948932"/>
+                </a:lnTo>
+                <a:lnTo>
+                  <a:pt x="9295205" y="0"/>
+                </a:lnTo>
+                <a:close/>
+              </a:path>
+            </a:pathLst>
+          </a:custGeom>
+          <a:blipFill>
+            <a:blip r:embed="rId3">
+              <a:extLst>
+                <a:ext uri="{96DAC541-7B7A-43D3-8B79-37D633B846F1}">
+                  <asvg:svgBlip xmlns:asvg="http://schemas.microsoft.com/office/drawing/2016/SVG/main" r:embed="rId4"/>
+                </a:ext>
+              </a:extLst>
+            </a:blip>
+            <a:stretch>
+              <a:fillRect/>
+            </a:stretch>
+          </a:blipFill>
+        </p:spPr>
+      </p:sp>
+      <p:sp>
+        <p:nvSpPr>
+          <p:cNvPr id="4" name="Freeform 4">
+            <a:extLst>
+              <a:ext uri="{FF2B5EF4-FFF2-40B4-BE49-F238E27FC236}">
+                <a16:creationId xmlns:a16="http://schemas.microsoft.com/office/drawing/2014/main" id="{A2787EFD-3B35-2618-5E0B-2DD75CD3AEE7}"/>
+              </a:ext>
+            </a:extLst>
+          </p:cNvPr>
+          <p:cNvSpPr/>
+          <p:nvPr/>
+        </p:nvSpPr>
+        <p:spPr>
+          <a:xfrm flipV="1">
+            <a:off x="-1280483" y="-701623"/>
+            <a:ext cx="9295205" cy="5948931"/>
+          </a:xfrm>
+          <a:custGeom>
+            <a:avLst/>
+            <a:gdLst/>
+            <a:ahLst/>
+            <a:cxnLst/>
+            <a:rect l="l" t="t" r="r" b="b"/>
+            <a:pathLst>
+              <a:path w="9295205" h="5948931">
+                <a:moveTo>
+                  <a:pt x="0" y="5948932"/>
+                </a:moveTo>
+                <a:lnTo>
+                  <a:pt x="9295205" y="5948932"/>
+                </a:lnTo>
+                <a:lnTo>
+                  <a:pt x="9295205" y="0"/>
+                </a:lnTo>
+                <a:lnTo>
+                  <a:pt x="0" y="0"/>
+                </a:lnTo>
+                <a:lnTo>
+                  <a:pt x="0" y="5948932"/>
+                </a:lnTo>
+                <a:close/>
+              </a:path>
+            </a:pathLst>
+          </a:custGeom>
+          <a:blipFill>
+            <a:blip r:embed="rId3">
+              <a:extLst>
+                <a:ext uri="{96DAC541-7B7A-43D3-8B79-37D633B846F1}">
+                  <asvg:svgBlip xmlns:asvg="http://schemas.microsoft.com/office/drawing/2016/SVG/main" r:embed="rId4"/>
+                </a:ext>
+              </a:extLst>
+            </a:blip>
+            <a:stretch>
+              <a:fillRect/>
+            </a:stretch>
+          </a:blipFill>
+        </p:spPr>
+      </p:sp>
+      <p:sp>
+        <p:nvSpPr>
+          <p:cNvPr id="5" name="Freeform 5">
+            <a:extLst>
+              <a:ext uri="{FF2B5EF4-FFF2-40B4-BE49-F238E27FC236}">
+                <a16:creationId xmlns:a16="http://schemas.microsoft.com/office/drawing/2014/main" id="{25225C6A-E387-C878-F304-6EB12ABF6142}"/>
+              </a:ext>
+            </a:extLst>
+          </p:cNvPr>
+          <p:cNvSpPr/>
+          <p:nvPr/>
+        </p:nvSpPr>
+        <p:spPr>
+          <a:xfrm>
+            <a:off x="14790631" y="-3420266"/>
+            <a:ext cx="5568589" cy="7775011"/>
+          </a:xfrm>
+          <a:custGeom>
+            <a:avLst/>
+            <a:gdLst/>
+            <a:ahLst/>
+            <a:cxnLst/>
+            <a:rect l="l" t="t" r="r" b="b"/>
+            <a:pathLst>
+              <a:path w="5568589" h="7775011">
+                <a:moveTo>
+                  <a:pt x="0" y="0"/>
+                </a:moveTo>
+                <a:lnTo>
+                  <a:pt x="5568589" y="0"/>
+                </a:lnTo>
+                <a:lnTo>
+                  <a:pt x="5568589" y="7775011"/>
+                </a:lnTo>
+                <a:lnTo>
+                  <a:pt x="0" y="7775011"/>
+                </a:lnTo>
+                <a:lnTo>
+                  <a:pt x="0" y="0"/>
+                </a:lnTo>
+                <a:close/>
+              </a:path>
+            </a:pathLst>
+          </a:custGeom>
+          <a:blipFill>
+            <a:blip r:embed="rId5">
+              <a:extLst>
+                <a:ext uri="{96DAC541-7B7A-43D3-8B79-37D633B846F1}">
+                  <asvg:svgBlip xmlns:asvg="http://schemas.microsoft.com/office/drawing/2016/SVG/main" r:embed="rId6"/>
+                </a:ext>
+              </a:extLst>
+            </a:blip>
+            <a:stretch>
+              <a:fillRect/>
+            </a:stretch>
+          </a:blipFill>
+        </p:spPr>
+      </p:sp>
+      <p:sp>
+        <p:nvSpPr>
+          <p:cNvPr id="6" name="Freeform 6">
+            <a:extLst>
+              <a:ext uri="{FF2B5EF4-FFF2-40B4-BE49-F238E27FC236}">
+                <a16:creationId xmlns:a16="http://schemas.microsoft.com/office/drawing/2014/main" id="{F62D6C65-90F3-64BE-950E-40C503E4962D}"/>
+              </a:ext>
+            </a:extLst>
+          </p:cNvPr>
+          <p:cNvSpPr/>
+          <p:nvPr/>
+        </p:nvSpPr>
+        <p:spPr>
+          <a:xfrm>
+            <a:off x="-646086" y="6399494"/>
+            <a:ext cx="5568589" cy="7775011"/>
+          </a:xfrm>
+          <a:custGeom>
+            <a:avLst/>
+            <a:gdLst/>
+            <a:ahLst/>
+            <a:cxnLst/>
+            <a:rect l="l" t="t" r="r" b="b"/>
+            <a:pathLst>
+              <a:path w="5568589" h="7775011">
+                <a:moveTo>
+                  <a:pt x="0" y="0"/>
+                </a:moveTo>
+                <a:lnTo>
+                  <a:pt x="5568589" y="0"/>
+                </a:lnTo>
+                <a:lnTo>
+                  <a:pt x="5568589" y="7775012"/>
+                </a:lnTo>
+                <a:lnTo>
+                  <a:pt x="0" y="7775012"/>
+                </a:lnTo>
+                <a:lnTo>
+                  <a:pt x="0" y="0"/>
+                </a:lnTo>
+                <a:close/>
+              </a:path>
+            </a:pathLst>
+          </a:custGeom>
+          <a:blipFill>
+            <a:blip r:embed="rId5">
+              <a:extLst>
+                <a:ext uri="{96DAC541-7B7A-43D3-8B79-37D633B846F1}">
+                  <asvg:svgBlip xmlns:asvg="http://schemas.microsoft.com/office/drawing/2016/SVG/main" r:embed="rId6"/>
+                </a:ext>
+              </a:extLst>
+            </a:blip>
+            <a:stretch>
+              <a:fillRect/>
+            </a:stretch>
+          </a:blipFill>
+        </p:spPr>
+      </p:sp>
+      <p:sp>
+        <p:nvSpPr>
+          <p:cNvPr id="8" name="TextBox 8">
+            <a:extLst>
+              <a:ext uri="{FF2B5EF4-FFF2-40B4-BE49-F238E27FC236}">
+                <a16:creationId xmlns:a16="http://schemas.microsoft.com/office/drawing/2014/main" id="{D45FFFCA-2089-4840-FB9A-376A367DBE2B}"/>
+              </a:ext>
+            </a:extLst>
+          </p:cNvPr>
+          <p:cNvSpPr txBox="1"/>
+          <p:nvPr/>
+        </p:nvSpPr>
+        <p:spPr>
+          <a:xfrm>
+            <a:off x="2487428" y="1437854"/>
+            <a:ext cx="12801040" cy="1252266"/>
+          </a:xfrm>
+          <a:prstGeom prst="rect">
+            <a:avLst/>
+          </a:prstGeom>
+        </p:spPr>
+        <p:txBody>
+          <a:bodyPr lIns="0" tIns="0" rIns="0" bIns="0" rtlCol="0" anchor="t">
+            <a:spAutoFit/>
+          </a:bodyPr>
+          <a:lstStyle/>
+          <a:p>
+            <a:pPr algn="ctr">
+              <a:lnSpc>
+                <a:spcPts val="11108"/>
+              </a:lnSpc>
+            </a:pPr>
+            <a:r>
+              <a:rPr lang="en-US" sz="4800" b="1" dirty="0">
+                <a:solidFill>
+                  <a:srgbClr val="002B58"/>
+                </a:solidFill>
+                <a:latin typeface="Monda Bold"/>
+                <a:ea typeface="Monda Bold"/>
+                <a:cs typeface="Monda Bold"/>
+                <a:sym typeface="Monda Bold"/>
+              </a:rPr>
+              <a:t>DAFTAR KONTAK</a:t>
+            </a:r>
+          </a:p>
+        </p:txBody>
+      </p:sp>
+      <p:pic>
+        <p:nvPicPr>
+          <p:cNvPr id="9" name="Picture 8">
+            <a:extLst>
+              <a:ext uri="{FF2B5EF4-FFF2-40B4-BE49-F238E27FC236}">
+                <a16:creationId xmlns:a16="http://schemas.microsoft.com/office/drawing/2014/main" id="{8FDBF703-4DA1-2F5B-2F27-43CA4CF1BB01}"/>
+              </a:ext>
+            </a:extLst>
+          </p:cNvPr>
+          <p:cNvPicPr>
+            <a:picLocks noChangeAspect="1"/>
+          </p:cNvPicPr>
+          <p:nvPr/>
+        </p:nvPicPr>
+        <p:blipFill>
+          <a:blip r:embed="rId7">
+            <a:extLst>
+              <a:ext uri="{28A0092B-C50C-407E-A947-70E740481C1C}">
+                <a14:useLocalDpi xmlns:a14="http://schemas.microsoft.com/office/drawing/2010/main" val="0"/>
+              </a:ext>
+            </a:extLst>
+          </a:blip>
+          <a:stretch>
+            <a:fillRect/>
+          </a:stretch>
+        </p:blipFill>
+        <p:spPr>
+          <a:xfrm>
+            <a:off x="838200" y="3266213"/>
+            <a:ext cx="16099497" cy="3924848"/>
+          </a:xfrm>
+          <a:prstGeom prst="rect">
+            <a:avLst/>
+          </a:prstGeom>
+        </p:spPr>
+      </p:pic>
+    </p:spTree>
+    <p:extLst>
+      <p:ext uri="{BB962C8B-B14F-4D97-AF65-F5344CB8AC3E}">
+        <p14:creationId xmlns:p14="http://schemas.microsoft.com/office/powerpoint/2010/main" val="3463008854"/>
+      </p:ext>
+    </p:extLst>
+  </p:cSld>
+  <p:clrMapOvr>
+    <a:masterClrMapping/>
+  </p:clrMapOvr>
+</p:sld>
+</file>
+
+<file path=ppt/slides/slide9.xml><?xml version="1.0" encoding="utf-8"?>
+<p:sld xmlns:a="http://schemas.openxmlformats.org/drawingml/2006/main" xmlns:r="http://schemas.openxmlformats.org/officeDocument/2006/relationships" xmlns:p="http://schemas.openxmlformats.org/presentationml/2006/main">
   <p:cSld>
     <p:spTree>
       <p:nvGrpSpPr>
@@ -3457,12 +6282,12 @@
       </p:grpSpPr>
       <p:sp>
         <p:nvSpPr>
-          <p:cNvPr name="Freeform 2" id="2"/>
+          <p:cNvPr id="2" name="Freeform 2"/>
           <p:cNvSpPr/>
           <p:nvPr/>
         </p:nvSpPr>
         <p:spPr>
-          <a:xfrm flipH="false" flipV="false" rot="0">
+          <a:xfrm>
             <a:off x="0" y="0"/>
             <a:ext cx="18288000" cy="10287000"/>
           </a:xfrm>
@@ -3471,9 +6296,9 @@
             <a:gdLst/>
             <a:ahLst/>
             <a:cxnLst/>
-            <a:rect r="r" b="b" t="t" l="l"/>
+            <a:rect l="l" t="t" r="r" b="b"/>
             <a:pathLst>
-              <a:path h="10287000" w="18288000">
+              <a:path w="18288000" h="10287000">
                 <a:moveTo>
                   <a:pt x="0" y="0"/>
                 </a:moveTo>
@@ -3496,19 +6321,19 @@
           <a:blipFill>
             <a:blip r:embed="rId2"/>
             <a:stretch>
-              <a:fillRect l="0" t="-777" r="0" b="-777"/>
+              <a:fillRect t="-777" b="-777"/>
             </a:stretch>
           </a:blipFill>
         </p:spPr>
       </p:sp>
       <p:sp>
         <p:nvSpPr>
-          <p:cNvPr name="Freeform 3" id="3"/>
+          <p:cNvPr id="3" name="Freeform 3"/>
           <p:cNvSpPr/>
           <p:nvPr/>
         </p:nvSpPr>
         <p:spPr>
-          <a:xfrm flipH="true" flipV="false" rot="0">
+          <a:xfrm flipH="1">
             <a:off x="10273278" y="5039691"/>
             <a:ext cx="9295205" cy="5948931"/>
           </a:xfrm>
@@ -3517,9 +6342,9 @@
             <a:gdLst/>
             <a:ahLst/>
             <a:cxnLst/>
-            <a:rect r="r" b="b" t="t" l="l"/>
+            <a:rect l="l" t="t" r="r" b="b"/>
             <a:pathLst>
-              <a:path h="5948931" w="9295205">
+              <a:path w="9295205" h="5948931">
                 <a:moveTo>
                   <a:pt x="9295205" y="0"/>
                 </a:moveTo>
@@ -3548,19 +6373,19 @@
               </a:extLst>
             </a:blip>
             <a:stretch>
-              <a:fillRect l="0" t="0" r="0" b="0"/>
+              <a:fillRect/>
             </a:stretch>
           </a:blipFill>
         </p:spPr>
       </p:sp>
       <p:sp>
         <p:nvSpPr>
-          <p:cNvPr name="Freeform 4" id="4"/>
+          <p:cNvPr id="4" name="Freeform 4"/>
           <p:cNvSpPr/>
           <p:nvPr/>
         </p:nvSpPr>
         <p:spPr>
-          <a:xfrm flipH="false" flipV="true" rot="0">
+          <a:xfrm flipV="1">
             <a:off x="-1280483" y="-701623"/>
             <a:ext cx="9295205" cy="5948931"/>
           </a:xfrm>
@@ -3569,9 +6394,9 @@
             <a:gdLst/>
             <a:ahLst/>
             <a:cxnLst/>
-            <a:rect r="r" b="b" t="t" l="l"/>
+            <a:rect l="l" t="t" r="r" b="b"/>
             <a:pathLst>
-              <a:path h="5948931" w="9295205">
+              <a:path w="9295205" h="5948931">
                 <a:moveTo>
                   <a:pt x="0" y="5948932"/>
                 </a:moveTo>
@@ -3600,19 +6425,19 @@
               </a:extLst>
             </a:blip>
             <a:stretch>
-              <a:fillRect l="0" t="0" r="0" b="0"/>
+              <a:fillRect/>
             </a:stretch>
           </a:blipFill>
         </p:spPr>
       </p:sp>
       <p:sp>
         <p:nvSpPr>
-          <p:cNvPr name="Freeform 5" id="5"/>
+          <p:cNvPr id="5" name="Freeform 5"/>
           <p:cNvSpPr/>
           <p:nvPr/>
         </p:nvSpPr>
         <p:spPr>
-          <a:xfrm flipH="false" flipV="false" rot="0">
+          <a:xfrm>
             <a:off x="14790631" y="-3420266"/>
             <a:ext cx="5568589" cy="7775011"/>
           </a:xfrm>
@@ -3621,9 +6446,9 @@
             <a:gdLst/>
             <a:ahLst/>
             <a:cxnLst/>
-            <a:rect r="r" b="b" t="t" l="l"/>
+            <a:rect l="l" t="t" r="r" b="b"/>
             <a:pathLst>
-              <a:path h="7775011" w="5568589">
+              <a:path w="5568589" h="7775011">
                 <a:moveTo>
                   <a:pt x="0" y="0"/>
                 </a:moveTo>
@@ -3652,19 +6477,19 @@
               </a:extLst>
             </a:blip>
             <a:stretch>
-              <a:fillRect l="0" t="0" r="0" b="0"/>
+              <a:fillRect/>
             </a:stretch>
           </a:blipFill>
         </p:spPr>
       </p:sp>
       <p:sp>
         <p:nvSpPr>
-          <p:cNvPr name="Freeform 6" id="6"/>
+          <p:cNvPr id="6" name="Freeform 6"/>
           <p:cNvSpPr/>
           <p:nvPr/>
         </p:nvSpPr>
         <p:spPr>
-          <a:xfrm flipH="false" flipV="false" rot="0">
+          <a:xfrm>
             <a:off x="-646086" y="6399494"/>
             <a:ext cx="5568589" cy="7775011"/>
           </a:xfrm>
@@ -3673,9 +6498,9 @@
             <a:gdLst/>
             <a:ahLst/>
             <a:cxnLst/>
-            <a:rect r="r" b="b" t="t" l="l"/>
+            <a:rect l="l" t="t" r="r" b="b"/>
             <a:pathLst>
-              <a:path h="7775011" w="5568589">
+              <a:path w="5568589" h="7775011">
                 <a:moveTo>
                   <a:pt x="0" y="0"/>
                 </a:moveTo>
@@ -3704,2645 +6529,28 @@
               </a:extLst>
             </a:blip>
             <a:stretch>
-              <a:fillRect l="0" t="0" r="0" b="0"/>
+              <a:fillRect/>
             </a:stretch>
           </a:blipFill>
         </p:spPr>
       </p:sp>
       <p:sp>
         <p:nvSpPr>
-          <p:cNvPr name="TextBox 7" id="7"/>
-          <p:cNvSpPr txBox="true"/>
+          <p:cNvPr id="7" name="TextBox 7"/>
+          <p:cNvSpPr txBox="1"/>
           <p:nvPr/>
         </p:nvSpPr>
         <p:spPr>
-          <a:xfrm rot="0">
-            <a:off x="3014119" y="2534152"/>
-            <a:ext cx="12259762" cy="5480004"/>
+          <a:xfrm>
+            <a:off x="2743480" y="4136923"/>
+            <a:ext cx="12801040" cy="1813128"/>
           </a:xfrm>
           <a:prstGeom prst="rect">
             <a:avLst/>
           </a:prstGeom>
         </p:spPr>
         <p:txBody>
-          <a:bodyPr anchor="t" rtlCol="false" tIns="0" lIns="0" bIns="0" rIns="0">
-            <a:spAutoFit/>
-          </a:bodyPr>
-          <a:lstStyle/>
-          <a:p>
-            <a:pPr algn="just">
-              <a:lnSpc>
-                <a:spcPts val="5599"/>
-              </a:lnSpc>
-            </a:pPr>
-            <a:r>
-              <a:rPr lang="en-US" sz="3999">
-                <a:solidFill>
-                  <a:srgbClr val="002B58"/>
-                </a:solidFill>
-                <a:latin typeface="Monda"/>
-                <a:ea typeface="Monda"/>
-                <a:cs typeface="Monda"/>
-                <a:sym typeface="Monda"/>
-              </a:rPr>
-              <a:t>Website ini dirancang untuk membantu pengguna melacak dan mengelola informasi kontak secara online. Pengguna dapat mencari detail kontak berdasarkan nomor telepon, email, atau nama, serta mengetahui riwayat komunikasi dan catatan terkait kontak tersebut. Cocok untuk bisnis, tim support, atau komunitas besar.</a:t>
-            </a:r>
-          </a:p>
-          <a:p>
-            <a:pPr algn="ctr">
-              <a:lnSpc>
-                <a:spcPts val="4555"/>
-              </a:lnSpc>
-            </a:pPr>
-          </a:p>
-        </p:txBody>
-      </p:sp>
-      <p:sp>
-        <p:nvSpPr>
-          <p:cNvPr name="TextBox 8" id="8"/>
-          <p:cNvSpPr txBox="true"/>
-          <p:nvPr/>
-        </p:nvSpPr>
-        <p:spPr>
-          <a:xfrm rot="0">
-            <a:off x="4307884" y="901612"/>
-            <a:ext cx="9672231" cy="1371231"/>
-          </a:xfrm>
-          <a:prstGeom prst="rect">
-            <a:avLst/>
-          </a:prstGeom>
-        </p:spPr>
-        <p:txBody>
-          <a:bodyPr anchor="t" rtlCol="false" tIns="0" lIns="0" bIns="0" rIns="0">
-            <a:spAutoFit/>
-          </a:bodyPr>
-          <a:lstStyle/>
-          <a:p>
-            <a:pPr algn="ctr">
-              <a:lnSpc>
-                <a:spcPts val="11248"/>
-              </a:lnSpc>
-            </a:pPr>
-            <a:r>
-              <a:rPr lang="en-US" b="true" sz="8034">
-                <a:solidFill>
-                  <a:srgbClr val="002B58"/>
-                </a:solidFill>
-                <a:latin typeface="Monda Bold"/>
-                <a:ea typeface="Monda Bold"/>
-                <a:cs typeface="Monda Bold"/>
-                <a:sym typeface="Monda Bold"/>
-              </a:rPr>
-              <a:t>IDE WEBSITE</a:t>
-            </a:r>
-          </a:p>
-        </p:txBody>
-      </p:sp>
-    </p:spTree>
-  </p:cSld>
-  <p:clrMapOvr>
-    <a:masterClrMapping/>
-  </p:clrMapOvr>
-</p:sld>
-</file>
-
-<file path=ppt/slides/slide3.xml><?xml version="1.0" encoding="utf-8"?>
-<p:sld xmlns:p="http://schemas.openxmlformats.org/presentationml/2006/main" xmlns:a="http://schemas.openxmlformats.org/drawingml/2006/main" xmlns:r="http://schemas.openxmlformats.org/officeDocument/2006/relationships">
-  <p:cSld>
-    <p:spTree>
-      <p:nvGrpSpPr>
-        <p:cNvPr id="1" name=""/>
-        <p:cNvGrpSpPr/>
-        <p:nvPr/>
-      </p:nvGrpSpPr>
-      <p:grpSpPr>
-        <a:xfrm>
-          <a:off x="0" y="0"/>
-          <a:ext cx="0" cy="0"/>
-          <a:chOff x="0" y="0"/>
-          <a:chExt cx="0" cy="0"/>
-        </a:xfrm>
-      </p:grpSpPr>
-      <p:sp>
-        <p:nvSpPr>
-          <p:cNvPr name="Freeform 2" id="2"/>
-          <p:cNvSpPr/>
-          <p:nvPr/>
-        </p:nvSpPr>
-        <p:spPr>
-          <a:xfrm flipH="false" flipV="false" rot="0">
-            <a:off x="0" y="0"/>
-            <a:ext cx="18288000" cy="10287000"/>
-          </a:xfrm>
-          <a:custGeom>
-            <a:avLst/>
-            <a:gdLst/>
-            <a:ahLst/>
-            <a:cxnLst/>
-            <a:rect r="r" b="b" t="t" l="l"/>
-            <a:pathLst>
-              <a:path h="10287000" w="18288000">
-                <a:moveTo>
-                  <a:pt x="0" y="0"/>
-                </a:moveTo>
-                <a:lnTo>
-                  <a:pt x="18288000" y="0"/>
-                </a:lnTo>
-                <a:lnTo>
-                  <a:pt x="18288000" y="10287000"/>
-                </a:lnTo>
-                <a:lnTo>
-                  <a:pt x="0" y="10287000"/>
-                </a:lnTo>
-                <a:lnTo>
-                  <a:pt x="0" y="0"/>
-                </a:lnTo>
-                <a:close/>
-              </a:path>
-            </a:pathLst>
-          </a:custGeom>
-          <a:blipFill>
-            <a:blip r:embed="rId2"/>
-            <a:stretch>
-              <a:fillRect l="0" t="-777" r="0" b="-777"/>
-            </a:stretch>
-          </a:blipFill>
-        </p:spPr>
-      </p:sp>
-      <p:sp>
-        <p:nvSpPr>
-          <p:cNvPr name="Freeform 3" id="3"/>
-          <p:cNvSpPr/>
-          <p:nvPr/>
-        </p:nvSpPr>
-        <p:spPr>
-          <a:xfrm flipH="true" flipV="false" rot="0">
-            <a:off x="10273278" y="5039691"/>
-            <a:ext cx="9295205" cy="5948931"/>
-          </a:xfrm>
-          <a:custGeom>
-            <a:avLst/>
-            <a:gdLst/>
-            <a:ahLst/>
-            <a:cxnLst/>
-            <a:rect r="r" b="b" t="t" l="l"/>
-            <a:pathLst>
-              <a:path h="5948931" w="9295205">
-                <a:moveTo>
-                  <a:pt x="9295205" y="0"/>
-                </a:moveTo>
-                <a:lnTo>
-                  <a:pt x="0" y="0"/>
-                </a:lnTo>
-                <a:lnTo>
-                  <a:pt x="0" y="5948932"/>
-                </a:lnTo>
-                <a:lnTo>
-                  <a:pt x="9295205" y="5948932"/>
-                </a:lnTo>
-                <a:lnTo>
-                  <a:pt x="9295205" y="0"/>
-                </a:lnTo>
-                <a:close/>
-              </a:path>
-            </a:pathLst>
-          </a:custGeom>
-          <a:blipFill>
-            <a:blip r:embed="rId3">
-              <a:extLst>
-                <a:ext uri="{96DAC541-7B7A-43D3-8B79-37D633B846F1}">
-                  <asvg:svgBlip xmlns:asvg="http://schemas.microsoft.com/office/drawing/2016/SVG/main" r:embed="rId4"/>
-                </a:ext>
-              </a:extLst>
-            </a:blip>
-            <a:stretch>
-              <a:fillRect l="0" t="0" r="0" b="0"/>
-            </a:stretch>
-          </a:blipFill>
-        </p:spPr>
-      </p:sp>
-      <p:sp>
-        <p:nvSpPr>
-          <p:cNvPr name="Freeform 4" id="4"/>
-          <p:cNvSpPr/>
-          <p:nvPr/>
-        </p:nvSpPr>
-        <p:spPr>
-          <a:xfrm flipH="false" flipV="true" rot="0">
-            <a:off x="-1280483" y="-701623"/>
-            <a:ext cx="9295205" cy="5948931"/>
-          </a:xfrm>
-          <a:custGeom>
-            <a:avLst/>
-            <a:gdLst/>
-            <a:ahLst/>
-            <a:cxnLst/>
-            <a:rect r="r" b="b" t="t" l="l"/>
-            <a:pathLst>
-              <a:path h="5948931" w="9295205">
-                <a:moveTo>
-                  <a:pt x="0" y="5948932"/>
-                </a:moveTo>
-                <a:lnTo>
-                  <a:pt x="9295205" y="5948932"/>
-                </a:lnTo>
-                <a:lnTo>
-                  <a:pt x="9295205" y="0"/>
-                </a:lnTo>
-                <a:lnTo>
-                  <a:pt x="0" y="0"/>
-                </a:lnTo>
-                <a:lnTo>
-                  <a:pt x="0" y="5948932"/>
-                </a:lnTo>
-                <a:close/>
-              </a:path>
-            </a:pathLst>
-          </a:custGeom>
-          <a:blipFill>
-            <a:blip r:embed="rId3">
-              <a:extLst>
-                <a:ext uri="{96DAC541-7B7A-43D3-8B79-37D633B846F1}">
-                  <asvg:svgBlip xmlns:asvg="http://schemas.microsoft.com/office/drawing/2016/SVG/main" r:embed="rId4"/>
-                </a:ext>
-              </a:extLst>
-            </a:blip>
-            <a:stretch>
-              <a:fillRect l="0" t="0" r="0" b="0"/>
-            </a:stretch>
-          </a:blipFill>
-        </p:spPr>
-      </p:sp>
-      <p:sp>
-        <p:nvSpPr>
-          <p:cNvPr name="Freeform 5" id="5"/>
-          <p:cNvSpPr/>
-          <p:nvPr/>
-        </p:nvSpPr>
-        <p:spPr>
-          <a:xfrm flipH="false" flipV="false" rot="0">
-            <a:off x="14790631" y="-3420266"/>
-            <a:ext cx="5568589" cy="7775011"/>
-          </a:xfrm>
-          <a:custGeom>
-            <a:avLst/>
-            <a:gdLst/>
-            <a:ahLst/>
-            <a:cxnLst/>
-            <a:rect r="r" b="b" t="t" l="l"/>
-            <a:pathLst>
-              <a:path h="7775011" w="5568589">
-                <a:moveTo>
-                  <a:pt x="0" y="0"/>
-                </a:moveTo>
-                <a:lnTo>
-                  <a:pt x="5568589" y="0"/>
-                </a:lnTo>
-                <a:lnTo>
-                  <a:pt x="5568589" y="7775011"/>
-                </a:lnTo>
-                <a:lnTo>
-                  <a:pt x="0" y="7775011"/>
-                </a:lnTo>
-                <a:lnTo>
-                  <a:pt x="0" y="0"/>
-                </a:lnTo>
-                <a:close/>
-              </a:path>
-            </a:pathLst>
-          </a:custGeom>
-          <a:blipFill>
-            <a:blip r:embed="rId5">
-              <a:extLst>
-                <a:ext uri="{96DAC541-7B7A-43D3-8B79-37D633B846F1}">
-                  <asvg:svgBlip xmlns:asvg="http://schemas.microsoft.com/office/drawing/2016/SVG/main" r:embed="rId6"/>
-                </a:ext>
-              </a:extLst>
-            </a:blip>
-            <a:stretch>
-              <a:fillRect l="0" t="0" r="0" b="0"/>
-            </a:stretch>
-          </a:blipFill>
-        </p:spPr>
-      </p:sp>
-      <p:sp>
-        <p:nvSpPr>
-          <p:cNvPr name="Freeform 6" id="6"/>
-          <p:cNvSpPr/>
-          <p:nvPr/>
-        </p:nvSpPr>
-        <p:spPr>
-          <a:xfrm flipH="false" flipV="false" rot="0">
-            <a:off x="-646086" y="6399494"/>
-            <a:ext cx="5568589" cy="7775011"/>
-          </a:xfrm>
-          <a:custGeom>
-            <a:avLst/>
-            <a:gdLst/>
-            <a:ahLst/>
-            <a:cxnLst/>
-            <a:rect r="r" b="b" t="t" l="l"/>
-            <a:pathLst>
-              <a:path h="7775011" w="5568589">
-                <a:moveTo>
-                  <a:pt x="0" y="0"/>
-                </a:moveTo>
-                <a:lnTo>
-                  <a:pt x="5568589" y="0"/>
-                </a:lnTo>
-                <a:lnTo>
-                  <a:pt x="5568589" y="7775012"/>
-                </a:lnTo>
-                <a:lnTo>
-                  <a:pt x="0" y="7775012"/>
-                </a:lnTo>
-                <a:lnTo>
-                  <a:pt x="0" y="0"/>
-                </a:lnTo>
-                <a:close/>
-              </a:path>
-            </a:pathLst>
-          </a:custGeom>
-          <a:blipFill>
-            <a:blip r:embed="rId5">
-              <a:extLst>
-                <a:ext uri="{96DAC541-7B7A-43D3-8B79-37D633B846F1}">
-                  <asvg:svgBlip xmlns:asvg="http://schemas.microsoft.com/office/drawing/2016/SVG/main" r:embed="rId6"/>
-                </a:ext>
-              </a:extLst>
-            </a:blip>
-            <a:stretch>
-              <a:fillRect l="0" t="0" r="0" b="0"/>
-            </a:stretch>
-          </a:blipFill>
-        </p:spPr>
-      </p:sp>
-      <p:sp>
-        <p:nvSpPr>
-          <p:cNvPr name="TextBox 7" id="7"/>
-          <p:cNvSpPr txBox="true"/>
-          <p:nvPr/>
-        </p:nvSpPr>
-        <p:spPr>
-          <a:xfrm rot="0">
-            <a:off x="4307884" y="876300"/>
-            <a:ext cx="9672231" cy="1371231"/>
-          </a:xfrm>
-          <a:prstGeom prst="rect">
-            <a:avLst/>
-          </a:prstGeom>
-        </p:spPr>
-        <p:txBody>
-          <a:bodyPr anchor="t" rtlCol="false" tIns="0" lIns="0" bIns="0" rIns="0">
-            <a:spAutoFit/>
-          </a:bodyPr>
-          <a:lstStyle/>
-          <a:p>
-            <a:pPr algn="ctr">
-              <a:lnSpc>
-                <a:spcPts val="11248"/>
-              </a:lnSpc>
-            </a:pPr>
-            <a:r>
-              <a:rPr lang="en-US" b="true" sz="8034">
-                <a:solidFill>
-                  <a:srgbClr val="002B58"/>
-                </a:solidFill>
-                <a:latin typeface="Monda Bold"/>
-                <a:ea typeface="Monda Bold"/>
-                <a:cs typeface="Monda Bold"/>
-                <a:sym typeface="Monda Bold"/>
-              </a:rPr>
-              <a:t>FITUR UTAMA</a:t>
-            </a:r>
-          </a:p>
-        </p:txBody>
-      </p:sp>
-      <p:sp>
-        <p:nvSpPr>
-          <p:cNvPr name="TextBox 8" id="8"/>
-          <p:cNvSpPr txBox="true"/>
-          <p:nvPr/>
-        </p:nvSpPr>
-        <p:spPr>
-          <a:xfrm rot="0">
-            <a:off x="2663663" y="2580379"/>
-            <a:ext cx="14106818" cy="4974007"/>
-          </a:xfrm>
-          <a:prstGeom prst="rect">
-            <a:avLst/>
-          </a:prstGeom>
-        </p:spPr>
-        <p:txBody>
-          <a:bodyPr anchor="t" rtlCol="false" tIns="0" lIns="0" bIns="0" rIns="0">
-            <a:spAutoFit/>
-          </a:bodyPr>
-          <a:lstStyle/>
-          <a:p>
-            <a:pPr algn="just">
-              <a:lnSpc>
-                <a:spcPts val="5667"/>
-              </a:lnSpc>
-            </a:pPr>
-            <a:r>
-              <a:rPr lang="en-US" sz="4047">
-                <a:solidFill>
-                  <a:srgbClr val="002B58"/>
-                </a:solidFill>
-                <a:latin typeface="Monda"/>
-                <a:ea typeface="Monda"/>
-                <a:cs typeface="Monda"/>
-                <a:sym typeface="Monda"/>
-              </a:rPr>
-              <a:t>• Cari dan Lacak Kontak Berdasarkan Nomor/Nama/Email</a:t>
-            </a:r>
-          </a:p>
-          <a:p>
-            <a:pPr algn="just">
-              <a:lnSpc>
-                <a:spcPts val="5667"/>
-              </a:lnSpc>
-            </a:pPr>
-            <a:r>
-              <a:rPr lang="en-US" sz="4047">
-                <a:solidFill>
-                  <a:srgbClr val="002B58"/>
-                </a:solidFill>
-                <a:latin typeface="Monda"/>
-                <a:ea typeface="Monda"/>
-                <a:cs typeface="Monda"/>
-                <a:sym typeface="Monda"/>
-              </a:rPr>
-              <a:t>• Lihat Riwayat Interaksi atau Catatan</a:t>
-            </a:r>
-          </a:p>
-          <a:p>
-            <a:pPr algn="just">
-              <a:lnSpc>
-                <a:spcPts val="5667"/>
-              </a:lnSpc>
-            </a:pPr>
-            <a:r>
-              <a:rPr lang="en-US" sz="4047">
-                <a:solidFill>
-                  <a:srgbClr val="002B58"/>
-                </a:solidFill>
-                <a:latin typeface="Monda"/>
-                <a:ea typeface="Monda"/>
-                <a:cs typeface="Monda"/>
-                <a:sym typeface="Monda"/>
-              </a:rPr>
-              <a:t>• Tandai Kontak: Aktif, Pasif, Diblokir</a:t>
-            </a:r>
-          </a:p>
-          <a:p>
-            <a:pPr algn="just">
-              <a:lnSpc>
-                <a:spcPts val="5667"/>
-              </a:lnSpc>
-            </a:pPr>
-            <a:r>
-              <a:rPr lang="en-US" sz="4047">
-                <a:solidFill>
-                  <a:srgbClr val="002B58"/>
-                </a:solidFill>
-                <a:latin typeface="Monda"/>
-                <a:ea typeface="Monda"/>
-                <a:cs typeface="Monda"/>
-                <a:sym typeface="Monda"/>
-              </a:rPr>
-              <a:t>• Tambah, Edit, dan Hapus Kontak</a:t>
-            </a:r>
-          </a:p>
-          <a:p>
-            <a:pPr algn="just">
-              <a:lnSpc>
-                <a:spcPts val="5667"/>
-              </a:lnSpc>
-            </a:pPr>
-            <a:r>
-              <a:rPr lang="en-US" sz="4047">
-                <a:solidFill>
-                  <a:srgbClr val="002B58"/>
-                </a:solidFill>
-                <a:latin typeface="Monda"/>
-                <a:ea typeface="Monda"/>
-                <a:cs typeface="Monda"/>
-                <a:sym typeface="Monda"/>
-              </a:rPr>
-              <a:t>• Kategori Kontak (Tim Support, Klien, Vendor)</a:t>
-            </a:r>
-          </a:p>
-          <a:p>
-            <a:pPr algn="just">
-              <a:lnSpc>
-                <a:spcPts val="5667"/>
-              </a:lnSpc>
-            </a:pPr>
-            <a:r>
-              <a:rPr lang="en-US" sz="4047">
-                <a:solidFill>
-                  <a:srgbClr val="002B58"/>
-                </a:solidFill>
-                <a:latin typeface="Monda"/>
-                <a:ea typeface="Monda"/>
-                <a:cs typeface="Monda"/>
-                <a:sym typeface="Monda"/>
-              </a:rPr>
-              <a:t>• Tampilan Responsif &amp; Multi-Perangkat</a:t>
-            </a:r>
-          </a:p>
-          <a:p>
-            <a:pPr algn="just">
-              <a:lnSpc>
-                <a:spcPts val="5667"/>
-              </a:lnSpc>
-            </a:pPr>
-          </a:p>
-        </p:txBody>
-      </p:sp>
-    </p:spTree>
-  </p:cSld>
-  <p:clrMapOvr>
-    <a:masterClrMapping/>
-  </p:clrMapOvr>
-</p:sld>
-</file>
-
-<file path=ppt/slides/slide4.xml><?xml version="1.0" encoding="utf-8"?>
-<p:sld xmlns:p="http://schemas.openxmlformats.org/presentationml/2006/main" xmlns:a="http://schemas.openxmlformats.org/drawingml/2006/main" xmlns:r="http://schemas.openxmlformats.org/officeDocument/2006/relationships">
-  <p:cSld>
-    <p:spTree>
-      <p:nvGrpSpPr>
-        <p:cNvPr id="1" name=""/>
-        <p:cNvGrpSpPr/>
-        <p:nvPr/>
-      </p:nvGrpSpPr>
-      <p:grpSpPr>
-        <a:xfrm>
-          <a:off x="0" y="0"/>
-          <a:ext cx="0" cy="0"/>
-          <a:chOff x="0" y="0"/>
-          <a:chExt cx="0" cy="0"/>
-        </a:xfrm>
-      </p:grpSpPr>
-      <p:sp>
-        <p:nvSpPr>
-          <p:cNvPr name="Freeform 2" id="2"/>
-          <p:cNvSpPr/>
-          <p:nvPr/>
-        </p:nvSpPr>
-        <p:spPr>
-          <a:xfrm flipH="false" flipV="false" rot="0">
-            <a:off x="0" y="0"/>
-            <a:ext cx="18288000" cy="10287000"/>
-          </a:xfrm>
-          <a:custGeom>
-            <a:avLst/>
-            <a:gdLst/>
-            <a:ahLst/>
-            <a:cxnLst/>
-            <a:rect r="r" b="b" t="t" l="l"/>
-            <a:pathLst>
-              <a:path h="10287000" w="18288000">
-                <a:moveTo>
-                  <a:pt x="0" y="0"/>
-                </a:moveTo>
-                <a:lnTo>
-                  <a:pt x="18288000" y="0"/>
-                </a:lnTo>
-                <a:lnTo>
-                  <a:pt x="18288000" y="10287000"/>
-                </a:lnTo>
-                <a:lnTo>
-                  <a:pt x="0" y="10287000"/>
-                </a:lnTo>
-                <a:lnTo>
-                  <a:pt x="0" y="0"/>
-                </a:lnTo>
-                <a:close/>
-              </a:path>
-            </a:pathLst>
-          </a:custGeom>
-          <a:blipFill>
-            <a:blip r:embed="rId2"/>
-            <a:stretch>
-              <a:fillRect l="0" t="-777" r="0" b="-777"/>
-            </a:stretch>
-          </a:blipFill>
-        </p:spPr>
-      </p:sp>
-      <p:sp>
-        <p:nvSpPr>
-          <p:cNvPr name="Freeform 3" id="3"/>
-          <p:cNvSpPr/>
-          <p:nvPr/>
-        </p:nvSpPr>
-        <p:spPr>
-          <a:xfrm flipH="true" flipV="false" rot="0">
-            <a:off x="10273278" y="5039691"/>
-            <a:ext cx="9295205" cy="5948931"/>
-          </a:xfrm>
-          <a:custGeom>
-            <a:avLst/>
-            <a:gdLst/>
-            <a:ahLst/>
-            <a:cxnLst/>
-            <a:rect r="r" b="b" t="t" l="l"/>
-            <a:pathLst>
-              <a:path h="5948931" w="9295205">
-                <a:moveTo>
-                  <a:pt x="9295205" y="0"/>
-                </a:moveTo>
-                <a:lnTo>
-                  <a:pt x="0" y="0"/>
-                </a:lnTo>
-                <a:lnTo>
-                  <a:pt x="0" y="5948932"/>
-                </a:lnTo>
-                <a:lnTo>
-                  <a:pt x="9295205" y="5948932"/>
-                </a:lnTo>
-                <a:lnTo>
-                  <a:pt x="9295205" y="0"/>
-                </a:lnTo>
-                <a:close/>
-              </a:path>
-            </a:pathLst>
-          </a:custGeom>
-          <a:blipFill>
-            <a:blip r:embed="rId3">
-              <a:extLst>
-                <a:ext uri="{96DAC541-7B7A-43D3-8B79-37D633B846F1}">
-                  <asvg:svgBlip xmlns:asvg="http://schemas.microsoft.com/office/drawing/2016/SVG/main" r:embed="rId4"/>
-                </a:ext>
-              </a:extLst>
-            </a:blip>
-            <a:stretch>
-              <a:fillRect l="0" t="0" r="0" b="0"/>
-            </a:stretch>
-          </a:blipFill>
-        </p:spPr>
-      </p:sp>
-      <p:sp>
-        <p:nvSpPr>
-          <p:cNvPr name="Freeform 4" id="4"/>
-          <p:cNvSpPr/>
-          <p:nvPr/>
-        </p:nvSpPr>
-        <p:spPr>
-          <a:xfrm flipH="false" flipV="true" rot="0">
-            <a:off x="-1280483" y="-701623"/>
-            <a:ext cx="9295205" cy="5948931"/>
-          </a:xfrm>
-          <a:custGeom>
-            <a:avLst/>
-            <a:gdLst/>
-            <a:ahLst/>
-            <a:cxnLst/>
-            <a:rect r="r" b="b" t="t" l="l"/>
-            <a:pathLst>
-              <a:path h="5948931" w="9295205">
-                <a:moveTo>
-                  <a:pt x="0" y="5948932"/>
-                </a:moveTo>
-                <a:lnTo>
-                  <a:pt x="9295205" y="5948932"/>
-                </a:lnTo>
-                <a:lnTo>
-                  <a:pt x="9295205" y="0"/>
-                </a:lnTo>
-                <a:lnTo>
-                  <a:pt x="0" y="0"/>
-                </a:lnTo>
-                <a:lnTo>
-                  <a:pt x="0" y="5948932"/>
-                </a:lnTo>
-                <a:close/>
-              </a:path>
-            </a:pathLst>
-          </a:custGeom>
-          <a:blipFill>
-            <a:blip r:embed="rId3">
-              <a:extLst>
-                <a:ext uri="{96DAC541-7B7A-43D3-8B79-37D633B846F1}">
-                  <asvg:svgBlip xmlns:asvg="http://schemas.microsoft.com/office/drawing/2016/SVG/main" r:embed="rId4"/>
-                </a:ext>
-              </a:extLst>
-            </a:blip>
-            <a:stretch>
-              <a:fillRect l="0" t="0" r="0" b="0"/>
-            </a:stretch>
-          </a:blipFill>
-        </p:spPr>
-      </p:sp>
-      <p:sp>
-        <p:nvSpPr>
-          <p:cNvPr name="Freeform 5" id="5"/>
-          <p:cNvSpPr/>
-          <p:nvPr/>
-        </p:nvSpPr>
-        <p:spPr>
-          <a:xfrm flipH="false" flipV="false" rot="0">
-            <a:off x="14790631" y="-3420266"/>
-            <a:ext cx="5568589" cy="7775011"/>
-          </a:xfrm>
-          <a:custGeom>
-            <a:avLst/>
-            <a:gdLst/>
-            <a:ahLst/>
-            <a:cxnLst/>
-            <a:rect r="r" b="b" t="t" l="l"/>
-            <a:pathLst>
-              <a:path h="7775011" w="5568589">
-                <a:moveTo>
-                  <a:pt x="0" y="0"/>
-                </a:moveTo>
-                <a:lnTo>
-                  <a:pt x="5568589" y="0"/>
-                </a:lnTo>
-                <a:lnTo>
-                  <a:pt x="5568589" y="7775011"/>
-                </a:lnTo>
-                <a:lnTo>
-                  <a:pt x="0" y="7775011"/>
-                </a:lnTo>
-                <a:lnTo>
-                  <a:pt x="0" y="0"/>
-                </a:lnTo>
-                <a:close/>
-              </a:path>
-            </a:pathLst>
-          </a:custGeom>
-          <a:blipFill>
-            <a:blip r:embed="rId5">
-              <a:extLst>
-                <a:ext uri="{96DAC541-7B7A-43D3-8B79-37D633B846F1}">
-                  <asvg:svgBlip xmlns:asvg="http://schemas.microsoft.com/office/drawing/2016/SVG/main" r:embed="rId6"/>
-                </a:ext>
-              </a:extLst>
-            </a:blip>
-            <a:stretch>
-              <a:fillRect l="0" t="0" r="0" b="0"/>
-            </a:stretch>
-          </a:blipFill>
-        </p:spPr>
-      </p:sp>
-      <p:sp>
-        <p:nvSpPr>
-          <p:cNvPr name="Freeform 6" id="6"/>
-          <p:cNvSpPr/>
-          <p:nvPr/>
-        </p:nvSpPr>
-        <p:spPr>
-          <a:xfrm flipH="false" flipV="false" rot="0">
-            <a:off x="-646086" y="6399494"/>
-            <a:ext cx="5568589" cy="7775011"/>
-          </a:xfrm>
-          <a:custGeom>
-            <a:avLst/>
-            <a:gdLst/>
-            <a:ahLst/>
-            <a:cxnLst/>
-            <a:rect r="r" b="b" t="t" l="l"/>
-            <a:pathLst>
-              <a:path h="7775011" w="5568589">
-                <a:moveTo>
-                  <a:pt x="0" y="0"/>
-                </a:moveTo>
-                <a:lnTo>
-                  <a:pt x="5568589" y="0"/>
-                </a:lnTo>
-                <a:lnTo>
-                  <a:pt x="5568589" y="7775012"/>
-                </a:lnTo>
-                <a:lnTo>
-                  <a:pt x="0" y="7775012"/>
-                </a:lnTo>
-                <a:lnTo>
-                  <a:pt x="0" y="0"/>
-                </a:lnTo>
-                <a:close/>
-              </a:path>
-            </a:pathLst>
-          </a:custGeom>
-          <a:blipFill>
-            <a:blip r:embed="rId5">
-              <a:extLst>
-                <a:ext uri="{96DAC541-7B7A-43D3-8B79-37D633B846F1}">
-                  <asvg:svgBlip xmlns:asvg="http://schemas.microsoft.com/office/drawing/2016/SVG/main" r:embed="rId6"/>
-                </a:ext>
-              </a:extLst>
-            </a:blip>
-            <a:stretch>
-              <a:fillRect l="0" t="0" r="0" b="0"/>
-            </a:stretch>
-          </a:blipFill>
-        </p:spPr>
-      </p:sp>
-      <p:sp>
-        <p:nvSpPr>
-          <p:cNvPr name="TextBox 7" id="7"/>
-          <p:cNvSpPr txBox="true"/>
-          <p:nvPr/>
-        </p:nvSpPr>
-        <p:spPr>
-          <a:xfrm rot="0">
-            <a:off x="2639791" y="2771781"/>
-            <a:ext cx="13760995" cy="4865330"/>
-          </a:xfrm>
-          <a:prstGeom prst="rect">
-            <a:avLst/>
-          </a:prstGeom>
-        </p:spPr>
-        <p:txBody>
-          <a:bodyPr anchor="t" rtlCol="false" tIns="0" lIns="0" bIns="0" rIns="0">
-            <a:spAutoFit/>
-          </a:bodyPr>
-          <a:lstStyle/>
-          <a:p>
-            <a:pPr algn="just">
-              <a:lnSpc>
-                <a:spcPts val="6483"/>
-              </a:lnSpc>
-            </a:pPr>
-            <a:r>
-              <a:rPr lang="en-US" sz="4631">
-                <a:solidFill>
-                  <a:srgbClr val="002B58"/>
-                </a:solidFill>
-                <a:latin typeface="Monda"/>
-                <a:ea typeface="Monda"/>
-                <a:cs typeface="Monda"/>
-                <a:sym typeface="Monda"/>
-              </a:rPr>
-              <a:t>• Customer support untuk pelacakan pelanggan</a:t>
-            </a:r>
-          </a:p>
-          <a:p>
-            <a:pPr algn="just">
-              <a:lnSpc>
-                <a:spcPts val="6483"/>
-              </a:lnSpc>
-            </a:pPr>
-            <a:r>
-              <a:rPr lang="en-US" sz="4631">
-                <a:solidFill>
-                  <a:srgbClr val="002B58"/>
-                </a:solidFill>
-                <a:latin typeface="Monda"/>
-                <a:ea typeface="Monda"/>
-                <a:cs typeface="Monda"/>
-                <a:sym typeface="Monda"/>
-              </a:rPr>
-              <a:t>• Pebisnis dan manajer proyek</a:t>
-            </a:r>
-          </a:p>
-          <a:p>
-            <a:pPr algn="just">
-              <a:lnSpc>
-                <a:spcPts val="6483"/>
-              </a:lnSpc>
-            </a:pPr>
-            <a:r>
-              <a:rPr lang="en-US" sz="4631">
-                <a:solidFill>
-                  <a:srgbClr val="002B58"/>
-                </a:solidFill>
-                <a:latin typeface="Monda"/>
-                <a:ea typeface="Monda"/>
-                <a:cs typeface="Monda"/>
-                <a:sym typeface="Monda"/>
-              </a:rPr>
-              <a:t>• Admin komunitas atau organisasi</a:t>
-            </a:r>
-          </a:p>
-          <a:p>
-            <a:pPr algn="just">
-              <a:lnSpc>
-                <a:spcPts val="6483"/>
-              </a:lnSpc>
-            </a:pPr>
-            <a:r>
-              <a:rPr lang="en-US" sz="4631">
-                <a:solidFill>
-                  <a:srgbClr val="002B58"/>
-                </a:solidFill>
-                <a:latin typeface="Monda"/>
-                <a:ea typeface="Monda"/>
-                <a:cs typeface="Monda"/>
-                <a:sym typeface="Monda"/>
-              </a:rPr>
-              <a:t>• Pengguna pribadi dengan kebutuhan pelacakan kontak</a:t>
-            </a:r>
-          </a:p>
-          <a:p>
-            <a:pPr algn="just">
-              <a:lnSpc>
-                <a:spcPts val="6483"/>
-              </a:lnSpc>
-            </a:pPr>
-          </a:p>
-        </p:txBody>
-      </p:sp>
-      <p:sp>
-        <p:nvSpPr>
-          <p:cNvPr name="TextBox 8" id="8"/>
-          <p:cNvSpPr txBox="true"/>
-          <p:nvPr/>
-        </p:nvSpPr>
-        <p:spPr>
-          <a:xfrm rot="0">
-            <a:off x="4213790" y="901612"/>
-            <a:ext cx="10612996" cy="1371231"/>
-          </a:xfrm>
-          <a:prstGeom prst="rect">
-            <a:avLst/>
-          </a:prstGeom>
-        </p:spPr>
-        <p:txBody>
-          <a:bodyPr anchor="t" rtlCol="false" tIns="0" lIns="0" bIns="0" rIns="0">
-            <a:spAutoFit/>
-          </a:bodyPr>
-          <a:lstStyle/>
-          <a:p>
-            <a:pPr algn="ctr">
-              <a:lnSpc>
-                <a:spcPts val="11248"/>
-              </a:lnSpc>
-            </a:pPr>
-            <a:r>
-              <a:rPr lang="en-US" b="true" sz="8034">
-                <a:solidFill>
-                  <a:srgbClr val="002B58"/>
-                </a:solidFill>
-                <a:latin typeface="Monda Bold"/>
-                <a:ea typeface="Monda Bold"/>
-                <a:cs typeface="Monda Bold"/>
-                <a:sym typeface="Monda Bold"/>
-              </a:rPr>
-              <a:t>TARGET PENGGUNA</a:t>
-            </a:r>
-          </a:p>
-        </p:txBody>
-      </p:sp>
-    </p:spTree>
-  </p:cSld>
-  <p:clrMapOvr>
-    <a:masterClrMapping/>
-  </p:clrMapOvr>
-</p:sld>
-</file>
-
-<file path=ppt/slides/slide5.xml><?xml version="1.0" encoding="utf-8"?>
-<p:sld xmlns:p="http://schemas.openxmlformats.org/presentationml/2006/main" xmlns:a="http://schemas.openxmlformats.org/drawingml/2006/main" xmlns:r="http://schemas.openxmlformats.org/officeDocument/2006/relationships">
-  <p:cSld>
-    <p:spTree>
-      <p:nvGrpSpPr>
-        <p:cNvPr id="1" name=""/>
-        <p:cNvGrpSpPr/>
-        <p:nvPr/>
-      </p:nvGrpSpPr>
-      <p:grpSpPr>
-        <a:xfrm>
-          <a:off x="0" y="0"/>
-          <a:ext cx="0" cy="0"/>
-          <a:chOff x="0" y="0"/>
-          <a:chExt cx="0" cy="0"/>
-        </a:xfrm>
-      </p:grpSpPr>
-      <p:sp>
-        <p:nvSpPr>
-          <p:cNvPr name="Freeform 2" id="2"/>
-          <p:cNvSpPr/>
-          <p:nvPr/>
-        </p:nvSpPr>
-        <p:spPr>
-          <a:xfrm flipH="false" flipV="false" rot="0">
-            <a:off x="0" y="0"/>
-            <a:ext cx="18288000" cy="10287000"/>
-          </a:xfrm>
-          <a:custGeom>
-            <a:avLst/>
-            <a:gdLst/>
-            <a:ahLst/>
-            <a:cxnLst/>
-            <a:rect r="r" b="b" t="t" l="l"/>
-            <a:pathLst>
-              <a:path h="10287000" w="18288000">
-                <a:moveTo>
-                  <a:pt x="0" y="0"/>
-                </a:moveTo>
-                <a:lnTo>
-                  <a:pt x="18288000" y="0"/>
-                </a:lnTo>
-                <a:lnTo>
-                  <a:pt x="18288000" y="10287000"/>
-                </a:lnTo>
-                <a:lnTo>
-                  <a:pt x="0" y="10287000"/>
-                </a:lnTo>
-                <a:lnTo>
-                  <a:pt x="0" y="0"/>
-                </a:lnTo>
-                <a:close/>
-              </a:path>
-            </a:pathLst>
-          </a:custGeom>
-          <a:blipFill>
-            <a:blip r:embed="rId2"/>
-            <a:stretch>
-              <a:fillRect l="0" t="-777" r="0" b="-777"/>
-            </a:stretch>
-          </a:blipFill>
-        </p:spPr>
-      </p:sp>
-      <p:sp>
-        <p:nvSpPr>
-          <p:cNvPr name="Freeform 3" id="3"/>
-          <p:cNvSpPr/>
-          <p:nvPr/>
-        </p:nvSpPr>
-        <p:spPr>
-          <a:xfrm flipH="true" flipV="false" rot="0">
-            <a:off x="10273278" y="5039691"/>
-            <a:ext cx="9295205" cy="5948931"/>
-          </a:xfrm>
-          <a:custGeom>
-            <a:avLst/>
-            <a:gdLst/>
-            <a:ahLst/>
-            <a:cxnLst/>
-            <a:rect r="r" b="b" t="t" l="l"/>
-            <a:pathLst>
-              <a:path h="5948931" w="9295205">
-                <a:moveTo>
-                  <a:pt x="9295205" y="0"/>
-                </a:moveTo>
-                <a:lnTo>
-                  <a:pt x="0" y="0"/>
-                </a:lnTo>
-                <a:lnTo>
-                  <a:pt x="0" y="5948932"/>
-                </a:lnTo>
-                <a:lnTo>
-                  <a:pt x="9295205" y="5948932"/>
-                </a:lnTo>
-                <a:lnTo>
-                  <a:pt x="9295205" y="0"/>
-                </a:lnTo>
-                <a:close/>
-              </a:path>
-            </a:pathLst>
-          </a:custGeom>
-          <a:blipFill>
-            <a:blip r:embed="rId3">
-              <a:extLst>
-                <a:ext uri="{96DAC541-7B7A-43D3-8B79-37D633B846F1}">
-                  <asvg:svgBlip xmlns:asvg="http://schemas.microsoft.com/office/drawing/2016/SVG/main" r:embed="rId4"/>
-                </a:ext>
-              </a:extLst>
-            </a:blip>
-            <a:stretch>
-              <a:fillRect l="0" t="0" r="0" b="0"/>
-            </a:stretch>
-          </a:blipFill>
-        </p:spPr>
-      </p:sp>
-      <p:sp>
-        <p:nvSpPr>
-          <p:cNvPr name="Freeform 4" id="4"/>
-          <p:cNvSpPr/>
-          <p:nvPr/>
-        </p:nvSpPr>
-        <p:spPr>
-          <a:xfrm flipH="false" flipV="true" rot="0">
-            <a:off x="-1280483" y="-701623"/>
-            <a:ext cx="9295205" cy="5948931"/>
-          </a:xfrm>
-          <a:custGeom>
-            <a:avLst/>
-            <a:gdLst/>
-            <a:ahLst/>
-            <a:cxnLst/>
-            <a:rect r="r" b="b" t="t" l="l"/>
-            <a:pathLst>
-              <a:path h="5948931" w="9295205">
-                <a:moveTo>
-                  <a:pt x="0" y="5948932"/>
-                </a:moveTo>
-                <a:lnTo>
-                  <a:pt x="9295205" y="5948932"/>
-                </a:lnTo>
-                <a:lnTo>
-                  <a:pt x="9295205" y="0"/>
-                </a:lnTo>
-                <a:lnTo>
-                  <a:pt x="0" y="0"/>
-                </a:lnTo>
-                <a:lnTo>
-                  <a:pt x="0" y="5948932"/>
-                </a:lnTo>
-                <a:close/>
-              </a:path>
-            </a:pathLst>
-          </a:custGeom>
-          <a:blipFill>
-            <a:blip r:embed="rId3">
-              <a:extLst>
-                <a:ext uri="{96DAC541-7B7A-43D3-8B79-37D633B846F1}">
-                  <asvg:svgBlip xmlns:asvg="http://schemas.microsoft.com/office/drawing/2016/SVG/main" r:embed="rId4"/>
-                </a:ext>
-              </a:extLst>
-            </a:blip>
-            <a:stretch>
-              <a:fillRect l="0" t="0" r="0" b="0"/>
-            </a:stretch>
-          </a:blipFill>
-        </p:spPr>
-      </p:sp>
-      <p:sp>
-        <p:nvSpPr>
-          <p:cNvPr name="Freeform 5" id="5"/>
-          <p:cNvSpPr/>
-          <p:nvPr/>
-        </p:nvSpPr>
-        <p:spPr>
-          <a:xfrm flipH="false" flipV="false" rot="0">
-            <a:off x="14790631" y="-3420266"/>
-            <a:ext cx="5568589" cy="7775011"/>
-          </a:xfrm>
-          <a:custGeom>
-            <a:avLst/>
-            <a:gdLst/>
-            <a:ahLst/>
-            <a:cxnLst/>
-            <a:rect r="r" b="b" t="t" l="l"/>
-            <a:pathLst>
-              <a:path h="7775011" w="5568589">
-                <a:moveTo>
-                  <a:pt x="0" y="0"/>
-                </a:moveTo>
-                <a:lnTo>
-                  <a:pt x="5568589" y="0"/>
-                </a:lnTo>
-                <a:lnTo>
-                  <a:pt x="5568589" y="7775011"/>
-                </a:lnTo>
-                <a:lnTo>
-                  <a:pt x="0" y="7775011"/>
-                </a:lnTo>
-                <a:lnTo>
-                  <a:pt x="0" y="0"/>
-                </a:lnTo>
-                <a:close/>
-              </a:path>
-            </a:pathLst>
-          </a:custGeom>
-          <a:blipFill>
-            <a:blip r:embed="rId5">
-              <a:extLst>
-                <a:ext uri="{96DAC541-7B7A-43D3-8B79-37D633B846F1}">
-                  <asvg:svgBlip xmlns:asvg="http://schemas.microsoft.com/office/drawing/2016/SVG/main" r:embed="rId6"/>
-                </a:ext>
-              </a:extLst>
-            </a:blip>
-            <a:stretch>
-              <a:fillRect l="0" t="0" r="0" b="0"/>
-            </a:stretch>
-          </a:blipFill>
-        </p:spPr>
-      </p:sp>
-      <p:sp>
-        <p:nvSpPr>
-          <p:cNvPr name="Freeform 6" id="6"/>
-          <p:cNvSpPr/>
-          <p:nvPr/>
-        </p:nvSpPr>
-        <p:spPr>
-          <a:xfrm flipH="false" flipV="false" rot="0">
-            <a:off x="-646086" y="6399494"/>
-            <a:ext cx="5568589" cy="7775011"/>
-          </a:xfrm>
-          <a:custGeom>
-            <a:avLst/>
-            <a:gdLst/>
-            <a:ahLst/>
-            <a:cxnLst/>
-            <a:rect r="r" b="b" t="t" l="l"/>
-            <a:pathLst>
-              <a:path h="7775011" w="5568589">
-                <a:moveTo>
-                  <a:pt x="0" y="0"/>
-                </a:moveTo>
-                <a:lnTo>
-                  <a:pt x="5568589" y="0"/>
-                </a:lnTo>
-                <a:lnTo>
-                  <a:pt x="5568589" y="7775012"/>
-                </a:lnTo>
-                <a:lnTo>
-                  <a:pt x="0" y="7775012"/>
-                </a:lnTo>
-                <a:lnTo>
-                  <a:pt x="0" y="0"/>
-                </a:lnTo>
-                <a:close/>
-              </a:path>
-            </a:pathLst>
-          </a:custGeom>
-          <a:blipFill>
-            <a:blip r:embed="rId5">
-              <a:extLst>
-                <a:ext uri="{96DAC541-7B7A-43D3-8B79-37D633B846F1}">
-                  <asvg:svgBlip xmlns:asvg="http://schemas.microsoft.com/office/drawing/2016/SVG/main" r:embed="rId6"/>
-                </a:ext>
-              </a:extLst>
-            </a:blip>
-            <a:stretch>
-              <a:fillRect l="0" t="0" r="0" b="0"/>
-            </a:stretch>
-          </a:blipFill>
-        </p:spPr>
-      </p:sp>
-      <p:sp>
-        <p:nvSpPr>
-          <p:cNvPr name="TextBox 7" id="7"/>
-          <p:cNvSpPr txBox="true"/>
-          <p:nvPr/>
-        </p:nvSpPr>
-        <p:spPr>
-          <a:xfrm rot="0">
-            <a:off x="4307884" y="386021"/>
-            <a:ext cx="9672231" cy="1371231"/>
-          </a:xfrm>
-          <a:prstGeom prst="rect">
-            <a:avLst/>
-          </a:prstGeom>
-        </p:spPr>
-        <p:txBody>
-          <a:bodyPr anchor="t" rtlCol="false" tIns="0" lIns="0" bIns="0" rIns="0">
-            <a:spAutoFit/>
-          </a:bodyPr>
-          <a:lstStyle/>
-          <a:p>
-            <a:pPr algn="ctr">
-              <a:lnSpc>
-                <a:spcPts val="11248"/>
-              </a:lnSpc>
-            </a:pPr>
-            <a:r>
-              <a:rPr lang="en-US" b="true" sz="8034">
-                <a:solidFill>
-                  <a:srgbClr val="002B58"/>
-                </a:solidFill>
-                <a:latin typeface="Monda Bold"/>
-                <a:ea typeface="Monda Bold"/>
-                <a:cs typeface="Monda Bold"/>
-                <a:sym typeface="Monda Bold"/>
-              </a:rPr>
-              <a:t>ANALISIS SWOT</a:t>
-            </a:r>
-          </a:p>
-        </p:txBody>
-      </p:sp>
-      <p:sp>
-        <p:nvSpPr>
-          <p:cNvPr name="TextBox 8" id="8"/>
-          <p:cNvSpPr txBox="true"/>
-          <p:nvPr/>
-        </p:nvSpPr>
-        <p:spPr>
-          <a:xfrm rot="0">
-            <a:off x="4139658" y="2360387"/>
-            <a:ext cx="4553661" cy="2668813"/>
-          </a:xfrm>
-          <a:prstGeom prst="rect">
-            <a:avLst/>
-          </a:prstGeom>
-        </p:spPr>
-        <p:txBody>
-          <a:bodyPr anchor="t" rtlCol="false" tIns="0" lIns="0" bIns="0" rIns="0">
-            <a:spAutoFit/>
-          </a:bodyPr>
-          <a:lstStyle/>
-          <a:p>
-            <a:pPr algn="just">
-              <a:lnSpc>
-                <a:spcPts val="3575"/>
-              </a:lnSpc>
-            </a:pPr>
-            <a:r>
-              <a:rPr lang="en-US" sz="2553">
-                <a:solidFill>
-                  <a:srgbClr val="002B58"/>
-                </a:solidFill>
-                <a:latin typeface="Monda"/>
-                <a:ea typeface="Monda"/>
-                <a:cs typeface="Monda"/>
-                <a:sym typeface="Monda"/>
-              </a:rPr>
-              <a:t>• Pencarian cepat dan akurat</a:t>
-            </a:r>
-          </a:p>
-          <a:p>
-            <a:pPr algn="just">
-              <a:lnSpc>
-                <a:spcPts val="3575"/>
-              </a:lnSpc>
-            </a:pPr>
-            <a:r>
-              <a:rPr lang="en-US" sz="2553">
-                <a:solidFill>
-                  <a:srgbClr val="002B58"/>
-                </a:solidFill>
-                <a:latin typeface="Monda"/>
-                <a:ea typeface="Monda"/>
-                <a:cs typeface="Monda"/>
-                <a:sym typeface="Monda"/>
-              </a:rPr>
-              <a:t>• Data tersimpan di cloud, akses dari mana saja</a:t>
-            </a:r>
-          </a:p>
-          <a:p>
-            <a:pPr algn="just">
-              <a:lnSpc>
-                <a:spcPts val="3575"/>
-              </a:lnSpc>
-            </a:pPr>
-            <a:r>
-              <a:rPr lang="en-US" sz="2553">
-                <a:solidFill>
-                  <a:srgbClr val="002B58"/>
-                </a:solidFill>
-                <a:latin typeface="Monda"/>
-                <a:ea typeface="Monda"/>
-                <a:cs typeface="Monda"/>
-                <a:sym typeface="Monda"/>
-              </a:rPr>
-              <a:t>• Tampilan bersih dan mudah digunakan</a:t>
-            </a:r>
-          </a:p>
-          <a:p>
-            <a:pPr algn="just">
-              <a:lnSpc>
-                <a:spcPts val="3575"/>
-              </a:lnSpc>
-            </a:pPr>
-          </a:p>
-        </p:txBody>
-      </p:sp>
-      <p:sp>
-        <p:nvSpPr>
-          <p:cNvPr name="Freeform 9" id="9"/>
-          <p:cNvSpPr/>
-          <p:nvPr/>
-        </p:nvSpPr>
-        <p:spPr>
-          <a:xfrm flipH="false" flipV="false" rot="0">
-            <a:off x="3367119" y="1757252"/>
-            <a:ext cx="587071" cy="650760"/>
-          </a:xfrm>
-          <a:custGeom>
-            <a:avLst/>
-            <a:gdLst/>
-            <a:ahLst/>
-            <a:cxnLst/>
-            <a:rect r="r" b="b" t="t" l="l"/>
-            <a:pathLst>
-              <a:path h="650760" w="587071">
-                <a:moveTo>
-                  <a:pt x="0" y="0"/>
-                </a:moveTo>
-                <a:lnTo>
-                  <a:pt x="587072" y="0"/>
-                </a:lnTo>
-                <a:lnTo>
-                  <a:pt x="587072" y="650760"/>
-                </a:lnTo>
-                <a:lnTo>
-                  <a:pt x="0" y="650760"/>
-                </a:lnTo>
-                <a:lnTo>
-                  <a:pt x="0" y="0"/>
-                </a:lnTo>
-                <a:close/>
-              </a:path>
-            </a:pathLst>
-          </a:custGeom>
-          <a:blipFill>
-            <a:blip r:embed="rId7">
-              <a:extLst>
-                <a:ext uri="{96DAC541-7B7A-43D3-8B79-37D633B846F1}">
-                  <asvg:svgBlip xmlns:asvg="http://schemas.microsoft.com/office/drawing/2016/SVG/main" r:embed="rId8"/>
-                </a:ext>
-              </a:extLst>
-            </a:blip>
-            <a:stretch>
-              <a:fillRect l="0" t="0" r="0" b="0"/>
-            </a:stretch>
-          </a:blipFill>
-        </p:spPr>
-      </p:sp>
-      <p:sp>
-        <p:nvSpPr>
-          <p:cNvPr name="TextBox 10" id="10"/>
-          <p:cNvSpPr txBox="true"/>
-          <p:nvPr/>
-        </p:nvSpPr>
-        <p:spPr>
-          <a:xfrm rot="0">
-            <a:off x="4139658" y="1709627"/>
-            <a:ext cx="4553661" cy="438785"/>
-          </a:xfrm>
-          <a:prstGeom prst="rect">
-            <a:avLst/>
-          </a:prstGeom>
-        </p:spPr>
-        <p:txBody>
-          <a:bodyPr anchor="t" rtlCol="false" tIns="0" lIns="0" bIns="0" rIns="0">
-            <a:spAutoFit/>
-          </a:bodyPr>
-          <a:lstStyle/>
-          <a:p>
-            <a:pPr algn="just">
-              <a:lnSpc>
-                <a:spcPts val="3639"/>
-              </a:lnSpc>
-            </a:pPr>
-            <a:r>
-              <a:rPr lang="en-US" b="true" sz="2599">
-                <a:solidFill>
-                  <a:srgbClr val="002B58"/>
-                </a:solidFill>
-                <a:latin typeface="Monda Bold"/>
-                <a:ea typeface="Monda Bold"/>
-                <a:cs typeface="Monda Bold"/>
-                <a:sym typeface="Monda Bold"/>
-              </a:rPr>
-              <a:t>STRENGTHS (KEKUATAN)</a:t>
-            </a:r>
-          </a:p>
-        </p:txBody>
-      </p:sp>
-      <p:sp>
-        <p:nvSpPr>
-          <p:cNvPr name="TextBox 11" id="11"/>
-          <p:cNvSpPr txBox="true"/>
-          <p:nvPr/>
-        </p:nvSpPr>
-        <p:spPr>
-          <a:xfrm rot="0">
-            <a:off x="9912046" y="2459670"/>
-            <a:ext cx="4553661" cy="2221138"/>
-          </a:xfrm>
-          <a:prstGeom prst="rect">
-            <a:avLst/>
-          </a:prstGeom>
-        </p:spPr>
-        <p:txBody>
-          <a:bodyPr anchor="t" rtlCol="false" tIns="0" lIns="0" bIns="0" rIns="0">
-            <a:spAutoFit/>
-          </a:bodyPr>
-          <a:lstStyle/>
-          <a:p>
-            <a:pPr algn="just">
-              <a:lnSpc>
-                <a:spcPts val="3575"/>
-              </a:lnSpc>
-            </a:pPr>
-            <a:r>
-              <a:rPr lang="en-US" sz="2553">
-                <a:solidFill>
-                  <a:srgbClr val="002B58"/>
-                </a:solidFill>
-                <a:latin typeface="Monda"/>
-                <a:ea typeface="Monda"/>
-                <a:cs typeface="Monda"/>
-                <a:sym typeface="Monda"/>
-              </a:rPr>
-              <a:t>• Ketergantungan internet</a:t>
-            </a:r>
-          </a:p>
-          <a:p>
-            <a:pPr algn="just">
-              <a:lnSpc>
-                <a:spcPts val="3575"/>
-              </a:lnSpc>
-            </a:pPr>
-            <a:r>
-              <a:rPr lang="en-US" sz="2553">
-                <a:solidFill>
-                  <a:srgbClr val="002B58"/>
-                </a:solidFill>
-                <a:latin typeface="Monda"/>
-                <a:ea typeface="Monda"/>
-                <a:cs typeface="Monda"/>
-                <a:sym typeface="Monda"/>
-              </a:rPr>
-              <a:t>• Privasi dan keamanan data</a:t>
-            </a:r>
-          </a:p>
-          <a:p>
-            <a:pPr algn="just">
-              <a:lnSpc>
-                <a:spcPts val="3575"/>
-              </a:lnSpc>
-            </a:pPr>
-            <a:r>
-              <a:rPr lang="en-US" sz="2553">
-                <a:solidFill>
-                  <a:srgbClr val="002B58"/>
-                </a:solidFill>
-                <a:latin typeface="Monda"/>
-                <a:ea typeface="Monda"/>
-                <a:cs typeface="Monda"/>
-                <a:sym typeface="Monda"/>
-              </a:rPr>
-              <a:t>• Perlu verifikasi kontak tak dikenal</a:t>
-            </a:r>
-          </a:p>
-          <a:p>
-            <a:pPr algn="just">
-              <a:lnSpc>
-                <a:spcPts val="3575"/>
-              </a:lnSpc>
-            </a:pPr>
-          </a:p>
-        </p:txBody>
-      </p:sp>
-      <p:sp>
-        <p:nvSpPr>
-          <p:cNvPr name="Freeform 12" id="12"/>
-          <p:cNvSpPr/>
-          <p:nvPr/>
-        </p:nvSpPr>
-        <p:spPr>
-          <a:xfrm flipH="false" flipV="false" rot="0">
-            <a:off x="9144000" y="1757252"/>
-            <a:ext cx="587071" cy="650760"/>
-          </a:xfrm>
-          <a:custGeom>
-            <a:avLst/>
-            <a:gdLst/>
-            <a:ahLst/>
-            <a:cxnLst/>
-            <a:rect r="r" b="b" t="t" l="l"/>
-            <a:pathLst>
-              <a:path h="650760" w="587071">
-                <a:moveTo>
-                  <a:pt x="0" y="0"/>
-                </a:moveTo>
-                <a:lnTo>
-                  <a:pt x="587071" y="0"/>
-                </a:lnTo>
-                <a:lnTo>
-                  <a:pt x="587071" y="650760"/>
-                </a:lnTo>
-                <a:lnTo>
-                  <a:pt x="0" y="650760"/>
-                </a:lnTo>
-                <a:lnTo>
-                  <a:pt x="0" y="0"/>
-                </a:lnTo>
-                <a:close/>
-              </a:path>
-            </a:pathLst>
-          </a:custGeom>
-          <a:blipFill>
-            <a:blip r:embed="rId7">
-              <a:extLst>
-                <a:ext uri="{96DAC541-7B7A-43D3-8B79-37D633B846F1}">
-                  <asvg:svgBlip xmlns:asvg="http://schemas.microsoft.com/office/drawing/2016/SVG/main" r:embed="rId8"/>
-                </a:ext>
-              </a:extLst>
-            </a:blip>
-            <a:stretch>
-              <a:fillRect l="0" t="0" r="0" b="0"/>
-            </a:stretch>
-          </a:blipFill>
-        </p:spPr>
-      </p:sp>
-      <p:sp>
-        <p:nvSpPr>
-          <p:cNvPr name="TextBox 13" id="13"/>
-          <p:cNvSpPr txBox="true"/>
-          <p:nvPr/>
-        </p:nvSpPr>
-        <p:spPr>
-          <a:xfrm rot="0">
-            <a:off x="9912046" y="1709627"/>
-            <a:ext cx="5512389" cy="438785"/>
-          </a:xfrm>
-          <a:prstGeom prst="rect">
-            <a:avLst/>
-          </a:prstGeom>
-        </p:spPr>
-        <p:txBody>
-          <a:bodyPr anchor="t" rtlCol="false" tIns="0" lIns="0" bIns="0" rIns="0">
-            <a:spAutoFit/>
-          </a:bodyPr>
-          <a:lstStyle/>
-          <a:p>
-            <a:pPr algn="l">
-              <a:lnSpc>
-                <a:spcPts val="3639"/>
-              </a:lnSpc>
-            </a:pPr>
-            <a:r>
-              <a:rPr lang="en-US" sz="2599" b="true">
-                <a:solidFill>
-                  <a:srgbClr val="002B58"/>
-                </a:solidFill>
-                <a:latin typeface="Monda Bold"/>
-                <a:ea typeface="Monda Bold"/>
-                <a:cs typeface="Monda Bold"/>
-                <a:sym typeface="Monda Bold"/>
-              </a:rPr>
-              <a:t>WEAKNESSES (KELEMAHAN)</a:t>
-            </a:r>
-          </a:p>
-        </p:txBody>
-      </p:sp>
-      <p:sp>
-        <p:nvSpPr>
-          <p:cNvPr name="Freeform 14" id="14"/>
-          <p:cNvSpPr/>
-          <p:nvPr/>
-        </p:nvSpPr>
-        <p:spPr>
-          <a:xfrm flipH="false" flipV="false" rot="0">
-            <a:off x="9144000" y="5143500"/>
-            <a:ext cx="587071" cy="650760"/>
-          </a:xfrm>
-          <a:custGeom>
-            <a:avLst/>
-            <a:gdLst/>
-            <a:ahLst/>
-            <a:cxnLst/>
-            <a:rect r="r" b="b" t="t" l="l"/>
-            <a:pathLst>
-              <a:path h="650760" w="587071">
-                <a:moveTo>
-                  <a:pt x="0" y="0"/>
-                </a:moveTo>
-                <a:lnTo>
-                  <a:pt x="587071" y="0"/>
-                </a:lnTo>
-                <a:lnTo>
-                  <a:pt x="587071" y="650760"/>
-                </a:lnTo>
-                <a:lnTo>
-                  <a:pt x="0" y="650760"/>
-                </a:lnTo>
-                <a:lnTo>
-                  <a:pt x="0" y="0"/>
-                </a:lnTo>
-                <a:close/>
-              </a:path>
-            </a:pathLst>
-          </a:custGeom>
-          <a:blipFill>
-            <a:blip r:embed="rId7">
-              <a:extLst>
-                <a:ext uri="{96DAC541-7B7A-43D3-8B79-37D633B846F1}">
-                  <asvg:svgBlip xmlns:asvg="http://schemas.microsoft.com/office/drawing/2016/SVG/main" r:embed="rId8"/>
-                </a:ext>
-              </a:extLst>
-            </a:blip>
-            <a:stretch>
-              <a:fillRect l="0" t="0" r="0" b="0"/>
-            </a:stretch>
-          </a:blipFill>
-        </p:spPr>
-      </p:sp>
-      <p:sp>
-        <p:nvSpPr>
-          <p:cNvPr name="Freeform 15" id="15"/>
-          <p:cNvSpPr/>
-          <p:nvPr/>
-        </p:nvSpPr>
-        <p:spPr>
-          <a:xfrm flipH="false" flipV="false" rot="0">
-            <a:off x="3367119" y="5143500"/>
-            <a:ext cx="587071" cy="650760"/>
-          </a:xfrm>
-          <a:custGeom>
-            <a:avLst/>
-            <a:gdLst/>
-            <a:ahLst/>
-            <a:cxnLst/>
-            <a:rect r="r" b="b" t="t" l="l"/>
-            <a:pathLst>
-              <a:path h="650760" w="587071">
-                <a:moveTo>
-                  <a:pt x="0" y="0"/>
-                </a:moveTo>
-                <a:lnTo>
-                  <a:pt x="587072" y="0"/>
-                </a:lnTo>
-                <a:lnTo>
-                  <a:pt x="587072" y="650760"/>
-                </a:lnTo>
-                <a:lnTo>
-                  <a:pt x="0" y="650760"/>
-                </a:lnTo>
-                <a:lnTo>
-                  <a:pt x="0" y="0"/>
-                </a:lnTo>
-                <a:close/>
-              </a:path>
-            </a:pathLst>
-          </a:custGeom>
-          <a:blipFill>
-            <a:blip r:embed="rId7">
-              <a:extLst>
-                <a:ext uri="{96DAC541-7B7A-43D3-8B79-37D633B846F1}">
-                  <asvg:svgBlip xmlns:asvg="http://schemas.microsoft.com/office/drawing/2016/SVG/main" r:embed="rId8"/>
-                </a:ext>
-              </a:extLst>
-            </a:blip>
-            <a:stretch>
-              <a:fillRect l="0" t="0" r="0" b="0"/>
-            </a:stretch>
-          </a:blipFill>
-        </p:spPr>
-      </p:sp>
-      <p:sp>
-        <p:nvSpPr>
-          <p:cNvPr name="TextBox 16" id="16"/>
-          <p:cNvSpPr txBox="true"/>
-          <p:nvPr/>
-        </p:nvSpPr>
-        <p:spPr>
-          <a:xfrm rot="0">
-            <a:off x="4139658" y="4997075"/>
-            <a:ext cx="5004342" cy="438785"/>
-          </a:xfrm>
-          <a:prstGeom prst="rect">
-            <a:avLst/>
-          </a:prstGeom>
-        </p:spPr>
-        <p:txBody>
-          <a:bodyPr anchor="t" rtlCol="false" tIns="0" lIns="0" bIns="0" rIns="0">
-            <a:spAutoFit/>
-          </a:bodyPr>
-          <a:lstStyle/>
-          <a:p>
-            <a:pPr algn="just">
-              <a:lnSpc>
-                <a:spcPts val="3639"/>
-              </a:lnSpc>
-            </a:pPr>
-            <a:r>
-              <a:rPr lang="en-US" b="true" sz="2599">
-                <a:solidFill>
-                  <a:srgbClr val="002B58"/>
-                </a:solidFill>
-                <a:latin typeface="Monda Bold"/>
-                <a:ea typeface="Monda Bold"/>
-                <a:cs typeface="Monda Bold"/>
-                <a:sym typeface="Monda Bold"/>
-              </a:rPr>
-              <a:t>OPPORTUNITIES (PELUANG)</a:t>
-            </a:r>
-          </a:p>
-        </p:txBody>
-      </p:sp>
-      <p:sp>
-        <p:nvSpPr>
-          <p:cNvPr name="TextBox 17" id="17"/>
-          <p:cNvSpPr txBox="true"/>
-          <p:nvPr/>
-        </p:nvSpPr>
-        <p:spPr>
-          <a:xfrm rot="0">
-            <a:off x="9912046" y="5095875"/>
-            <a:ext cx="4553661" cy="438785"/>
-          </a:xfrm>
-          <a:prstGeom prst="rect">
-            <a:avLst/>
-          </a:prstGeom>
-        </p:spPr>
-        <p:txBody>
-          <a:bodyPr anchor="t" rtlCol="false" tIns="0" lIns="0" bIns="0" rIns="0">
-            <a:spAutoFit/>
-          </a:bodyPr>
-          <a:lstStyle/>
-          <a:p>
-            <a:pPr algn="just">
-              <a:lnSpc>
-                <a:spcPts val="3639"/>
-              </a:lnSpc>
-            </a:pPr>
-            <a:r>
-              <a:rPr lang="en-US" b="true" sz="2599">
-                <a:solidFill>
-                  <a:srgbClr val="002B58"/>
-                </a:solidFill>
-                <a:latin typeface="Monda Bold"/>
-                <a:ea typeface="Monda Bold"/>
-                <a:cs typeface="Monda Bold"/>
-                <a:sym typeface="Monda Bold"/>
-              </a:rPr>
-              <a:t>THREATS (ANCAMAN)</a:t>
-            </a:r>
-          </a:p>
-        </p:txBody>
-      </p:sp>
-      <p:sp>
-        <p:nvSpPr>
-          <p:cNvPr name="TextBox 18" id="18"/>
-          <p:cNvSpPr txBox="true"/>
-          <p:nvPr/>
-        </p:nvSpPr>
-        <p:spPr>
-          <a:xfrm rot="0">
-            <a:off x="4139658" y="5645410"/>
-            <a:ext cx="4553661" cy="2668813"/>
-          </a:xfrm>
-          <a:prstGeom prst="rect">
-            <a:avLst/>
-          </a:prstGeom>
-        </p:spPr>
-        <p:txBody>
-          <a:bodyPr anchor="t" rtlCol="false" tIns="0" lIns="0" bIns="0" rIns="0">
-            <a:spAutoFit/>
-          </a:bodyPr>
-          <a:lstStyle/>
-          <a:p>
-            <a:pPr algn="just">
-              <a:lnSpc>
-                <a:spcPts val="3575"/>
-              </a:lnSpc>
-            </a:pPr>
-            <a:r>
-              <a:rPr lang="en-US" sz="2553">
-                <a:solidFill>
-                  <a:srgbClr val="002B58"/>
-                </a:solidFill>
-                <a:latin typeface="Monda"/>
-                <a:ea typeface="Monda"/>
-                <a:cs typeface="Monda"/>
-                <a:sym typeface="Monda"/>
-              </a:rPr>
-              <a:t>•Integrasi WhatsApp/CRM/Email</a:t>
-            </a:r>
-          </a:p>
-          <a:p>
-            <a:pPr algn="just">
-              <a:lnSpc>
-                <a:spcPts val="3575"/>
-              </a:lnSpc>
-            </a:pPr>
-            <a:r>
-              <a:rPr lang="en-US" sz="2553">
-                <a:solidFill>
-                  <a:srgbClr val="002B58"/>
-                </a:solidFill>
-                <a:latin typeface="Monda"/>
-                <a:ea typeface="Monda"/>
-                <a:cs typeface="Monda"/>
-                <a:sym typeface="Monda"/>
-              </a:rPr>
-              <a:t>•Fitur pelacakan lokasi terakhir</a:t>
-            </a:r>
-          </a:p>
-          <a:p>
-            <a:pPr algn="just">
-              <a:lnSpc>
-                <a:spcPts val="3575"/>
-              </a:lnSpc>
-            </a:pPr>
-            <a:r>
-              <a:rPr lang="en-US" sz="2553">
-                <a:solidFill>
-                  <a:srgbClr val="002B58"/>
-                </a:solidFill>
-                <a:latin typeface="Monda"/>
-                <a:ea typeface="Monda"/>
-                <a:cs typeface="Monda"/>
-                <a:sym typeface="Monda"/>
-              </a:rPr>
-              <a:t>•Potensi aplikasi mobile</a:t>
-            </a:r>
-          </a:p>
-          <a:p>
-            <a:pPr algn="just">
-              <a:lnSpc>
-                <a:spcPts val="3575"/>
-              </a:lnSpc>
-            </a:pPr>
-          </a:p>
-        </p:txBody>
-      </p:sp>
-      <p:sp>
-        <p:nvSpPr>
-          <p:cNvPr name="TextBox 19" id="19"/>
-          <p:cNvSpPr txBox="true"/>
-          <p:nvPr/>
-        </p:nvSpPr>
-        <p:spPr>
-          <a:xfrm rot="0">
-            <a:off x="9912046" y="5746635"/>
-            <a:ext cx="4553661" cy="2668813"/>
-          </a:xfrm>
-          <a:prstGeom prst="rect">
-            <a:avLst/>
-          </a:prstGeom>
-        </p:spPr>
-        <p:txBody>
-          <a:bodyPr anchor="t" rtlCol="false" tIns="0" lIns="0" bIns="0" rIns="0">
-            <a:spAutoFit/>
-          </a:bodyPr>
-          <a:lstStyle/>
-          <a:p>
-            <a:pPr algn="just">
-              <a:lnSpc>
-                <a:spcPts val="3575"/>
-              </a:lnSpc>
-            </a:pPr>
-            <a:r>
-              <a:rPr lang="en-US" sz="2553">
-                <a:solidFill>
-                  <a:srgbClr val="002B58"/>
-                </a:solidFill>
-                <a:latin typeface="Monda"/>
-                <a:ea typeface="Monda"/>
-                <a:cs typeface="Monda"/>
-                <a:sym typeface="Monda"/>
-              </a:rPr>
-              <a:t>•Persaingan dengan CRM besar</a:t>
-            </a:r>
-          </a:p>
-          <a:p>
-            <a:pPr algn="just">
-              <a:lnSpc>
-                <a:spcPts val="3575"/>
-              </a:lnSpc>
-            </a:pPr>
-            <a:r>
-              <a:rPr lang="en-US" sz="2553">
-                <a:solidFill>
-                  <a:srgbClr val="002B58"/>
-                </a:solidFill>
-                <a:latin typeface="Monda"/>
-                <a:ea typeface="Monda"/>
-                <a:cs typeface="Monda"/>
-                <a:sym typeface="Monda"/>
-              </a:rPr>
-              <a:t>•Risiko penyalahgunaan data</a:t>
-            </a:r>
-          </a:p>
-          <a:p>
-            <a:pPr algn="just">
-              <a:lnSpc>
-                <a:spcPts val="3575"/>
-              </a:lnSpc>
-            </a:pPr>
-            <a:r>
-              <a:rPr lang="en-US" sz="2553">
-                <a:solidFill>
-                  <a:srgbClr val="002B58"/>
-                </a:solidFill>
-                <a:latin typeface="Monda"/>
-                <a:ea typeface="Monda"/>
-                <a:cs typeface="Monda"/>
-                <a:sym typeface="Monda"/>
-              </a:rPr>
-              <a:t>•Regulasi perlindungan data (GDPR, dll)</a:t>
-            </a:r>
-          </a:p>
-          <a:p>
-            <a:pPr algn="just">
-              <a:lnSpc>
-                <a:spcPts val="3575"/>
-              </a:lnSpc>
-            </a:pPr>
-          </a:p>
-        </p:txBody>
-      </p:sp>
-    </p:spTree>
-  </p:cSld>
-  <p:clrMapOvr>
-    <a:masterClrMapping/>
-  </p:clrMapOvr>
-</p:sld>
-</file>
-
-<file path=ppt/slides/slide6.xml><?xml version="1.0" encoding="utf-8"?>
-<p:sld xmlns:p="http://schemas.openxmlformats.org/presentationml/2006/main" xmlns:a="http://schemas.openxmlformats.org/drawingml/2006/main" xmlns:r="http://schemas.openxmlformats.org/officeDocument/2006/relationships">
-  <p:cSld>
-    <p:spTree>
-      <p:nvGrpSpPr>
-        <p:cNvPr id="1" name=""/>
-        <p:cNvGrpSpPr/>
-        <p:nvPr/>
-      </p:nvGrpSpPr>
-      <p:grpSpPr>
-        <a:xfrm>
-          <a:off x="0" y="0"/>
-          <a:ext cx="0" cy="0"/>
-          <a:chOff x="0" y="0"/>
-          <a:chExt cx="0" cy="0"/>
-        </a:xfrm>
-      </p:grpSpPr>
-      <p:sp>
-        <p:nvSpPr>
-          <p:cNvPr name="Freeform 2" id="2"/>
-          <p:cNvSpPr/>
-          <p:nvPr/>
-        </p:nvSpPr>
-        <p:spPr>
-          <a:xfrm flipH="false" flipV="false" rot="0">
-            <a:off x="0" y="0"/>
-            <a:ext cx="18288000" cy="10287000"/>
-          </a:xfrm>
-          <a:custGeom>
-            <a:avLst/>
-            <a:gdLst/>
-            <a:ahLst/>
-            <a:cxnLst/>
-            <a:rect r="r" b="b" t="t" l="l"/>
-            <a:pathLst>
-              <a:path h="10287000" w="18288000">
-                <a:moveTo>
-                  <a:pt x="0" y="0"/>
-                </a:moveTo>
-                <a:lnTo>
-                  <a:pt x="18288000" y="0"/>
-                </a:lnTo>
-                <a:lnTo>
-                  <a:pt x="18288000" y="10287000"/>
-                </a:lnTo>
-                <a:lnTo>
-                  <a:pt x="0" y="10287000"/>
-                </a:lnTo>
-                <a:lnTo>
-                  <a:pt x="0" y="0"/>
-                </a:lnTo>
-                <a:close/>
-              </a:path>
-            </a:pathLst>
-          </a:custGeom>
-          <a:blipFill>
-            <a:blip r:embed="rId2"/>
-            <a:stretch>
-              <a:fillRect l="0" t="-777" r="0" b="-777"/>
-            </a:stretch>
-          </a:blipFill>
-        </p:spPr>
-      </p:sp>
-      <p:sp>
-        <p:nvSpPr>
-          <p:cNvPr name="Freeform 3" id="3"/>
-          <p:cNvSpPr/>
-          <p:nvPr/>
-        </p:nvSpPr>
-        <p:spPr>
-          <a:xfrm flipH="true" flipV="false" rot="0">
-            <a:off x="10273278" y="5039691"/>
-            <a:ext cx="9295205" cy="5948931"/>
-          </a:xfrm>
-          <a:custGeom>
-            <a:avLst/>
-            <a:gdLst/>
-            <a:ahLst/>
-            <a:cxnLst/>
-            <a:rect r="r" b="b" t="t" l="l"/>
-            <a:pathLst>
-              <a:path h="5948931" w="9295205">
-                <a:moveTo>
-                  <a:pt x="9295205" y="0"/>
-                </a:moveTo>
-                <a:lnTo>
-                  <a:pt x="0" y="0"/>
-                </a:lnTo>
-                <a:lnTo>
-                  <a:pt x="0" y="5948932"/>
-                </a:lnTo>
-                <a:lnTo>
-                  <a:pt x="9295205" y="5948932"/>
-                </a:lnTo>
-                <a:lnTo>
-                  <a:pt x="9295205" y="0"/>
-                </a:lnTo>
-                <a:close/>
-              </a:path>
-            </a:pathLst>
-          </a:custGeom>
-          <a:blipFill>
-            <a:blip r:embed="rId3">
-              <a:extLst>
-                <a:ext uri="{96DAC541-7B7A-43D3-8B79-37D633B846F1}">
-                  <asvg:svgBlip xmlns:asvg="http://schemas.microsoft.com/office/drawing/2016/SVG/main" r:embed="rId4"/>
-                </a:ext>
-              </a:extLst>
-            </a:blip>
-            <a:stretch>
-              <a:fillRect l="0" t="0" r="0" b="0"/>
-            </a:stretch>
-          </a:blipFill>
-        </p:spPr>
-      </p:sp>
-      <p:sp>
-        <p:nvSpPr>
-          <p:cNvPr name="Freeform 4" id="4"/>
-          <p:cNvSpPr/>
-          <p:nvPr/>
-        </p:nvSpPr>
-        <p:spPr>
-          <a:xfrm flipH="false" flipV="true" rot="0">
-            <a:off x="-1280483" y="-701623"/>
-            <a:ext cx="9295205" cy="5948931"/>
-          </a:xfrm>
-          <a:custGeom>
-            <a:avLst/>
-            <a:gdLst/>
-            <a:ahLst/>
-            <a:cxnLst/>
-            <a:rect r="r" b="b" t="t" l="l"/>
-            <a:pathLst>
-              <a:path h="5948931" w="9295205">
-                <a:moveTo>
-                  <a:pt x="0" y="5948932"/>
-                </a:moveTo>
-                <a:lnTo>
-                  <a:pt x="9295205" y="5948932"/>
-                </a:lnTo>
-                <a:lnTo>
-                  <a:pt x="9295205" y="0"/>
-                </a:lnTo>
-                <a:lnTo>
-                  <a:pt x="0" y="0"/>
-                </a:lnTo>
-                <a:lnTo>
-                  <a:pt x="0" y="5948932"/>
-                </a:lnTo>
-                <a:close/>
-              </a:path>
-            </a:pathLst>
-          </a:custGeom>
-          <a:blipFill>
-            <a:blip r:embed="rId3">
-              <a:extLst>
-                <a:ext uri="{96DAC541-7B7A-43D3-8B79-37D633B846F1}">
-                  <asvg:svgBlip xmlns:asvg="http://schemas.microsoft.com/office/drawing/2016/SVG/main" r:embed="rId4"/>
-                </a:ext>
-              </a:extLst>
-            </a:blip>
-            <a:stretch>
-              <a:fillRect l="0" t="0" r="0" b="0"/>
-            </a:stretch>
-          </a:blipFill>
-        </p:spPr>
-      </p:sp>
-      <p:sp>
-        <p:nvSpPr>
-          <p:cNvPr name="Freeform 5" id="5"/>
-          <p:cNvSpPr/>
-          <p:nvPr/>
-        </p:nvSpPr>
-        <p:spPr>
-          <a:xfrm flipH="false" flipV="false" rot="0">
-            <a:off x="14790631" y="-3420266"/>
-            <a:ext cx="5568589" cy="7775011"/>
-          </a:xfrm>
-          <a:custGeom>
-            <a:avLst/>
-            <a:gdLst/>
-            <a:ahLst/>
-            <a:cxnLst/>
-            <a:rect r="r" b="b" t="t" l="l"/>
-            <a:pathLst>
-              <a:path h="7775011" w="5568589">
-                <a:moveTo>
-                  <a:pt x="0" y="0"/>
-                </a:moveTo>
-                <a:lnTo>
-                  <a:pt x="5568589" y="0"/>
-                </a:lnTo>
-                <a:lnTo>
-                  <a:pt x="5568589" y="7775011"/>
-                </a:lnTo>
-                <a:lnTo>
-                  <a:pt x="0" y="7775011"/>
-                </a:lnTo>
-                <a:lnTo>
-                  <a:pt x="0" y="0"/>
-                </a:lnTo>
-                <a:close/>
-              </a:path>
-            </a:pathLst>
-          </a:custGeom>
-          <a:blipFill>
-            <a:blip r:embed="rId5">
-              <a:extLst>
-                <a:ext uri="{96DAC541-7B7A-43D3-8B79-37D633B846F1}">
-                  <asvg:svgBlip xmlns:asvg="http://schemas.microsoft.com/office/drawing/2016/SVG/main" r:embed="rId6"/>
-                </a:ext>
-              </a:extLst>
-            </a:blip>
-            <a:stretch>
-              <a:fillRect l="0" t="0" r="0" b="0"/>
-            </a:stretch>
-          </a:blipFill>
-        </p:spPr>
-      </p:sp>
-      <p:sp>
-        <p:nvSpPr>
-          <p:cNvPr name="Freeform 6" id="6"/>
-          <p:cNvSpPr/>
-          <p:nvPr/>
-        </p:nvSpPr>
-        <p:spPr>
-          <a:xfrm flipH="false" flipV="false" rot="0">
-            <a:off x="-646086" y="6399494"/>
-            <a:ext cx="5568589" cy="7775011"/>
-          </a:xfrm>
-          <a:custGeom>
-            <a:avLst/>
-            <a:gdLst/>
-            <a:ahLst/>
-            <a:cxnLst/>
-            <a:rect r="r" b="b" t="t" l="l"/>
-            <a:pathLst>
-              <a:path h="7775011" w="5568589">
-                <a:moveTo>
-                  <a:pt x="0" y="0"/>
-                </a:moveTo>
-                <a:lnTo>
-                  <a:pt x="5568589" y="0"/>
-                </a:lnTo>
-                <a:lnTo>
-                  <a:pt x="5568589" y="7775012"/>
-                </a:lnTo>
-                <a:lnTo>
-                  <a:pt x="0" y="7775012"/>
-                </a:lnTo>
-                <a:lnTo>
-                  <a:pt x="0" y="0"/>
-                </a:lnTo>
-                <a:close/>
-              </a:path>
-            </a:pathLst>
-          </a:custGeom>
-          <a:blipFill>
-            <a:blip r:embed="rId5">
-              <a:extLst>
-                <a:ext uri="{96DAC541-7B7A-43D3-8B79-37D633B846F1}">
-                  <asvg:svgBlip xmlns:asvg="http://schemas.microsoft.com/office/drawing/2016/SVG/main" r:embed="rId6"/>
-                </a:ext>
-              </a:extLst>
-            </a:blip>
-            <a:stretch>
-              <a:fillRect l="0" t="0" r="0" b="0"/>
-            </a:stretch>
-          </a:blipFill>
-        </p:spPr>
-      </p:sp>
-      <p:sp>
-        <p:nvSpPr>
-          <p:cNvPr name="Freeform 7" id="7"/>
-          <p:cNvSpPr/>
-          <p:nvPr/>
-        </p:nvSpPr>
-        <p:spPr>
-          <a:xfrm flipH="false" flipV="false" rot="0">
-            <a:off x="6066644" y="524579"/>
-            <a:ext cx="6154712" cy="9237842"/>
-          </a:xfrm>
-          <a:custGeom>
-            <a:avLst/>
-            <a:gdLst/>
-            <a:ahLst/>
-            <a:cxnLst/>
-            <a:rect r="r" b="b" t="t" l="l"/>
-            <a:pathLst>
-              <a:path h="9237842" w="6154712">
-                <a:moveTo>
-                  <a:pt x="0" y="0"/>
-                </a:moveTo>
-                <a:lnTo>
-                  <a:pt x="6154712" y="0"/>
-                </a:lnTo>
-                <a:lnTo>
-                  <a:pt x="6154712" y="9237842"/>
-                </a:lnTo>
-                <a:lnTo>
-                  <a:pt x="0" y="9237842"/>
-                </a:lnTo>
-                <a:lnTo>
-                  <a:pt x="0" y="0"/>
-                </a:lnTo>
-                <a:close/>
-              </a:path>
-            </a:pathLst>
-          </a:custGeom>
-          <a:blipFill>
-            <a:blip r:embed="rId7"/>
-            <a:stretch>
-              <a:fillRect l="0" t="0" r="0" b="0"/>
-            </a:stretch>
-          </a:blipFill>
-        </p:spPr>
-      </p:sp>
-    </p:spTree>
-  </p:cSld>
-  <p:clrMapOvr>
-    <a:masterClrMapping/>
-  </p:clrMapOvr>
-</p:sld>
-</file>
-
-<file path=ppt/slides/slide7.xml><?xml version="1.0" encoding="utf-8"?>
-<p:sld xmlns:p="http://schemas.openxmlformats.org/presentationml/2006/main" xmlns:a="http://schemas.openxmlformats.org/drawingml/2006/main" xmlns:r="http://schemas.openxmlformats.org/officeDocument/2006/relationships">
-  <p:cSld>
-    <p:spTree>
-      <p:nvGrpSpPr>
-        <p:cNvPr id="1" name=""/>
-        <p:cNvGrpSpPr/>
-        <p:nvPr/>
-      </p:nvGrpSpPr>
-      <p:grpSpPr>
-        <a:xfrm>
-          <a:off x="0" y="0"/>
-          <a:ext cx="0" cy="0"/>
-          <a:chOff x="0" y="0"/>
-          <a:chExt cx="0" cy="0"/>
-        </a:xfrm>
-      </p:grpSpPr>
-      <p:sp>
-        <p:nvSpPr>
-          <p:cNvPr name="Freeform 2" id="2"/>
-          <p:cNvSpPr/>
-          <p:nvPr/>
-        </p:nvSpPr>
-        <p:spPr>
-          <a:xfrm flipH="false" flipV="false" rot="0">
-            <a:off x="0" y="0"/>
-            <a:ext cx="18288000" cy="10287000"/>
-          </a:xfrm>
-          <a:custGeom>
-            <a:avLst/>
-            <a:gdLst/>
-            <a:ahLst/>
-            <a:cxnLst/>
-            <a:rect r="r" b="b" t="t" l="l"/>
-            <a:pathLst>
-              <a:path h="10287000" w="18288000">
-                <a:moveTo>
-                  <a:pt x="0" y="0"/>
-                </a:moveTo>
-                <a:lnTo>
-                  <a:pt x="18288000" y="0"/>
-                </a:lnTo>
-                <a:lnTo>
-                  <a:pt x="18288000" y="10287000"/>
-                </a:lnTo>
-                <a:lnTo>
-                  <a:pt x="0" y="10287000"/>
-                </a:lnTo>
-                <a:lnTo>
-                  <a:pt x="0" y="0"/>
-                </a:lnTo>
-                <a:close/>
-              </a:path>
-            </a:pathLst>
-          </a:custGeom>
-          <a:blipFill>
-            <a:blip r:embed="rId2"/>
-            <a:stretch>
-              <a:fillRect l="0" t="-777" r="0" b="-777"/>
-            </a:stretch>
-          </a:blipFill>
-        </p:spPr>
-      </p:sp>
-      <p:sp>
-        <p:nvSpPr>
-          <p:cNvPr name="Freeform 3" id="3"/>
-          <p:cNvSpPr/>
-          <p:nvPr/>
-        </p:nvSpPr>
-        <p:spPr>
-          <a:xfrm flipH="true" flipV="false" rot="0">
-            <a:off x="10273278" y="5039691"/>
-            <a:ext cx="9295205" cy="5948931"/>
-          </a:xfrm>
-          <a:custGeom>
-            <a:avLst/>
-            <a:gdLst/>
-            <a:ahLst/>
-            <a:cxnLst/>
-            <a:rect r="r" b="b" t="t" l="l"/>
-            <a:pathLst>
-              <a:path h="5948931" w="9295205">
-                <a:moveTo>
-                  <a:pt x="9295205" y="0"/>
-                </a:moveTo>
-                <a:lnTo>
-                  <a:pt x="0" y="0"/>
-                </a:lnTo>
-                <a:lnTo>
-                  <a:pt x="0" y="5948932"/>
-                </a:lnTo>
-                <a:lnTo>
-                  <a:pt x="9295205" y="5948932"/>
-                </a:lnTo>
-                <a:lnTo>
-                  <a:pt x="9295205" y="0"/>
-                </a:lnTo>
-                <a:close/>
-              </a:path>
-            </a:pathLst>
-          </a:custGeom>
-          <a:blipFill>
-            <a:blip r:embed="rId3">
-              <a:extLst>
-                <a:ext uri="{96DAC541-7B7A-43D3-8B79-37D633B846F1}">
-                  <asvg:svgBlip xmlns:asvg="http://schemas.microsoft.com/office/drawing/2016/SVG/main" r:embed="rId4"/>
-                </a:ext>
-              </a:extLst>
-            </a:blip>
-            <a:stretch>
-              <a:fillRect l="0" t="0" r="0" b="0"/>
-            </a:stretch>
-          </a:blipFill>
-        </p:spPr>
-      </p:sp>
-      <p:sp>
-        <p:nvSpPr>
-          <p:cNvPr name="Freeform 4" id="4"/>
-          <p:cNvSpPr/>
-          <p:nvPr/>
-        </p:nvSpPr>
-        <p:spPr>
-          <a:xfrm flipH="false" flipV="true" rot="0">
-            <a:off x="-1280483" y="-701623"/>
-            <a:ext cx="9295205" cy="5948931"/>
-          </a:xfrm>
-          <a:custGeom>
-            <a:avLst/>
-            <a:gdLst/>
-            <a:ahLst/>
-            <a:cxnLst/>
-            <a:rect r="r" b="b" t="t" l="l"/>
-            <a:pathLst>
-              <a:path h="5948931" w="9295205">
-                <a:moveTo>
-                  <a:pt x="0" y="5948932"/>
-                </a:moveTo>
-                <a:lnTo>
-                  <a:pt x="9295205" y="5948932"/>
-                </a:lnTo>
-                <a:lnTo>
-                  <a:pt x="9295205" y="0"/>
-                </a:lnTo>
-                <a:lnTo>
-                  <a:pt x="0" y="0"/>
-                </a:lnTo>
-                <a:lnTo>
-                  <a:pt x="0" y="5948932"/>
-                </a:lnTo>
-                <a:close/>
-              </a:path>
-            </a:pathLst>
-          </a:custGeom>
-          <a:blipFill>
-            <a:blip r:embed="rId3">
-              <a:extLst>
-                <a:ext uri="{96DAC541-7B7A-43D3-8B79-37D633B846F1}">
-                  <asvg:svgBlip xmlns:asvg="http://schemas.microsoft.com/office/drawing/2016/SVG/main" r:embed="rId4"/>
-                </a:ext>
-              </a:extLst>
-            </a:blip>
-            <a:stretch>
-              <a:fillRect l="0" t="0" r="0" b="0"/>
-            </a:stretch>
-          </a:blipFill>
-        </p:spPr>
-      </p:sp>
-      <p:sp>
-        <p:nvSpPr>
-          <p:cNvPr name="Freeform 5" id="5"/>
-          <p:cNvSpPr/>
-          <p:nvPr/>
-        </p:nvSpPr>
-        <p:spPr>
-          <a:xfrm flipH="false" flipV="false" rot="0">
-            <a:off x="14790631" y="-3420266"/>
-            <a:ext cx="5568589" cy="7775011"/>
-          </a:xfrm>
-          <a:custGeom>
-            <a:avLst/>
-            <a:gdLst/>
-            <a:ahLst/>
-            <a:cxnLst/>
-            <a:rect r="r" b="b" t="t" l="l"/>
-            <a:pathLst>
-              <a:path h="7775011" w="5568589">
-                <a:moveTo>
-                  <a:pt x="0" y="0"/>
-                </a:moveTo>
-                <a:lnTo>
-                  <a:pt x="5568589" y="0"/>
-                </a:lnTo>
-                <a:lnTo>
-                  <a:pt x="5568589" y="7775011"/>
-                </a:lnTo>
-                <a:lnTo>
-                  <a:pt x="0" y="7775011"/>
-                </a:lnTo>
-                <a:lnTo>
-                  <a:pt x="0" y="0"/>
-                </a:lnTo>
-                <a:close/>
-              </a:path>
-            </a:pathLst>
-          </a:custGeom>
-          <a:blipFill>
-            <a:blip r:embed="rId5">
-              <a:extLst>
-                <a:ext uri="{96DAC541-7B7A-43D3-8B79-37D633B846F1}">
-                  <asvg:svgBlip xmlns:asvg="http://schemas.microsoft.com/office/drawing/2016/SVG/main" r:embed="rId6"/>
-                </a:ext>
-              </a:extLst>
-            </a:blip>
-            <a:stretch>
-              <a:fillRect l="0" t="0" r="0" b="0"/>
-            </a:stretch>
-          </a:blipFill>
-        </p:spPr>
-      </p:sp>
-      <p:sp>
-        <p:nvSpPr>
-          <p:cNvPr name="Freeform 6" id="6"/>
-          <p:cNvSpPr/>
-          <p:nvPr/>
-        </p:nvSpPr>
-        <p:spPr>
-          <a:xfrm flipH="false" flipV="false" rot="0">
-            <a:off x="-646086" y="6399494"/>
-            <a:ext cx="5568589" cy="7775011"/>
-          </a:xfrm>
-          <a:custGeom>
-            <a:avLst/>
-            <a:gdLst/>
-            <a:ahLst/>
-            <a:cxnLst/>
-            <a:rect r="r" b="b" t="t" l="l"/>
-            <a:pathLst>
-              <a:path h="7775011" w="5568589">
-                <a:moveTo>
-                  <a:pt x="0" y="0"/>
-                </a:moveTo>
-                <a:lnTo>
-                  <a:pt x="5568589" y="0"/>
-                </a:lnTo>
-                <a:lnTo>
-                  <a:pt x="5568589" y="7775012"/>
-                </a:lnTo>
-                <a:lnTo>
-                  <a:pt x="0" y="7775012"/>
-                </a:lnTo>
-                <a:lnTo>
-                  <a:pt x="0" y="0"/>
-                </a:lnTo>
-                <a:close/>
-              </a:path>
-            </a:pathLst>
-          </a:custGeom>
-          <a:blipFill>
-            <a:blip r:embed="rId5">
-              <a:extLst>
-                <a:ext uri="{96DAC541-7B7A-43D3-8B79-37D633B846F1}">
-                  <asvg:svgBlip xmlns:asvg="http://schemas.microsoft.com/office/drawing/2016/SVG/main" r:embed="rId6"/>
-                </a:ext>
-              </a:extLst>
-            </a:blip>
-            <a:stretch>
-              <a:fillRect l="0" t="0" r="0" b="0"/>
-            </a:stretch>
-          </a:blipFill>
-        </p:spPr>
-      </p:sp>
-      <p:sp>
-        <p:nvSpPr>
-          <p:cNvPr name="TextBox 7" id="7"/>
-          <p:cNvSpPr txBox="true"/>
-          <p:nvPr/>
-        </p:nvSpPr>
-        <p:spPr>
-          <a:xfrm rot="0">
-            <a:off x="2743480" y="4136923"/>
-            <a:ext cx="12801040" cy="1813128"/>
-          </a:xfrm>
-          <a:prstGeom prst="rect">
-            <a:avLst/>
-          </a:prstGeom>
-        </p:spPr>
-        <p:txBody>
-          <a:bodyPr anchor="t" rtlCol="false" tIns="0" lIns="0" bIns="0" rIns="0">
+          <a:bodyPr lIns="0" tIns="0" rIns="0" bIns="0" rtlCol="0" anchor="t">
             <a:spAutoFit/>
           </a:bodyPr>
           <a:lstStyle/>
@@ -6353,7 +6561,7 @@
               </a:lnSpc>
             </a:pPr>
             <a:r>
-              <a:rPr lang="en-US" b="true" sz="10634">
+              <a:rPr lang="en-US" sz="10634" b="1">
                 <a:solidFill>
                   <a:srgbClr val="002B58"/>
                 </a:solidFill>
